--- a/SoftwareDevEnvAndTools_2017Autumn/_docs/4_Ders_Sunum.pptx
+++ b/SoftwareDevEnvAndTools_2017Autumn/_docs/4_Ders_Sunum.pptx
@@ -5,18 +5,34 @@
     <p:sldMasterId id="2147483648" r:id="rId1"/>
   </p:sldMasterIdLst>
   <p:notesMasterIdLst>
-    <p:notesMasterId r:id="rId11"/>
+    <p:notesMasterId r:id="rId27"/>
   </p:notesMasterIdLst>
   <p:sldIdLst>
     <p:sldId id="256" r:id="rId2"/>
     <p:sldId id="270" r:id="rId3"/>
     <p:sldId id="275" r:id="rId4"/>
     <p:sldId id="276" r:id="rId5"/>
-    <p:sldId id="277" r:id="rId6"/>
-    <p:sldId id="280" r:id="rId7"/>
-    <p:sldId id="278" r:id="rId8"/>
-    <p:sldId id="279" r:id="rId9"/>
-    <p:sldId id="281" r:id="rId10"/>
+    <p:sldId id="283" r:id="rId6"/>
+    <p:sldId id="284" r:id="rId7"/>
+    <p:sldId id="286" r:id="rId8"/>
+    <p:sldId id="285" r:id="rId9"/>
+    <p:sldId id="277" r:id="rId10"/>
+    <p:sldId id="280" r:id="rId11"/>
+    <p:sldId id="287" r:id="rId12"/>
+    <p:sldId id="278" r:id="rId13"/>
+    <p:sldId id="288" r:id="rId14"/>
+    <p:sldId id="289" r:id="rId15"/>
+    <p:sldId id="290" r:id="rId16"/>
+    <p:sldId id="291" r:id="rId17"/>
+    <p:sldId id="295" r:id="rId18"/>
+    <p:sldId id="292" r:id="rId19"/>
+    <p:sldId id="294" r:id="rId20"/>
+    <p:sldId id="293" r:id="rId21"/>
+    <p:sldId id="297" r:id="rId22"/>
+    <p:sldId id="298" r:id="rId23"/>
+    <p:sldId id="299" r:id="rId24"/>
+    <p:sldId id="279" r:id="rId25"/>
+    <p:sldId id="281" r:id="rId26"/>
   </p:sldIdLst>
   <p:sldSz cx="12192000" cy="6858000"/>
   <p:notesSz cx="6858000" cy="9144000"/>
@@ -205,7 +221,7 @@
           <a:p>
             <a:fld id="{B3207CAC-C26B-42E0-91CD-6FE9D13FBCE9}" type="datetimeFigureOut">
               <a:rPr lang="en-US" smtClean="0"/>
-              <a:t>11/13/2017</a:t>
+              <a:t>11/17/2017</a:t>
             </a:fld>
             <a:endParaRPr lang="en-US"/>
           </a:p>
@@ -604,7 +620,7 @@
           <a:p>
             <a:fld id="{EECEEC52-8D9E-4237-865F-BE356F57FB9F}" type="datetimeFigureOut">
               <a:rPr lang="en-US" smtClean="0"/>
-              <a:t>11/13/2017</a:t>
+              <a:t>11/17/2017</a:t>
             </a:fld>
             <a:endParaRPr lang="en-US"/>
           </a:p>
@@ -774,7 +790,7 @@
           <a:p>
             <a:fld id="{EECEEC52-8D9E-4237-865F-BE356F57FB9F}" type="datetimeFigureOut">
               <a:rPr lang="en-US" smtClean="0"/>
-              <a:t>11/13/2017</a:t>
+              <a:t>11/17/2017</a:t>
             </a:fld>
             <a:endParaRPr lang="en-US"/>
           </a:p>
@@ -954,7 +970,7 @@
           <a:p>
             <a:fld id="{EECEEC52-8D9E-4237-865F-BE356F57FB9F}" type="datetimeFigureOut">
               <a:rPr lang="en-US" smtClean="0"/>
-              <a:t>11/13/2017</a:t>
+              <a:t>11/17/2017</a:t>
             </a:fld>
             <a:endParaRPr lang="en-US"/>
           </a:p>
@@ -1124,7 +1140,7 @@
           <a:p>
             <a:fld id="{EECEEC52-8D9E-4237-865F-BE356F57FB9F}" type="datetimeFigureOut">
               <a:rPr lang="en-US" smtClean="0"/>
-              <a:t>11/13/2017</a:t>
+              <a:t>11/17/2017</a:t>
             </a:fld>
             <a:endParaRPr lang="en-US"/>
           </a:p>
@@ -1370,7 +1386,7 @@
           <a:p>
             <a:fld id="{EECEEC52-8D9E-4237-865F-BE356F57FB9F}" type="datetimeFigureOut">
               <a:rPr lang="en-US" smtClean="0"/>
-              <a:t>11/13/2017</a:t>
+              <a:t>11/17/2017</a:t>
             </a:fld>
             <a:endParaRPr lang="en-US"/>
           </a:p>
@@ -1602,7 +1618,7 @@
           <a:p>
             <a:fld id="{EECEEC52-8D9E-4237-865F-BE356F57FB9F}" type="datetimeFigureOut">
               <a:rPr lang="en-US" smtClean="0"/>
-              <a:t>11/13/2017</a:t>
+              <a:t>11/17/2017</a:t>
             </a:fld>
             <a:endParaRPr lang="en-US"/>
           </a:p>
@@ -1969,7 +1985,7 @@
           <a:p>
             <a:fld id="{EECEEC52-8D9E-4237-865F-BE356F57FB9F}" type="datetimeFigureOut">
               <a:rPr lang="en-US" smtClean="0"/>
-              <a:t>11/13/2017</a:t>
+              <a:t>11/17/2017</a:t>
             </a:fld>
             <a:endParaRPr lang="en-US"/>
           </a:p>
@@ -2087,7 +2103,7 @@
           <a:p>
             <a:fld id="{EECEEC52-8D9E-4237-865F-BE356F57FB9F}" type="datetimeFigureOut">
               <a:rPr lang="en-US" smtClean="0"/>
-              <a:t>11/13/2017</a:t>
+              <a:t>11/17/2017</a:t>
             </a:fld>
             <a:endParaRPr lang="en-US"/>
           </a:p>
@@ -2182,7 +2198,7 @@
           <a:p>
             <a:fld id="{EECEEC52-8D9E-4237-865F-BE356F57FB9F}" type="datetimeFigureOut">
               <a:rPr lang="en-US" smtClean="0"/>
-              <a:t>11/13/2017</a:t>
+              <a:t>11/17/2017</a:t>
             </a:fld>
             <a:endParaRPr lang="en-US"/>
           </a:p>
@@ -2459,7 +2475,7 @@
           <a:p>
             <a:fld id="{EECEEC52-8D9E-4237-865F-BE356F57FB9F}" type="datetimeFigureOut">
               <a:rPr lang="en-US" smtClean="0"/>
-              <a:t>11/13/2017</a:t>
+              <a:t>11/17/2017</a:t>
             </a:fld>
             <a:endParaRPr lang="en-US"/>
           </a:p>
@@ -2712,7 +2728,7 @@
           <a:p>
             <a:fld id="{EECEEC52-8D9E-4237-865F-BE356F57FB9F}" type="datetimeFigureOut">
               <a:rPr lang="en-US" smtClean="0"/>
-              <a:t>11/13/2017</a:t>
+              <a:t>11/17/2017</a:t>
             </a:fld>
             <a:endParaRPr lang="en-US"/>
           </a:p>
@@ -2925,7 +2941,7 @@
           <a:p>
             <a:fld id="{EECEEC52-8D9E-4237-865F-BE356F57FB9F}" type="datetimeFigureOut">
               <a:rPr lang="en-US" smtClean="0"/>
-              <a:t>11/13/2017</a:t>
+              <a:t>11/17/2017</a:t>
             </a:fld>
             <a:endParaRPr lang="en-US"/>
           </a:p>
@@ -3418,11 +3434,7 @@
             </a:r>
             <a:r>
               <a:rPr lang="tr-TR" dirty="0" smtClean="0"/>
-              <a:t>. </a:t>
-            </a:r>
-            <a:r>
-              <a:rPr lang="tr-TR" dirty="0" smtClean="0"/>
-              <a:t>Hafta</a:t>
+              <a:t>. Hafta</a:t>
             </a:r>
           </a:p>
           <a:p>
@@ -3430,7 +3442,6 @@
               <a:rPr lang="tr-TR" dirty="0" smtClean="0"/>
               <a:t>Maven, Junit ve Git Kullanimi</a:t>
             </a:r>
-            <a:endParaRPr lang="tr-TR" dirty="0" smtClean="0"/>
           </a:p>
           <a:p>
             <a:endParaRPr lang="en-US" dirty="0"/>
@@ -3446,7 +3457,7 @@
         <p:spPr>
           <a:xfrm>
             <a:off x="577515" y="5257800"/>
-            <a:ext cx="11410269" cy="1107996"/>
+            <a:ext cx="11410269" cy="1292662"/>
           </a:xfrm>
           <a:prstGeom prst="rect">
             <a:avLst/>
@@ -3501,7 +3512,22 @@
             <a:pPr algn="r"/>
             <a:r>
               <a:rPr lang="tr-TR" sz="1200" dirty="0"/>
-              <a:t>4-) https://www.gitbook.com/book/vigo/git-puf-noktalari/details  </a:t>
+              <a:t>4-) https://</a:t>
+            </a:r>
+            <a:r>
+              <a:rPr lang="tr-TR" sz="1200" dirty="0" smtClean="0"/>
+              <a:t>www.gitbook.com/book/vigo/git-puf-noktalari/details</a:t>
+            </a:r>
+          </a:p>
+          <a:p>
+            <a:pPr algn="r"/>
+            <a:r>
+              <a:rPr lang="tr-TR" sz="1200" dirty="0"/>
+              <a:t>5-) https://kurukod.wordpress.com/2015/06/26/maven-nedir-nasil-kullanilir-2/</a:t>
+            </a:r>
+            <a:r>
+              <a:rPr lang="tr-TR" sz="1200" dirty="0" smtClean="0"/>
+              <a:t>  </a:t>
             </a:r>
             <a:endParaRPr lang="en-US" dirty="0"/>
           </a:p>
@@ -3524,6 +3550,2095 @@
       </p:par>
     </p:tnLst>
   </p:timing>
+</p:sld>
+</file>
+
+<file path=ppt/slides/slide10.xml><?xml version="1.0" encoding="utf-8"?>
+<p:sld xmlns:a="http://schemas.openxmlformats.org/drawingml/2006/main" xmlns:r="http://schemas.openxmlformats.org/officeDocument/2006/relationships" xmlns:p="http://schemas.openxmlformats.org/presentationml/2006/main">
+  <p:cSld>
+    <p:spTree>
+      <p:nvGrpSpPr>
+        <p:cNvPr id="1" name=""/>
+        <p:cNvGrpSpPr/>
+        <p:nvPr/>
+      </p:nvGrpSpPr>
+      <p:grpSpPr>
+        <a:xfrm>
+          <a:off x="0" y="0"/>
+          <a:ext cx="0" cy="0"/>
+          <a:chOff x="0" y="0"/>
+          <a:chExt cx="0" cy="0"/>
+        </a:xfrm>
+      </p:grpSpPr>
+      <p:sp>
+        <p:nvSpPr>
+          <p:cNvPr id="4" name="Title 3"/>
+          <p:cNvSpPr>
+            <a:spLocks noGrp="1"/>
+          </p:cNvSpPr>
+          <p:nvPr>
+            <p:ph type="title"/>
+          </p:nvPr>
+        </p:nvSpPr>
+        <p:spPr/>
+        <p:txBody>
+          <a:bodyPr>
+            <a:normAutofit/>
+          </a:bodyPr>
+          <a:lstStyle/>
+          <a:p>
+            <a:r>
+              <a:rPr lang="tr-TR" sz="3600" b="1" dirty="0" smtClean="0">
+                <a:solidFill>
+                  <a:srgbClr val="002060"/>
+                </a:solidFill>
+                <a:latin typeface="Arial" panose="020B0604020202020204" pitchFamily="34" charset="0"/>
+                <a:cs typeface="Arial" panose="020B0604020202020204" pitchFamily="34" charset="0"/>
+              </a:rPr>
+              <a:t>Birim Testler</a:t>
+            </a:r>
+            <a:endParaRPr lang="en-US" sz="3600" b="1" dirty="0">
+              <a:solidFill>
+                <a:srgbClr val="002060"/>
+              </a:solidFill>
+              <a:latin typeface="Arial" panose="020B0604020202020204" pitchFamily="34" charset="0"/>
+              <a:cs typeface="Arial" panose="020B0604020202020204" pitchFamily="34" charset="0"/>
+            </a:endParaRPr>
+          </a:p>
+        </p:txBody>
+      </p:sp>
+      <p:sp>
+        <p:nvSpPr>
+          <p:cNvPr id="2" name="Content Placeholder 1"/>
+          <p:cNvSpPr>
+            <a:spLocks noGrp="1"/>
+          </p:cNvSpPr>
+          <p:nvPr>
+            <p:ph idx="1"/>
+          </p:nvPr>
+        </p:nvSpPr>
+        <p:spPr/>
+        <p:txBody>
+          <a:bodyPr/>
+          <a:lstStyle/>
+          <a:p>
+            <a:r>
+              <a:rPr lang="tr-TR" dirty="0" smtClean="0"/>
+              <a:t>Birim (Unit) </a:t>
+            </a:r>
+            <a:r>
+              <a:rPr lang="tr-TR" dirty="0"/>
+              <a:t>test, yazılımda en temel test çeşitidir. Yazılan fonksiyonların çalışıp çalışmadığının testlerini yapmak için kullanılır. </a:t>
+            </a:r>
+            <a:endParaRPr lang="tr-TR" dirty="0" smtClean="0"/>
+          </a:p>
+          <a:p>
+            <a:r>
+              <a:rPr lang="tr-TR" dirty="0" smtClean="0"/>
+              <a:t>Buradaki </a:t>
+            </a:r>
+            <a:r>
+              <a:rPr lang="tr-TR" dirty="0"/>
+              <a:t>en temel noktalardan biri, oluşturulan bütün testler birbirinden bağımsız çalışmaktadır ve her testin tek bir sonucu olmalıdır (true / false</a:t>
+            </a:r>
+            <a:r>
+              <a:rPr lang="tr-TR" dirty="0" smtClean="0"/>
+              <a:t>)</a:t>
+            </a:r>
+          </a:p>
+          <a:p>
+            <a:r>
+              <a:rPr lang="en-US" dirty="0"/>
+              <a:t>JUnit </a:t>
+            </a:r>
+            <a:r>
+              <a:rPr lang="tr-TR" dirty="0" smtClean="0"/>
+              <a:t>, </a:t>
+            </a:r>
+            <a:r>
+              <a:rPr lang="en-US" dirty="0" smtClean="0"/>
+              <a:t>Java </a:t>
+            </a:r>
+            <a:r>
+              <a:rPr lang="en-US" dirty="0"/>
+              <a:t>da </a:t>
+            </a:r>
+            <a:r>
+              <a:rPr lang="en-US" dirty="0" err="1"/>
+              <a:t>en</a:t>
+            </a:r>
+            <a:r>
+              <a:rPr lang="en-US" dirty="0"/>
+              <a:t> </a:t>
+            </a:r>
+            <a:r>
+              <a:rPr lang="en-US" dirty="0" err="1"/>
+              <a:t>sık</a:t>
+            </a:r>
+            <a:r>
+              <a:rPr lang="en-US" dirty="0"/>
+              <a:t> </a:t>
+            </a:r>
+            <a:r>
+              <a:rPr lang="en-US" dirty="0" err="1"/>
+              <a:t>kullanılan</a:t>
+            </a:r>
+            <a:r>
+              <a:rPr lang="en-US" dirty="0"/>
+              <a:t> Test </a:t>
+            </a:r>
+            <a:r>
+              <a:rPr lang="en-US" dirty="0" smtClean="0"/>
+              <a:t>Framework</a:t>
+            </a:r>
+            <a:r>
+              <a:rPr lang="tr-TR" dirty="0" smtClean="0"/>
+              <a:t>’leridnen biridir.</a:t>
+            </a:r>
+            <a:endParaRPr lang="en-US" dirty="0"/>
+          </a:p>
+        </p:txBody>
+      </p:sp>
+    </p:spTree>
+    <p:extLst>
+      <p:ext uri="{BB962C8B-B14F-4D97-AF65-F5344CB8AC3E}">
+        <p14:creationId xmlns:p14="http://schemas.microsoft.com/office/powerpoint/2010/main" val="2706264057"/>
+      </p:ext>
+    </p:extLst>
+  </p:cSld>
+  <p:clrMapOvr>
+    <a:masterClrMapping/>
+  </p:clrMapOvr>
+</p:sld>
+</file>
+
+<file path=ppt/slides/slide11.xml><?xml version="1.0" encoding="utf-8"?>
+<p:sld xmlns:a="http://schemas.openxmlformats.org/drawingml/2006/main" xmlns:r="http://schemas.openxmlformats.org/officeDocument/2006/relationships" xmlns:p="http://schemas.openxmlformats.org/presentationml/2006/main">
+  <p:cSld>
+    <p:spTree>
+      <p:nvGrpSpPr>
+        <p:cNvPr id="1" name=""/>
+        <p:cNvGrpSpPr/>
+        <p:nvPr/>
+      </p:nvGrpSpPr>
+      <p:grpSpPr>
+        <a:xfrm>
+          <a:off x="0" y="0"/>
+          <a:ext cx="0" cy="0"/>
+          <a:chOff x="0" y="0"/>
+          <a:chExt cx="0" cy="0"/>
+        </a:xfrm>
+      </p:grpSpPr>
+      <p:sp>
+        <p:nvSpPr>
+          <p:cNvPr id="2" name="Title 1"/>
+          <p:cNvSpPr>
+            <a:spLocks noGrp="1"/>
+          </p:cNvSpPr>
+          <p:nvPr>
+            <p:ph type="title"/>
+          </p:nvPr>
+        </p:nvSpPr>
+        <p:spPr/>
+        <p:txBody>
+          <a:bodyPr/>
+          <a:lstStyle/>
+          <a:p>
+            <a:r>
+              <a:rPr lang="tr-TR" b="1" dirty="0" smtClean="0">
+                <a:solidFill>
+                  <a:srgbClr val="002060"/>
+                </a:solidFill>
+                <a:latin typeface="Arial" panose="020B0604020202020204" pitchFamily="34" charset="0"/>
+                <a:cs typeface="Arial" panose="020B0604020202020204" pitchFamily="34" charset="0"/>
+              </a:rPr>
+              <a:t>Örnek</a:t>
+            </a:r>
+            <a:endParaRPr lang="en-US" dirty="0"/>
+          </a:p>
+        </p:txBody>
+      </p:sp>
+      <p:pic>
+        <p:nvPicPr>
+          <p:cNvPr id="3" name="Picture 2"/>
+          <p:cNvPicPr>
+            <a:picLocks noChangeAspect="1"/>
+          </p:cNvPicPr>
+          <p:nvPr/>
+        </p:nvPicPr>
+        <p:blipFill>
+          <a:blip r:embed="rId2"/>
+          <a:stretch>
+            <a:fillRect/>
+          </a:stretch>
+        </p:blipFill>
+        <p:spPr>
+          <a:xfrm>
+            <a:off x="589037" y="1690688"/>
+            <a:ext cx="4914900" cy="4562475"/>
+          </a:xfrm>
+          <a:prstGeom prst="rect">
+            <a:avLst/>
+          </a:prstGeom>
+          <a:effectLst>
+            <a:outerShdw blurRad="63500" sx="102000" sy="102000" algn="ctr" rotWithShape="0">
+              <a:prstClr val="black">
+                <a:alpha val="40000"/>
+              </a:prstClr>
+            </a:outerShdw>
+          </a:effectLst>
+        </p:spPr>
+      </p:pic>
+      <p:pic>
+        <p:nvPicPr>
+          <p:cNvPr id="4" name="Picture 3"/>
+          <p:cNvPicPr>
+            <a:picLocks noChangeAspect="1"/>
+          </p:cNvPicPr>
+          <p:nvPr/>
+        </p:nvPicPr>
+        <p:blipFill>
+          <a:blip r:embed="rId3"/>
+          <a:stretch>
+            <a:fillRect/>
+          </a:stretch>
+        </p:blipFill>
+        <p:spPr>
+          <a:xfrm>
+            <a:off x="6177064" y="185333"/>
+            <a:ext cx="5849863" cy="6517024"/>
+          </a:xfrm>
+          <a:prstGeom prst="rect">
+            <a:avLst/>
+          </a:prstGeom>
+          <a:effectLst>
+            <a:outerShdw blurRad="63500" sx="102000" sy="102000" algn="ctr" rotWithShape="0">
+              <a:prstClr val="black">
+                <a:alpha val="40000"/>
+              </a:prstClr>
+            </a:outerShdw>
+          </a:effectLst>
+        </p:spPr>
+      </p:pic>
+    </p:spTree>
+    <p:extLst>
+      <p:ext uri="{BB962C8B-B14F-4D97-AF65-F5344CB8AC3E}">
+        <p14:creationId xmlns:p14="http://schemas.microsoft.com/office/powerpoint/2010/main" val="2962718837"/>
+      </p:ext>
+    </p:extLst>
+  </p:cSld>
+  <p:clrMapOvr>
+    <a:masterClrMapping/>
+  </p:clrMapOvr>
+</p:sld>
+</file>
+
+<file path=ppt/slides/slide12.xml><?xml version="1.0" encoding="utf-8"?>
+<p:sld xmlns:a="http://schemas.openxmlformats.org/drawingml/2006/main" xmlns:r="http://schemas.openxmlformats.org/officeDocument/2006/relationships" xmlns:p="http://schemas.openxmlformats.org/presentationml/2006/main">
+  <p:cSld>
+    <p:spTree>
+      <p:nvGrpSpPr>
+        <p:cNvPr id="1" name=""/>
+        <p:cNvGrpSpPr/>
+        <p:nvPr/>
+      </p:nvGrpSpPr>
+      <p:grpSpPr>
+        <a:xfrm>
+          <a:off x="0" y="0"/>
+          <a:ext cx="0" cy="0"/>
+          <a:chOff x="0" y="0"/>
+          <a:chExt cx="0" cy="0"/>
+        </a:xfrm>
+      </p:grpSpPr>
+      <p:sp>
+        <p:nvSpPr>
+          <p:cNvPr id="2" name="Title 1"/>
+          <p:cNvSpPr>
+            <a:spLocks noGrp="1"/>
+          </p:cNvSpPr>
+          <p:nvPr>
+            <p:ph type="title"/>
+          </p:nvPr>
+        </p:nvSpPr>
+        <p:spPr/>
+        <p:txBody>
+          <a:bodyPr>
+            <a:normAutofit/>
+          </a:bodyPr>
+          <a:lstStyle/>
+          <a:p>
+            <a:r>
+              <a:rPr lang="tr-TR" sz="7200" b="1" dirty="0" smtClean="0"/>
+              <a:t>Git</a:t>
+            </a:r>
+            <a:endParaRPr lang="en-US" sz="7200" b="1" dirty="0"/>
+          </a:p>
+        </p:txBody>
+      </p:sp>
+      <p:sp>
+        <p:nvSpPr>
+          <p:cNvPr id="3" name="Text Placeholder 2"/>
+          <p:cNvSpPr>
+            <a:spLocks noGrp="1"/>
+          </p:cNvSpPr>
+          <p:nvPr>
+            <p:ph type="body" idx="1"/>
+          </p:nvPr>
+        </p:nvSpPr>
+        <p:spPr/>
+        <p:txBody>
+          <a:bodyPr>
+            <a:normAutofit/>
+          </a:bodyPr>
+          <a:lstStyle/>
+          <a:p>
+            <a:pPr marL="571500" indent="-571500">
+              <a:buFont typeface="Courier New" panose="02070309020205020404" pitchFamily="49" charset="0"/>
+              <a:buChar char="o"/>
+            </a:pPr>
+            <a:r>
+              <a:rPr lang="tr-TR" sz="3600" dirty="0" smtClean="0"/>
+              <a:t>Git nedir?</a:t>
+            </a:r>
+            <a:endParaRPr lang="en-US" sz="3600" dirty="0"/>
+          </a:p>
+        </p:txBody>
+      </p:sp>
+    </p:spTree>
+    <p:extLst>
+      <p:ext uri="{BB962C8B-B14F-4D97-AF65-F5344CB8AC3E}">
+        <p14:creationId xmlns:p14="http://schemas.microsoft.com/office/powerpoint/2010/main" val="776953048"/>
+      </p:ext>
+    </p:extLst>
+  </p:cSld>
+  <p:clrMapOvr>
+    <a:masterClrMapping/>
+  </p:clrMapOvr>
+  <p:timing>
+    <p:tnLst>
+      <p:par>
+        <p:cTn id="1" dur="indefinite" restart="never" nodeType="tmRoot"/>
+      </p:par>
+    </p:tnLst>
+  </p:timing>
+</p:sld>
+</file>
+
+<file path=ppt/slides/slide13.xml><?xml version="1.0" encoding="utf-8"?>
+<p:sld xmlns:a="http://schemas.openxmlformats.org/drawingml/2006/main" xmlns:r="http://schemas.openxmlformats.org/officeDocument/2006/relationships" xmlns:p="http://schemas.openxmlformats.org/presentationml/2006/main">
+  <p:cSld>
+    <p:spTree>
+      <p:nvGrpSpPr>
+        <p:cNvPr id="1" name=""/>
+        <p:cNvGrpSpPr/>
+        <p:nvPr/>
+      </p:nvGrpSpPr>
+      <p:grpSpPr>
+        <a:xfrm>
+          <a:off x="0" y="0"/>
+          <a:ext cx="0" cy="0"/>
+          <a:chOff x="0" y="0"/>
+          <a:chExt cx="0" cy="0"/>
+        </a:xfrm>
+      </p:grpSpPr>
+      <p:sp>
+        <p:nvSpPr>
+          <p:cNvPr id="4" name="Title 3"/>
+          <p:cNvSpPr>
+            <a:spLocks noGrp="1"/>
+          </p:cNvSpPr>
+          <p:nvPr>
+            <p:ph type="title"/>
+          </p:nvPr>
+        </p:nvSpPr>
+        <p:spPr/>
+        <p:txBody>
+          <a:bodyPr>
+            <a:normAutofit/>
+          </a:bodyPr>
+          <a:lstStyle/>
+          <a:p>
+            <a:r>
+              <a:rPr lang="tr-TR" sz="3600" b="1" dirty="0" smtClean="0">
+                <a:solidFill>
+                  <a:srgbClr val="002060"/>
+                </a:solidFill>
+                <a:latin typeface="Arial" panose="020B0604020202020204" pitchFamily="34" charset="0"/>
+                <a:cs typeface="Arial" panose="020B0604020202020204" pitchFamily="34" charset="0"/>
+              </a:rPr>
+              <a:t>Git Nedir?</a:t>
+            </a:r>
+            <a:endParaRPr lang="en-US" sz="3600" b="1" dirty="0">
+              <a:solidFill>
+                <a:srgbClr val="002060"/>
+              </a:solidFill>
+              <a:latin typeface="Arial" panose="020B0604020202020204" pitchFamily="34" charset="0"/>
+              <a:cs typeface="Arial" panose="020B0604020202020204" pitchFamily="34" charset="0"/>
+            </a:endParaRPr>
+          </a:p>
+        </p:txBody>
+      </p:sp>
+      <p:sp>
+        <p:nvSpPr>
+          <p:cNvPr id="2" name="Content Placeholder 1"/>
+          <p:cNvSpPr>
+            <a:spLocks noGrp="1"/>
+          </p:cNvSpPr>
+          <p:nvPr>
+            <p:ph idx="1"/>
+          </p:nvPr>
+        </p:nvSpPr>
+        <p:spPr/>
+        <p:txBody>
+          <a:bodyPr>
+            <a:normAutofit/>
+          </a:bodyPr>
+          <a:lstStyle/>
+          <a:p>
+            <a:r>
+              <a:rPr lang="en-US" dirty="0" smtClean="0"/>
+              <a:t>GIT, </a:t>
+            </a:r>
+            <a:r>
+              <a:rPr lang="en-US" dirty="0" err="1"/>
+              <a:t>dağıtık</a:t>
+            </a:r>
+            <a:r>
+              <a:rPr lang="en-US" dirty="0"/>
+              <a:t> </a:t>
+            </a:r>
+            <a:r>
+              <a:rPr lang="en-US" dirty="0" err="1"/>
+              <a:t>çalışan</a:t>
+            </a:r>
+            <a:r>
+              <a:rPr lang="en-US" dirty="0"/>
+              <a:t> </a:t>
+            </a:r>
+            <a:r>
+              <a:rPr lang="en-US" dirty="0" err="1"/>
+              <a:t>sürüm</a:t>
+            </a:r>
+            <a:r>
+              <a:rPr lang="en-US" dirty="0"/>
+              <a:t> </a:t>
+            </a:r>
+            <a:r>
+              <a:rPr lang="en-US" dirty="0" err="1"/>
+              <a:t>kontrol</a:t>
+            </a:r>
+            <a:r>
+              <a:rPr lang="en-US" dirty="0"/>
+              <a:t> </a:t>
+            </a:r>
+            <a:r>
+              <a:rPr lang="en-US" dirty="0" err="1"/>
+              <a:t>sistemi</a:t>
+            </a:r>
+            <a:r>
+              <a:rPr lang="en-US" dirty="0"/>
+              <a:t> (</a:t>
+            </a:r>
+            <a:r>
+              <a:rPr lang="en-US" i="1" dirty="0"/>
+              <a:t>DVCS</a:t>
+            </a:r>
+            <a:r>
+              <a:rPr lang="en-US" dirty="0"/>
+              <a:t>) ve </a:t>
+            </a:r>
+            <a:r>
+              <a:rPr lang="en-US" dirty="0" err="1"/>
+              <a:t>kaynak</a:t>
+            </a:r>
+            <a:r>
+              <a:rPr lang="en-US" dirty="0"/>
+              <a:t> </a:t>
+            </a:r>
+            <a:r>
+              <a:rPr lang="en-US" dirty="0" err="1"/>
+              <a:t>kod</a:t>
+            </a:r>
+            <a:r>
+              <a:rPr lang="en-US" dirty="0"/>
+              <a:t> </a:t>
+            </a:r>
+            <a:r>
+              <a:rPr lang="en-US" dirty="0" err="1"/>
+              <a:t>yönetim</a:t>
+            </a:r>
+            <a:r>
+              <a:rPr lang="en-US" dirty="0"/>
+              <a:t> (</a:t>
+            </a:r>
+            <a:r>
+              <a:rPr lang="en-US" i="1" dirty="0"/>
+              <a:t>SCM</a:t>
+            </a:r>
+            <a:r>
+              <a:rPr lang="en-US" dirty="0"/>
+              <a:t>) </a:t>
+            </a:r>
+            <a:r>
+              <a:rPr lang="en-US" dirty="0" err="1"/>
+              <a:t>aracıdır</a:t>
+            </a:r>
+            <a:r>
+              <a:rPr lang="en-US" dirty="0" smtClean="0"/>
+              <a:t>.</a:t>
+            </a:r>
+            <a:endParaRPr lang="tr-TR" dirty="0" smtClean="0"/>
+          </a:p>
+          <a:p>
+            <a:pPr lvl="1"/>
+            <a:r>
+              <a:rPr lang="en-US" dirty="0"/>
+              <a:t>DVCS: </a:t>
+            </a:r>
+            <a:r>
+              <a:rPr lang="en-US" b="1" dirty="0"/>
+              <a:t>D</a:t>
+            </a:r>
+            <a:r>
+              <a:rPr lang="en-US" dirty="0"/>
+              <a:t>istributed </a:t>
+            </a:r>
+            <a:r>
+              <a:rPr lang="en-US" b="1" dirty="0"/>
+              <a:t>V</a:t>
+            </a:r>
+            <a:r>
+              <a:rPr lang="en-US" dirty="0"/>
+              <a:t>ersion </a:t>
+            </a:r>
+            <a:r>
+              <a:rPr lang="en-US" b="1" dirty="0"/>
+              <a:t>C</a:t>
+            </a:r>
+            <a:r>
+              <a:rPr lang="en-US" dirty="0"/>
+              <a:t>ontrol </a:t>
+            </a:r>
+            <a:r>
+              <a:rPr lang="en-US" b="1" dirty="0"/>
+              <a:t>S</a:t>
+            </a:r>
+            <a:r>
+              <a:rPr lang="en-US" dirty="0"/>
+              <a:t>ystem, </a:t>
+            </a:r>
+            <a:endParaRPr lang="tr-TR" dirty="0" smtClean="0"/>
+          </a:p>
+          <a:p>
+            <a:pPr lvl="1"/>
+            <a:r>
+              <a:rPr lang="en-US" dirty="0" smtClean="0"/>
+              <a:t>SCM</a:t>
+            </a:r>
+            <a:r>
+              <a:rPr lang="en-US" dirty="0"/>
+              <a:t>: </a:t>
+            </a:r>
+            <a:r>
+              <a:rPr lang="en-US" b="1" dirty="0"/>
+              <a:t>S</a:t>
+            </a:r>
+            <a:r>
+              <a:rPr lang="en-US" dirty="0"/>
+              <a:t>ource </a:t>
+            </a:r>
+            <a:r>
+              <a:rPr lang="en-US" b="1" dirty="0"/>
+              <a:t>C</a:t>
+            </a:r>
+            <a:r>
+              <a:rPr lang="en-US" dirty="0"/>
+              <a:t>ode </a:t>
+            </a:r>
+            <a:r>
+              <a:rPr lang="en-US" b="1" dirty="0"/>
+              <a:t>M</a:t>
+            </a:r>
+            <a:r>
+              <a:rPr lang="en-US" dirty="0"/>
+              <a:t>anagement </a:t>
+            </a:r>
+            <a:r>
+              <a:rPr lang="en-US" dirty="0" err="1"/>
+              <a:t>anlamına</a:t>
+            </a:r>
+            <a:r>
+              <a:rPr lang="en-US" dirty="0"/>
+              <a:t> </a:t>
+            </a:r>
+            <a:r>
+              <a:rPr lang="en-US" dirty="0" err="1"/>
+              <a:t>gelir</a:t>
+            </a:r>
+            <a:r>
+              <a:rPr lang="en-US" dirty="0" smtClean="0"/>
+              <a:t>.</a:t>
+            </a:r>
+            <a:endParaRPr lang="tr-TR" dirty="0" smtClean="0"/>
+          </a:p>
+          <a:p>
+            <a:endParaRPr lang="tr-TR" dirty="0" smtClean="0"/>
+          </a:p>
+          <a:p>
+            <a:r>
+              <a:rPr lang="en-US" dirty="0" err="1" smtClean="0"/>
+              <a:t>Herhangi</a:t>
+            </a:r>
+            <a:r>
+              <a:rPr lang="en-US" dirty="0" smtClean="0"/>
+              <a:t> </a:t>
+            </a:r>
+            <a:r>
+              <a:rPr lang="en-US" dirty="0" err="1"/>
+              <a:t>bir</a:t>
+            </a:r>
+            <a:r>
+              <a:rPr lang="en-US" dirty="0"/>
+              <a:t> </a:t>
+            </a:r>
+            <a:r>
+              <a:rPr lang="en-US" dirty="0" err="1"/>
+              <a:t>merkez</a:t>
+            </a:r>
+            <a:r>
+              <a:rPr lang="en-US" dirty="0"/>
+              <a:t> </a:t>
+            </a:r>
+            <a:r>
+              <a:rPr lang="en-US" dirty="0" err="1"/>
+              <a:t>sunucuya</a:t>
+            </a:r>
+            <a:r>
+              <a:rPr lang="en-US" dirty="0"/>
+              <a:t> </a:t>
+            </a:r>
+            <a:r>
+              <a:rPr lang="en-US" dirty="0" err="1"/>
+              <a:t>ihtiyaç</a:t>
+            </a:r>
+            <a:r>
+              <a:rPr lang="en-US" dirty="0"/>
+              <a:t> </a:t>
+            </a:r>
+            <a:r>
+              <a:rPr lang="en-US" dirty="0" err="1"/>
+              <a:t>duymadan</a:t>
+            </a:r>
+            <a:r>
+              <a:rPr lang="en-US" dirty="0"/>
+              <a:t>, offline </a:t>
+            </a:r>
+            <a:r>
+              <a:rPr lang="en-US" dirty="0" err="1"/>
+              <a:t>olarak</a:t>
+            </a:r>
+            <a:r>
+              <a:rPr lang="en-US" dirty="0"/>
+              <a:t> </a:t>
+            </a:r>
+            <a:r>
+              <a:rPr lang="en-US" dirty="0" err="1" smtClean="0"/>
+              <a:t>çalışabilmesi</a:t>
+            </a:r>
+            <a:r>
+              <a:rPr lang="tr-TR" dirty="0" smtClean="0"/>
+              <a:t>, kolay merge ve branch alma gibi özellikleriyle diğer eş değer araçlara göre öne çıkar.</a:t>
+            </a:r>
+          </a:p>
+          <a:p>
+            <a:endParaRPr lang="tr-TR" dirty="0"/>
+          </a:p>
+          <a:p>
+            <a:endParaRPr lang="en-US" dirty="0"/>
+          </a:p>
+        </p:txBody>
+      </p:sp>
+    </p:spTree>
+    <p:extLst>
+      <p:ext uri="{BB962C8B-B14F-4D97-AF65-F5344CB8AC3E}">
+        <p14:creationId xmlns:p14="http://schemas.microsoft.com/office/powerpoint/2010/main" val="1827157156"/>
+      </p:ext>
+    </p:extLst>
+  </p:cSld>
+  <p:clrMapOvr>
+    <a:masterClrMapping/>
+  </p:clrMapOvr>
+</p:sld>
+</file>
+
+<file path=ppt/slides/slide14.xml><?xml version="1.0" encoding="utf-8"?>
+<p:sld xmlns:a="http://schemas.openxmlformats.org/drawingml/2006/main" xmlns:r="http://schemas.openxmlformats.org/officeDocument/2006/relationships" xmlns:p="http://schemas.openxmlformats.org/presentationml/2006/main">
+  <p:cSld>
+    <p:spTree>
+      <p:nvGrpSpPr>
+        <p:cNvPr id="1" name=""/>
+        <p:cNvGrpSpPr/>
+        <p:nvPr/>
+      </p:nvGrpSpPr>
+      <p:grpSpPr>
+        <a:xfrm>
+          <a:off x="0" y="0"/>
+          <a:ext cx="0" cy="0"/>
+          <a:chOff x="0" y="0"/>
+          <a:chExt cx="0" cy="0"/>
+        </a:xfrm>
+      </p:grpSpPr>
+      <p:sp>
+        <p:nvSpPr>
+          <p:cNvPr id="4" name="Title 3"/>
+          <p:cNvSpPr>
+            <a:spLocks noGrp="1"/>
+          </p:cNvSpPr>
+          <p:nvPr>
+            <p:ph type="title"/>
+          </p:nvPr>
+        </p:nvSpPr>
+        <p:spPr/>
+        <p:txBody>
+          <a:bodyPr>
+            <a:normAutofit/>
+          </a:bodyPr>
+          <a:lstStyle/>
+          <a:p>
+            <a:r>
+              <a:rPr lang="tr-TR" sz="3600" b="1" dirty="0">
+                <a:solidFill>
+                  <a:srgbClr val="002060"/>
+                </a:solidFill>
+                <a:latin typeface="Arial" panose="020B0604020202020204" pitchFamily="34" charset="0"/>
+                <a:cs typeface="Arial" panose="020B0604020202020204" pitchFamily="34" charset="0"/>
+              </a:rPr>
+              <a:t>Repository ya da Repo Nedir?</a:t>
+            </a:r>
+            <a:endParaRPr lang="en-US" sz="3600" b="1" dirty="0">
+              <a:solidFill>
+                <a:srgbClr val="002060"/>
+              </a:solidFill>
+              <a:latin typeface="Arial" panose="020B0604020202020204" pitchFamily="34" charset="0"/>
+              <a:cs typeface="Arial" panose="020B0604020202020204" pitchFamily="34" charset="0"/>
+            </a:endParaRPr>
+          </a:p>
+        </p:txBody>
+      </p:sp>
+      <p:sp>
+        <p:nvSpPr>
+          <p:cNvPr id="2" name="Content Placeholder 1"/>
+          <p:cNvSpPr>
+            <a:spLocks noGrp="1"/>
+          </p:cNvSpPr>
+          <p:nvPr>
+            <p:ph idx="1"/>
+          </p:nvPr>
+        </p:nvSpPr>
+        <p:spPr/>
+        <p:txBody>
+          <a:bodyPr>
+            <a:normAutofit/>
+          </a:bodyPr>
+          <a:lstStyle/>
+          <a:p>
+            <a:r>
+              <a:rPr lang="en-US" dirty="0" err="1"/>
+              <a:t>Revizyon</a:t>
+            </a:r>
+            <a:r>
+              <a:rPr lang="en-US" dirty="0"/>
+              <a:t> </a:t>
+            </a:r>
+            <a:r>
+              <a:rPr lang="en-US" dirty="0" err="1"/>
+              <a:t>kontrolü</a:t>
+            </a:r>
+            <a:r>
+              <a:rPr lang="en-US" dirty="0"/>
+              <a:t> </a:t>
+            </a:r>
+            <a:r>
+              <a:rPr lang="en-US" dirty="0" err="1"/>
+              <a:t>altındaki</a:t>
+            </a:r>
+            <a:r>
+              <a:rPr lang="en-US" dirty="0"/>
+              <a:t> </a:t>
+            </a:r>
+            <a:r>
+              <a:rPr lang="en-US" dirty="0" err="1"/>
+              <a:t>dizin</a:t>
+            </a:r>
+            <a:r>
+              <a:rPr lang="en-US" dirty="0"/>
+              <a:t> </a:t>
+            </a:r>
+            <a:r>
+              <a:rPr lang="en-US" dirty="0" err="1"/>
+              <a:t>bir</a:t>
+            </a:r>
+            <a:r>
+              <a:rPr lang="en-US" dirty="0"/>
+              <a:t> </a:t>
+            </a:r>
+            <a:r>
+              <a:rPr lang="en-US" dirty="0" err="1"/>
+              <a:t>Repository’dir</a:t>
+            </a:r>
+            <a:r>
+              <a:rPr lang="en-US" dirty="0"/>
+              <a:t>. </a:t>
+            </a:r>
+            <a:r>
+              <a:rPr lang="tr-TR" dirty="0" smtClean="0"/>
+              <a:t>Kısaca </a:t>
+            </a:r>
+            <a:r>
+              <a:rPr lang="en-US" dirty="0" err="1" smtClean="0"/>
+              <a:t>içinde</a:t>
+            </a:r>
+            <a:r>
+              <a:rPr lang="en-US" dirty="0" smtClean="0"/>
+              <a:t> </a:t>
+            </a:r>
+            <a:r>
+              <a:rPr lang="en-US" dirty="0" err="1"/>
+              <a:t>dosyaların</a:t>
+            </a:r>
+            <a:r>
+              <a:rPr lang="en-US" dirty="0"/>
+              <a:t> (</a:t>
+            </a:r>
+            <a:r>
+              <a:rPr lang="en-US" i="1" dirty="0" err="1"/>
+              <a:t>daha</a:t>
+            </a:r>
+            <a:r>
+              <a:rPr lang="en-US" i="1" dirty="0"/>
+              <a:t> </a:t>
+            </a:r>
+            <a:r>
+              <a:rPr lang="en-US" i="1" dirty="0" err="1"/>
+              <a:t>doğrusu</a:t>
+            </a:r>
+            <a:r>
+              <a:rPr lang="en-US" i="1" dirty="0"/>
+              <a:t> </a:t>
+            </a:r>
+            <a:r>
+              <a:rPr lang="en-US" i="1" dirty="0" err="1"/>
+              <a:t>kaynak</a:t>
+            </a:r>
+            <a:r>
+              <a:rPr lang="en-US" i="1" dirty="0"/>
+              <a:t> </a:t>
+            </a:r>
+            <a:r>
+              <a:rPr lang="en-US" i="1" dirty="0" err="1"/>
+              <a:t>kodların</a:t>
+            </a:r>
+            <a:r>
+              <a:rPr lang="en-US" dirty="0"/>
+              <a:t>) </a:t>
+            </a:r>
+            <a:r>
+              <a:rPr lang="en-US" dirty="0" err="1"/>
+              <a:t>bulunduğu</a:t>
+            </a:r>
+            <a:r>
+              <a:rPr lang="en-US" dirty="0"/>
+              <a:t> </a:t>
+            </a:r>
+            <a:r>
+              <a:rPr lang="en-US" dirty="0" err="1"/>
+              <a:t>bir</a:t>
+            </a:r>
+            <a:r>
+              <a:rPr lang="en-US" dirty="0"/>
+              <a:t> </a:t>
+            </a:r>
+            <a:r>
+              <a:rPr lang="en-US" dirty="0" err="1" smtClean="0"/>
+              <a:t>depodur</a:t>
+            </a:r>
+            <a:r>
+              <a:rPr lang="tr-TR" dirty="0" smtClean="0"/>
+              <a:t>.</a:t>
+            </a:r>
+          </a:p>
+          <a:p>
+            <a:endParaRPr lang="tr-TR" dirty="0"/>
+          </a:p>
+          <a:p>
+            <a:r>
+              <a:rPr lang="tr-TR" dirty="0" smtClean="0"/>
+              <a:t>"git init« komutuyla boş bir repo oluşturulduğunda ön tanımlı olarak "master« isimli branch’de bulunulur.</a:t>
+            </a:r>
+            <a:endParaRPr lang="en-US" dirty="0"/>
+          </a:p>
+        </p:txBody>
+      </p:sp>
+    </p:spTree>
+    <p:extLst>
+      <p:ext uri="{BB962C8B-B14F-4D97-AF65-F5344CB8AC3E}">
+        <p14:creationId xmlns:p14="http://schemas.microsoft.com/office/powerpoint/2010/main" val="2274736170"/>
+      </p:ext>
+    </p:extLst>
+  </p:cSld>
+  <p:clrMapOvr>
+    <a:masterClrMapping/>
+  </p:clrMapOvr>
+</p:sld>
+</file>
+
+<file path=ppt/slides/slide15.xml><?xml version="1.0" encoding="utf-8"?>
+<p:sld xmlns:a="http://schemas.openxmlformats.org/drawingml/2006/main" xmlns:r="http://schemas.openxmlformats.org/officeDocument/2006/relationships" xmlns:p="http://schemas.openxmlformats.org/presentationml/2006/main">
+  <p:cSld>
+    <p:spTree>
+      <p:nvGrpSpPr>
+        <p:cNvPr id="1" name=""/>
+        <p:cNvGrpSpPr/>
+        <p:nvPr/>
+      </p:nvGrpSpPr>
+      <p:grpSpPr>
+        <a:xfrm>
+          <a:off x="0" y="0"/>
+          <a:ext cx="0" cy="0"/>
+          <a:chOff x="0" y="0"/>
+          <a:chExt cx="0" cy="0"/>
+        </a:xfrm>
+      </p:grpSpPr>
+      <p:sp>
+        <p:nvSpPr>
+          <p:cNvPr id="4" name="Title 3"/>
+          <p:cNvSpPr>
+            <a:spLocks noGrp="1"/>
+          </p:cNvSpPr>
+          <p:nvPr>
+            <p:ph type="title"/>
+          </p:nvPr>
+        </p:nvSpPr>
+        <p:spPr/>
+        <p:txBody>
+          <a:bodyPr>
+            <a:normAutofit/>
+          </a:bodyPr>
+          <a:lstStyle/>
+          <a:p>
+            <a:r>
+              <a:rPr lang="tr-TR" sz="3600" b="1" dirty="0">
+                <a:solidFill>
+                  <a:srgbClr val="002060"/>
+                </a:solidFill>
+                <a:latin typeface="Arial" panose="020B0604020202020204" pitchFamily="34" charset="0"/>
+                <a:cs typeface="Arial" panose="020B0604020202020204" pitchFamily="34" charset="0"/>
+              </a:rPr>
+              <a:t>Branch Nedir?</a:t>
+            </a:r>
+            <a:endParaRPr lang="en-US" sz="3600" b="1" dirty="0">
+              <a:solidFill>
+                <a:srgbClr val="002060"/>
+              </a:solidFill>
+              <a:latin typeface="Arial" panose="020B0604020202020204" pitchFamily="34" charset="0"/>
+              <a:cs typeface="Arial" panose="020B0604020202020204" pitchFamily="34" charset="0"/>
+            </a:endParaRPr>
+          </a:p>
+        </p:txBody>
+      </p:sp>
+      <p:sp>
+        <p:nvSpPr>
+          <p:cNvPr id="2" name="Content Placeholder 1"/>
+          <p:cNvSpPr>
+            <a:spLocks noGrp="1"/>
+          </p:cNvSpPr>
+          <p:nvPr>
+            <p:ph idx="1"/>
+          </p:nvPr>
+        </p:nvSpPr>
+        <p:spPr/>
+        <p:txBody>
+          <a:bodyPr>
+            <a:normAutofit/>
+          </a:bodyPr>
+          <a:lstStyle/>
+          <a:p>
+            <a:r>
+              <a:rPr lang="en-US" dirty="0" err="1"/>
+              <a:t>İstediğiniz</a:t>
+            </a:r>
+            <a:r>
+              <a:rPr lang="en-US" dirty="0"/>
+              <a:t> </a:t>
+            </a:r>
+            <a:r>
+              <a:rPr lang="en-US" dirty="0" err="1"/>
+              <a:t>bir</a:t>
+            </a:r>
+            <a:r>
+              <a:rPr lang="en-US" dirty="0"/>
+              <a:t> </a:t>
+            </a:r>
+            <a:r>
+              <a:rPr lang="en-US" dirty="0" err="1"/>
+              <a:t>anda</a:t>
+            </a:r>
+            <a:r>
+              <a:rPr lang="en-US" dirty="0"/>
+              <a:t>, </a:t>
+            </a:r>
+            <a:r>
+              <a:rPr lang="en-US" dirty="0" err="1"/>
+              <a:t>elinizdeki</a:t>
+            </a:r>
+            <a:r>
+              <a:rPr lang="en-US" dirty="0"/>
+              <a:t> </a:t>
+            </a:r>
+            <a:r>
+              <a:rPr lang="en-US" dirty="0" err="1"/>
+              <a:t>kod’dan</a:t>
+            </a:r>
+            <a:r>
+              <a:rPr lang="en-US" dirty="0"/>
+              <a:t> </a:t>
+            </a:r>
+            <a:r>
+              <a:rPr lang="en-US" dirty="0" err="1"/>
+              <a:t>hızlıca</a:t>
+            </a:r>
+            <a:r>
+              <a:rPr lang="en-US" dirty="0"/>
+              <a:t> </a:t>
+            </a:r>
+            <a:r>
+              <a:rPr lang="en-US" dirty="0" err="1"/>
+              <a:t>bir</a:t>
+            </a:r>
+            <a:r>
+              <a:rPr lang="en-US" dirty="0"/>
+              <a:t> </a:t>
+            </a:r>
+            <a:r>
+              <a:rPr lang="en-US" dirty="0" err="1"/>
+              <a:t>ya</a:t>
+            </a:r>
+            <a:r>
+              <a:rPr lang="en-US" dirty="0"/>
+              <a:t> da N </a:t>
+            </a:r>
+            <a:r>
+              <a:rPr lang="en-US" dirty="0" err="1"/>
+              <a:t>tane</a:t>
+            </a:r>
+            <a:r>
+              <a:rPr lang="en-US" dirty="0"/>
+              <a:t> </a:t>
+            </a:r>
+            <a:r>
+              <a:rPr lang="en-US" dirty="0" err="1"/>
+              <a:t>kopya</a:t>
+            </a:r>
+            <a:r>
+              <a:rPr lang="en-US" dirty="0"/>
+              <a:t> </a:t>
+            </a:r>
+            <a:r>
+              <a:rPr lang="en-US" dirty="0" err="1"/>
+              <a:t>çıkartma</a:t>
+            </a:r>
+            <a:r>
+              <a:rPr lang="en-US" dirty="0"/>
+              <a:t> </a:t>
+            </a:r>
+            <a:r>
+              <a:rPr lang="en-US" dirty="0" err="1"/>
+              <a:t>işlemidir</a:t>
+            </a:r>
+            <a:r>
+              <a:rPr lang="en-US" dirty="0"/>
+              <a:t>. </a:t>
+            </a:r>
+            <a:r>
+              <a:rPr lang="en-US" dirty="0" err="1"/>
+              <a:t>Yerel</a:t>
+            </a:r>
+            <a:r>
+              <a:rPr lang="en-US" dirty="0"/>
+              <a:t> </a:t>
+            </a:r>
+            <a:r>
+              <a:rPr lang="en-US" dirty="0" err="1"/>
+              <a:t>operasyondur</a:t>
+            </a:r>
+            <a:r>
+              <a:rPr lang="en-US" dirty="0"/>
+              <a:t>. </a:t>
+            </a:r>
+            <a:r>
+              <a:rPr lang="en-US" dirty="0" err="1"/>
+              <a:t>Yani</a:t>
+            </a:r>
+            <a:r>
+              <a:rPr lang="en-US" dirty="0"/>
+              <a:t> </a:t>
+            </a:r>
+            <a:r>
+              <a:rPr lang="en-US" dirty="0" err="1"/>
+              <a:t>yaptığınız</a:t>
+            </a:r>
+            <a:r>
+              <a:rPr lang="en-US" dirty="0"/>
+              <a:t> her branch, </a:t>
+            </a:r>
+            <a:r>
+              <a:rPr lang="en-US" dirty="0" err="1"/>
+              <a:t>siz</a:t>
+            </a:r>
+            <a:r>
+              <a:rPr lang="en-US" dirty="0"/>
+              <a:t> </a:t>
+            </a:r>
+            <a:r>
+              <a:rPr lang="en-US" dirty="0" err="1"/>
+              <a:t>paylaşmadıkça</a:t>
+            </a:r>
+            <a:r>
+              <a:rPr lang="en-US" dirty="0"/>
+              <a:t> </a:t>
+            </a:r>
+            <a:r>
+              <a:rPr lang="en-US" dirty="0" err="1"/>
+              <a:t>sadece</a:t>
+            </a:r>
+            <a:r>
+              <a:rPr lang="en-US" dirty="0"/>
+              <a:t> </a:t>
+            </a:r>
+            <a:r>
+              <a:rPr lang="en-US" dirty="0" err="1"/>
+              <a:t>sizde</a:t>
+            </a:r>
+            <a:r>
+              <a:rPr lang="en-US" dirty="0"/>
+              <a:t> </a:t>
+            </a:r>
+            <a:r>
+              <a:rPr lang="en-US" dirty="0" err="1"/>
+              <a:t>bulunur</a:t>
+            </a:r>
+            <a:r>
+              <a:rPr lang="en-US" dirty="0" smtClean="0"/>
+              <a:t>.</a:t>
+            </a:r>
+            <a:endParaRPr lang="tr-TR" dirty="0" smtClean="0"/>
+          </a:p>
+          <a:p>
+            <a:r>
+              <a:rPr lang="tr-TR" dirty="0" smtClean="0"/>
+              <a:t>Her branch kodun anlık kopyasını içerir.</a:t>
+            </a:r>
+          </a:p>
+          <a:p>
+            <a:r>
+              <a:rPr lang="tr-TR" dirty="0" smtClean="0"/>
+              <a:t>Branch’ler birbirlerine "merge« edilebilir, yani değişiklikler birleştirilebilir.</a:t>
+            </a:r>
+            <a:endParaRPr lang="en-US" dirty="0"/>
+          </a:p>
+          <a:p>
+            <a:r>
+              <a:rPr lang="en-US" dirty="0" err="1"/>
+              <a:t>Daha</a:t>
+            </a:r>
+            <a:r>
+              <a:rPr lang="en-US" dirty="0"/>
+              <a:t> </a:t>
+            </a:r>
+            <a:r>
+              <a:rPr lang="en-US" dirty="0" err="1"/>
+              <a:t>teknik</a:t>
+            </a:r>
+            <a:r>
+              <a:rPr lang="en-US" dirty="0"/>
+              <a:t> </a:t>
+            </a:r>
+            <a:r>
+              <a:rPr lang="en-US" dirty="0" err="1"/>
+              <a:t>bir</a:t>
+            </a:r>
+            <a:r>
+              <a:rPr lang="en-US" dirty="0"/>
+              <a:t> </a:t>
+            </a:r>
+            <a:r>
+              <a:rPr lang="en-US" dirty="0" err="1"/>
+              <a:t>anlatımla</a:t>
+            </a:r>
+            <a:r>
+              <a:rPr lang="en-US" dirty="0"/>
+              <a:t> branch </a:t>
+            </a:r>
+            <a:r>
+              <a:rPr lang="en-US" dirty="0" err="1"/>
+              <a:t>aslında</a:t>
+            </a:r>
+            <a:r>
+              <a:rPr lang="en-US" dirty="0"/>
+              <a:t> </a:t>
+            </a:r>
+            <a:r>
+              <a:rPr lang="en-US" dirty="0" err="1"/>
+              <a:t>içinde</a:t>
+            </a:r>
+            <a:r>
+              <a:rPr lang="en-US" dirty="0"/>
+              <a:t> commit-id </a:t>
+            </a:r>
+            <a:r>
+              <a:rPr lang="en-US" dirty="0" err="1"/>
+              <a:t>yazan</a:t>
+            </a:r>
+            <a:r>
+              <a:rPr lang="en-US" dirty="0"/>
+              <a:t> </a:t>
+            </a:r>
+            <a:r>
+              <a:rPr lang="en-US" dirty="0" err="1"/>
+              <a:t>bir</a:t>
+            </a:r>
+            <a:r>
+              <a:rPr lang="en-US" dirty="0"/>
+              <a:t> </a:t>
+            </a:r>
+            <a:r>
+              <a:rPr lang="en-US" dirty="0" err="1"/>
+              <a:t>işaretçiden</a:t>
+            </a:r>
+            <a:r>
+              <a:rPr lang="en-US" dirty="0"/>
+              <a:t> </a:t>
+            </a:r>
+            <a:r>
+              <a:rPr lang="en-US" dirty="0" err="1"/>
+              <a:t>başka</a:t>
+            </a:r>
+            <a:r>
+              <a:rPr lang="en-US" dirty="0"/>
+              <a:t> </a:t>
+            </a:r>
+            <a:r>
+              <a:rPr lang="en-US" dirty="0" err="1"/>
+              <a:t>bir</a:t>
+            </a:r>
+            <a:r>
+              <a:rPr lang="en-US" dirty="0"/>
+              <a:t> </a:t>
+            </a:r>
+            <a:r>
+              <a:rPr lang="en-US" dirty="0" err="1"/>
+              <a:t>şey</a:t>
+            </a:r>
+            <a:r>
+              <a:rPr lang="en-US" dirty="0"/>
+              <a:t> </a:t>
+            </a:r>
+            <a:r>
+              <a:rPr lang="en-US" dirty="0" err="1"/>
+              <a:t>değildir</a:t>
+            </a:r>
+            <a:r>
+              <a:rPr lang="en-US" dirty="0"/>
+              <a:t>.</a:t>
+            </a:r>
+          </a:p>
+          <a:p>
+            <a:pPr marL="0" indent="0">
+              <a:buNone/>
+            </a:pPr>
+            <a:endParaRPr lang="en-US" dirty="0"/>
+          </a:p>
+        </p:txBody>
+      </p:sp>
+    </p:spTree>
+    <p:extLst>
+      <p:ext uri="{BB962C8B-B14F-4D97-AF65-F5344CB8AC3E}">
+        <p14:creationId xmlns:p14="http://schemas.microsoft.com/office/powerpoint/2010/main" val="1180205441"/>
+      </p:ext>
+    </p:extLst>
+  </p:cSld>
+  <p:clrMapOvr>
+    <a:masterClrMapping/>
+  </p:clrMapOvr>
+</p:sld>
+</file>
+
+<file path=ppt/slides/slide16.xml><?xml version="1.0" encoding="utf-8"?>
+<p:sld xmlns:a="http://schemas.openxmlformats.org/drawingml/2006/main" xmlns:r="http://schemas.openxmlformats.org/officeDocument/2006/relationships" xmlns:p="http://schemas.openxmlformats.org/presentationml/2006/main">
+  <p:cSld>
+    <p:spTree>
+      <p:nvGrpSpPr>
+        <p:cNvPr id="1" name=""/>
+        <p:cNvGrpSpPr/>
+        <p:nvPr/>
+      </p:nvGrpSpPr>
+      <p:grpSpPr>
+        <a:xfrm>
+          <a:off x="0" y="0"/>
+          <a:ext cx="0" cy="0"/>
+          <a:chOff x="0" y="0"/>
+          <a:chExt cx="0" cy="0"/>
+        </a:xfrm>
+      </p:grpSpPr>
+      <p:sp>
+        <p:nvSpPr>
+          <p:cNvPr id="4" name="Title 3"/>
+          <p:cNvSpPr>
+            <a:spLocks noGrp="1"/>
+          </p:cNvSpPr>
+          <p:nvPr>
+            <p:ph type="title"/>
+          </p:nvPr>
+        </p:nvSpPr>
+        <p:spPr/>
+        <p:txBody>
+          <a:bodyPr>
+            <a:normAutofit/>
+          </a:bodyPr>
+          <a:lstStyle/>
+          <a:p>
+            <a:r>
+              <a:rPr lang="tr-TR" sz="3600" b="1" dirty="0" smtClean="0">
+                <a:solidFill>
+                  <a:srgbClr val="002060"/>
+                </a:solidFill>
+                <a:latin typeface="Arial" panose="020B0604020202020204" pitchFamily="34" charset="0"/>
+                <a:cs typeface="Arial" panose="020B0604020202020204" pitchFamily="34" charset="0"/>
+              </a:rPr>
+              <a:t>Commit Nedir</a:t>
+            </a:r>
+            <a:r>
+              <a:rPr lang="tr-TR" sz="3600" b="1" dirty="0">
+                <a:solidFill>
+                  <a:srgbClr val="002060"/>
+                </a:solidFill>
+                <a:latin typeface="Arial" panose="020B0604020202020204" pitchFamily="34" charset="0"/>
+                <a:cs typeface="Arial" panose="020B0604020202020204" pitchFamily="34" charset="0"/>
+              </a:rPr>
+              <a:t>?</a:t>
+            </a:r>
+            <a:endParaRPr lang="en-US" sz="3600" b="1" dirty="0">
+              <a:solidFill>
+                <a:srgbClr val="002060"/>
+              </a:solidFill>
+              <a:latin typeface="Arial" panose="020B0604020202020204" pitchFamily="34" charset="0"/>
+              <a:cs typeface="Arial" panose="020B0604020202020204" pitchFamily="34" charset="0"/>
+            </a:endParaRPr>
+          </a:p>
+        </p:txBody>
+      </p:sp>
+      <p:sp>
+        <p:nvSpPr>
+          <p:cNvPr id="2" name="Content Placeholder 1"/>
+          <p:cNvSpPr>
+            <a:spLocks noGrp="1"/>
+          </p:cNvSpPr>
+          <p:nvPr>
+            <p:ph idx="1"/>
+          </p:nvPr>
+        </p:nvSpPr>
+        <p:spPr/>
+        <p:txBody>
+          <a:bodyPr>
+            <a:normAutofit fontScale="85000" lnSpcReduction="20000"/>
+          </a:bodyPr>
+          <a:lstStyle/>
+          <a:p>
+            <a:r>
+              <a:rPr lang="tr-TR" dirty="0" smtClean="0"/>
+              <a:t>Git versiyonlama standardında bir commit komple anın fotoğrafını (snapshot) içerir.</a:t>
+            </a:r>
+          </a:p>
+          <a:p>
+            <a:endParaRPr lang="tr-TR" dirty="0" smtClean="0"/>
+          </a:p>
+          <a:p>
+            <a:r>
+              <a:rPr lang="tr-TR" dirty="0" smtClean="0"/>
+              <a:t>Mesela, </a:t>
+            </a:r>
+          </a:p>
+          <a:p>
+            <a:pPr lvl="1"/>
+            <a:r>
+              <a:rPr lang="tr-TR" dirty="0" smtClean="0"/>
+              <a:t>Örneğin bir branch içinde çeşitli kodlarınız var.</a:t>
+            </a:r>
+          </a:p>
+          <a:p>
+            <a:pPr lvl="1"/>
+            <a:r>
+              <a:rPr lang="tr-TR" dirty="0" smtClean="0"/>
+              <a:t>Bir OKUBENI.txt dosyası oluşturdunuz ve içerisine ad ve soyadınızı yazdınız.</a:t>
+            </a:r>
+          </a:p>
+          <a:p>
+            <a:pPr lvl="1"/>
+            <a:r>
+              <a:rPr lang="tr-TR" dirty="0" smtClean="0"/>
+              <a:t>Değişiklikleri commit yaptığınızda, kodlarınızın o anki (yani OKUBENI.txt içeren) hali bir ID ile kaydedilir. ID = 0 diyelim.</a:t>
+            </a:r>
+          </a:p>
+          <a:p>
+            <a:pPr lvl="1"/>
+            <a:r>
+              <a:rPr lang="tr-TR" dirty="0" smtClean="0"/>
+              <a:t>Daha sonra OKUBENI.txt dosyasının içine doğum tarihinizi de yazdınız ve commitlediniz. Dosyanın bu halini içeren anlık durum kaydedilir. Bu haline ID=1 diyelim.</a:t>
+            </a:r>
+          </a:p>
+          <a:p>
+            <a:pPr lvl="1"/>
+            <a:r>
+              <a:rPr lang="tr-TR" dirty="0" smtClean="0"/>
+              <a:t>Daha sonra OKUBENI.txt’yi sildiniz ve commit’lediniz.  Şimdi kodun OKUBENI.txt içermeyen haline sahipsiniz. Bu haline ID = 2 diyelim.</a:t>
+            </a:r>
+          </a:p>
+          <a:p>
+            <a:pPr lvl="1"/>
+            <a:r>
+              <a:rPr lang="tr-TR" dirty="0" smtClean="0"/>
+              <a:t>İstediğiniz an ID=0 ki hale dönüp OKUBENI.txt dosyasının sadece ad ve soyadınızı içeren halini geri elde edebilirsiniz veya değişik ID’lere sahip bu commitler arasındaki değişiklikleri karşılaştırabilirsiniz.</a:t>
+            </a:r>
+            <a:endParaRPr lang="en-US" dirty="0"/>
+          </a:p>
+          <a:p>
+            <a:pPr marL="0" indent="0">
+              <a:buNone/>
+            </a:pPr>
+            <a:endParaRPr lang="en-US" dirty="0"/>
+          </a:p>
+        </p:txBody>
+      </p:sp>
+    </p:spTree>
+    <p:extLst>
+      <p:ext uri="{BB962C8B-B14F-4D97-AF65-F5344CB8AC3E}">
+        <p14:creationId xmlns:p14="http://schemas.microsoft.com/office/powerpoint/2010/main" val="2207067609"/>
+      </p:ext>
+    </p:extLst>
+  </p:cSld>
+  <p:clrMapOvr>
+    <a:masterClrMapping/>
+  </p:clrMapOvr>
+</p:sld>
+</file>
+
+<file path=ppt/slides/slide17.xml><?xml version="1.0" encoding="utf-8"?>
+<p:sld xmlns:a="http://schemas.openxmlformats.org/drawingml/2006/main" xmlns:r="http://schemas.openxmlformats.org/officeDocument/2006/relationships" xmlns:p="http://schemas.openxmlformats.org/presentationml/2006/main">
+  <p:cSld>
+    <p:spTree>
+      <p:nvGrpSpPr>
+        <p:cNvPr id="1" name=""/>
+        <p:cNvGrpSpPr/>
+        <p:nvPr/>
+      </p:nvGrpSpPr>
+      <p:grpSpPr>
+        <a:xfrm>
+          <a:off x="0" y="0"/>
+          <a:ext cx="0" cy="0"/>
+          <a:chOff x="0" y="0"/>
+          <a:chExt cx="0" cy="0"/>
+        </a:xfrm>
+      </p:grpSpPr>
+      <p:sp>
+        <p:nvSpPr>
+          <p:cNvPr id="4" name="Title 3"/>
+          <p:cNvSpPr>
+            <a:spLocks noGrp="1"/>
+          </p:cNvSpPr>
+          <p:nvPr>
+            <p:ph type="title"/>
+          </p:nvPr>
+        </p:nvSpPr>
+        <p:spPr/>
+        <p:txBody>
+          <a:bodyPr>
+            <a:normAutofit/>
+          </a:bodyPr>
+          <a:lstStyle/>
+          <a:p>
+            <a:r>
+              <a:rPr lang="tr-TR" sz="3600" b="1" dirty="0" smtClean="0">
+                <a:solidFill>
+                  <a:srgbClr val="002060"/>
+                </a:solidFill>
+                <a:latin typeface="Arial" panose="020B0604020202020204" pitchFamily="34" charset="0"/>
+                <a:cs typeface="Arial" panose="020B0604020202020204" pitchFamily="34" charset="0"/>
+              </a:rPr>
+              <a:t>DeğişiklikleriGeçici Kaydetmek (Stash)</a:t>
+            </a:r>
+            <a:endParaRPr lang="en-US" sz="3600" b="1" dirty="0">
+              <a:solidFill>
+                <a:srgbClr val="002060"/>
+              </a:solidFill>
+              <a:latin typeface="Arial" panose="020B0604020202020204" pitchFamily="34" charset="0"/>
+              <a:cs typeface="Arial" panose="020B0604020202020204" pitchFamily="34" charset="0"/>
+            </a:endParaRPr>
+          </a:p>
+        </p:txBody>
+      </p:sp>
+      <p:sp>
+        <p:nvSpPr>
+          <p:cNvPr id="2" name="Content Placeholder 1"/>
+          <p:cNvSpPr>
+            <a:spLocks noGrp="1"/>
+          </p:cNvSpPr>
+          <p:nvPr>
+            <p:ph idx="1"/>
+          </p:nvPr>
+        </p:nvSpPr>
+        <p:spPr/>
+        <p:txBody>
+          <a:bodyPr>
+            <a:normAutofit/>
+          </a:bodyPr>
+          <a:lstStyle/>
+          <a:p>
+            <a:pPr marL="0" indent="0">
+              <a:buNone/>
+            </a:pPr>
+            <a:r>
+              <a:rPr lang="en-US" b="1" dirty="0" err="1"/>
+              <a:t>git</a:t>
+            </a:r>
+            <a:r>
+              <a:rPr lang="en-US" b="1" dirty="0"/>
+              <a:t> stash</a:t>
+            </a:r>
+            <a:r>
+              <a:rPr lang="en-US" dirty="0"/>
+              <a:t> </a:t>
+            </a:r>
+            <a:r>
+              <a:rPr lang="en-US" dirty="0" err="1"/>
+              <a:t>ile</a:t>
+            </a:r>
+            <a:r>
+              <a:rPr lang="en-US" dirty="0"/>
+              <a:t> </a:t>
+            </a:r>
+            <a:r>
+              <a:rPr lang="en-US" dirty="0" err="1"/>
+              <a:t>üzerinde</a:t>
+            </a:r>
+            <a:r>
+              <a:rPr lang="en-US" dirty="0"/>
+              <a:t> </a:t>
+            </a:r>
+            <a:r>
+              <a:rPr lang="en-US" dirty="0" err="1"/>
+              <a:t>çalıştığınız</a:t>
+            </a:r>
+            <a:r>
+              <a:rPr lang="en-US" dirty="0"/>
+              <a:t> </a:t>
+            </a:r>
+            <a:r>
+              <a:rPr lang="en-US" dirty="0" err="1"/>
+              <a:t>ancak</a:t>
+            </a:r>
+            <a:r>
+              <a:rPr lang="en-US" dirty="0"/>
+              <a:t> </a:t>
+            </a:r>
+            <a:r>
+              <a:rPr lang="en-US" dirty="0" err="1"/>
+              <a:t>henüz</a:t>
+            </a:r>
+            <a:r>
+              <a:rPr lang="en-US" dirty="0"/>
+              <a:t> commit </a:t>
+            </a:r>
+            <a:r>
+              <a:rPr lang="en-US" dirty="0" err="1"/>
+              <a:t>etmediğiniz</a:t>
+            </a:r>
+            <a:r>
+              <a:rPr lang="en-US" dirty="0"/>
+              <a:t> </a:t>
+            </a:r>
+            <a:r>
+              <a:rPr lang="en-US" dirty="0" err="1"/>
+              <a:t>değişikliklerin</a:t>
+            </a:r>
+            <a:r>
+              <a:rPr lang="en-US" dirty="0"/>
+              <a:t> </a:t>
+            </a:r>
+            <a:r>
+              <a:rPr lang="en-US" dirty="0" err="1"/>
+              <a:t>geçici</a:t>
+            </a:r>
+            <a:r>
+              <a:rPr lang="en-US" dirty="0"/>
+              <a:t> </a:t>
+            </a:r>
+            <a:r>
+              <a:rPr lang="en-US" dirty="0" err="1"/>
+              <a:t>olarak</a:t>
+            </a:r>
+            <a:r>
+              <a:rPr lang="en-US" dirty="0"/>
+              <a:t> </a:t>
+            </a:r>
+            <a:r>
+              <a:rPr lang="en-US" dirty="0" err="1"/>
+              <a:t>Git</a:t>
+            </a:r>
+            <a:r>
+              <a:rPr lang="en-US" dirty="0"/>
+              <a:t> </a:t>
+            </a:r>
+            <a:r>
+              <a:rPr lang="en-US" dirty="0" err="1"/>
+              <a:t>tarafından</a:t>
+            </a:r>
+            <a:r>
+              <a:rPr lang="en-US" dirty="0"/>
+              <a:t> </a:t>
+            </a:r>
+            <a:r>
+              <a:rPr lang="en-US" dirty="0" err="1"/>
+              <a:t>kayıt</a:t>
+            </a:r>
+            <a:r>
+              <a:rPr lang="en-US" dirty="0"/>
+              <a:t> </a:t>
+            </a:r>
+            <a:r>
+              <a:rPr lang="en-US" dirty="0" err="1"/>
+              <a:t>altına</a:t>
+            </a:r>
+            <a:r>
+              <a:rPr lang="en-US" dirty="0"/>
+              <a:t> </a:t>
+            </a:r>
+            <a:r>
+              <a:rPr lang="en-US" dirty="0" err="1" smtClean="0"/>
+              <a:t>alınmasını</a:t>
+            </a:r>
+            <a:r>
+              <a:rPr lang="tr-TR" dirty="0" smtClean="0"/>
+              <a:t> sağlarsınız.</a:t>
+            </a:r>
+          </a:p>
+          <a:p>
+            <a:pPr marL="0" indent="0">
+              <a:buNone/>
+            </a:pPr>
+            <a:endParaRPr lang="tr-TR" dirty="0"/>
+          </a:p>
+          <a:p>
+            <a:pPr marL="0" indent="0">
+              <a:buNone/>
+            </a:pPr>
+            <a:r>
+              <a:rPr lang="tr-TR" dirty="0" smtClean="0"/>
+              <a:t>Eclipse gibi arayüzlerde commitlemeden önce değişikliklerinizi stash alanına almanız gerekir.</a:t>
+            </a:r>
+            <a:endParaRPr lang="en-US" dirty="0"/>
+          </a:p>
+        </p:txBody>
+      </p:sp>
+    </p:spTree>
+    <p:extLst>
+      <p:ext uri="{BB962C8B-B14F-4D97-AF65-F5344CB8AC3E}">
+        <p14:creationId xmlns:p14="http://schemas.microsoft.com/office/powerpoint/2010/main" val="2629001966"/>
+      </p:ext>
+    </p:extLst>
+  </p:cSld>
+  <p:clrMapOvr>
+    <a:masterClrMapping/>
+  </p:clrMapOvr>
+</p:sld>
+</file>
+
+<file path=ppt/slides/slide18.xml><?xml version="1.0" encoding="utf-8"?>
+<p:sld xmlns:a="http://schemas.openxmlformats.org/drawingml/2006/main" xmlns:r="http://schemas.openxmlformats.org/officeDocument/2006/relationships" xmlns:p="http://schemas.openxmlformats.org/presentationml/2006/main">
+  <p:cSld>
+    <p:spTree>
+      <p:nvGrpSpPr>
+        <p:cNvPr id="1" name=""/>
+        <p:cNvGrpSpPr/>
+        <p:nvPr/>
+      </p:nvGrpSpPr>
+      <p:grpSpPr>
+        <a:xfrm>
+          <a:off x="0" y="0"/>
+          <a:ext cx="0" cy="0"/>
+          <a:chOff x="0" y="0"/>
+          <a:chExt cx="0" cy="0"/>
+        </a:xfrm>
+      </p:grpSpPr>
+      <p:sp>
+        <p:nvSpPr>
+          <p:cNvPr id="4" name="Title 3"/>
+          <p:cNvSpPr>
+            <a:spLocks noGrp="1"/>
+          </p:cNvSpPr>
+          <p:nvPr>
+            <p:ph type="title"/>
+          </p:nvPr>
+        </p:nvSpPr>
+        <p:spPr/>
+        <p:txBody>
+          <a:bodyPr>
+            <a:normAutofit/>
+          </a:bodyPr>
+          <a:lstStyle/>
+          <a:p>
+            <a:r>
+              <a:rPr lang="tr-TR" sz="3600" b="1" dirty="0" smtClean="0">
+                <a:solidFill>
+                  <a:srgbClr val="002060"/>
+                </a:solidFill>
+                <a:latin typeface="Arial" panose="020B0604020202020204" pitchFamily="34" charset="0"/>
+                <a:cs typeface="Arial" panose="020B0604020202020204" pitchFamily="34" charset="0"/>
+              </a:rPr>
+              <a:t>Branch’lerle Çalışmak</a:t>
+            </a:r>
+            <a:endParaRPr lang="en-US" sz="3600" b="1" dirty="0">
+              <a:solidFill>
+                <a:srgbClr val="002060"/>
+              </a:solidFill>
+              <a:latin typeface="Arial" panose="020B0604020202020204" pitchFamily="34" charset="0"/>
+              <a:cs typeface="Arial" panose="020B0604020202020204" pitchFamily="34" charset="0"/>
+            </a:endParaRPr>
+          </a:p>
+        </p:txBody>
+      </p:sp>
+      <p:sp>
+        <p:nvSpPr>
+          <p:cNvPr id="2" name="Content Placeholder 1"/>
+          <p:cNvSpPr>
+            <a:spLocks noGrp="1"/>
+          </p:cNvSpPr>
+          <p:nvPr>
+            <p:ph idx="1"/>
+          </p:nvPr>
+        </p:nvSpPr>
+        <p:spPr/>
+        <p:txBody>
+          <a:bodyPr>
+            <a:normAutofit lnSpcReduction="10000"/>
+          </a:bodyPr>
+          <a:lstStyle/>
+          <a:p>
+            <a:r>
+              <a:rPr lang="en-US" dirty="0" err="1"/>
+              <a:t>GIT’in</a:t>
+            </a:r>
+            <a:r>
+              <a:rPr lang="en-US" dirty="0"/>
+              <a:t> </a:t>
+            </a:r>
+            <a:r>
+              <a:rPr lang="en-US" dirty="0" err="1" smtClean="0"/>
+              <a:t>en</a:t>
+            </a:r>
+            <a:r>
+              <a:rPr lang="en-US" dirty="0" smtClean="0"/>
+              <a:t> </a:t>
+            </a:r>
+            <a:r>
+              <a:rPr lang="en-US" dirty="0" err="1"/>
+              <a:t>önemli</a:t>
+            </a:r>
+            <a:r>
+              <a:rPr lang="en-US" dirty="0"/>
+              <a:t> </a:t>
+            </a:r>
+            <a:r>
+              <a:rPr lang="en-US" dirty="0" err="1"/>
+              <a:t>özelliği</a:t>
+            </a:r>
+            <a:r>
+              <a:rPr lang="en-US" dirty="0"/>
+              <a:t> branch </a:t>
+            </a:r>
+            <a:r>
+              <a:rPr lang="en-US" dirty="0" err="1"/>
+              <a:t>mekanizmasıdır</a:t>
+            </a:r>
+            <a:r>
+              <a:rPr lang="en-US" dirty="0" smtClean="0"/>
+              <a:t>.</a:t>
+            </a:r>
+            <a:endParaRPr lang="tr-TR" dirty="0" smtClean="0"/>
+          </a:p>
+          <a:p>
+            <a:r>
+              <a:rPr lang="tr-TR" dirty="0" smtClean="0"/>
+              <a:t>Her bir branch kodun değişik bir andaki kopyasını içerir.</a:t>
+            </a:r>
+          </a:p>
+          <a:p>
+            <a:r>
+              <a:rPr lang="tr-TR" dirty="0" smtClean="0"/>
+              <a:t>Kodun üzerinde yeni bir ekleme ya da değişiklik yapacağımızda genelde yeni bir branch alırız ve değişikliklerimizi bu branch üzerinde yaparız. </a:t>
+            </a:r>
+          </a:p>
+          <a:p>
+            <a:r>
+              <a:rPr lang="tr-TR" dirty="0" smtClean="0"/>
+              <a:t>Değişikliklerimiz tamamlanınca, bu branch’i ana branch ile birleştirebilir yani değişiklikleri ana branch’a birleştirebiliriz.</a:t>
+            </a:r>
+          </a:p>
+          <a:p>
+            <a:r>
+              <a:rPr lang="tr-TR" dirty="0" smtClean="0"/>
+              <a:t>Biz değişiklik yaparken, ana branch’da da değişiklikler yapılmış olabilir. Bu durumda eğer bir «çakışma» yoksa bizim değişikliklerimizle, ana branch’daki değişiklikler birleşir.</a:t>
+            </a:r>
+            <a:endParaRPr lang="en-US" dirty="0"/>
+          </a:p>
+        </p:txBody>
+      </p:sp>
+      <p:sp>
+        <p:nvSpPr>
+          <p:cNvPr id="3" name="Rectangle 2"/>
+          <p:cNvSpPr/>
+          <p:nvPr/>
+        </p:nvSpPr>
+        <p:spPr>
+          <a:xfrm>
+            <a:off x="684177" y="6176963"/>
+            <a:ext cx="10492903" cy="276999"/>
+          </a:xfrm>
+          <a:prstGeom prst="rect">
+            <a:avLst/>
+          </a:prstGeom>
+        </p:spPr>
+        <p:txBody>
+          <a:bodyPr wrap="square">
+            <a:spAutoFit/>
+          </a:bodyPr>
+          <a:lstStyle/>
+          <a:p>
+            <a:pPr algn="r"/>
+            <a:r>
+              <a:rPr lang="en-US" sz="1200" dirty="0"/>
+              <a:t>https://vigo.gitbooks.io/git-puf-noktalari/content/bolum-02/branch-ler-ile-calismak.html</a:t>
+            </a:r>
+          </a:p>
+        </p:txBody>
+      </p:sp>
+    </p:spTree>
+    <p:extLst>
+      <p:ext uri="{BB962C8B-B14F-4D97-AF65-F5344CB8AC3E}">
+        <p14:creationId xmlns:p14="http://schemas.microsoft.com/office/powerpoint/2010/main" val="4022528214"/>
+      </p:ext>
+    </p:extLst>
+  </p:cSld>
+  <p:clrMapOvr>
+    <a:masterClrMapping/>
+  </p:clrMapOvr>
+</p:sld>
+</file>
+
+<file path=ppt/slides/slide19.xml><?xml version="1.0" encoding="utf-8"?>
+<p:sld xmlns:a="http://schemas.openxmlformats.org/drawingml/2006/main" xmlns:r="http://schemas.openxmlformats.org/officeDocument/2006/relationships" xmlns:p="http://schemas.openxmlformats.org/presentationml/2006/main">
+  <p:cSld>
+    <p:spTree>
+      <p:nvGrpSpPr>
+        <p:cNvPr id="1" name=""/>
+        <p:cNvGrpSpPr/>
+        <p:nvPr/>
+      </p:nvGrpSpPr>
+      <p:grpSpPr>
+        <a:xfrm>
+          <a:off x="0" y="0"/>
+          <a:ext cx="0" cy="0"/>
+          <a:chOff x="0" y="0"/>
+          <a:chExt cx="0" cy="0"/>
+        </a:xfrm>
+      </p:grpSpPr>
+      <p:sp>
+        <p:nvSpPr>
+          <p:cNvPr id="4" name="Title 3"/>
+          <p:cNvSpPr>
+            <a:spLocks noGrp="1"/>
+          </p:cNvSpPr>
+          <p:nvPr>
+            <p:ph type="title"/>
+          </p:nvPr>
+        </p:nvSpPr>
+        <p:spPr/>
+        <p:txBody>
+          <a:bodyPr>
+            <a:normAutofit/>
+          </a:bodyPr>
+          <a:lstStyle/>
+          <a:p>
+            <a:r>
+              <a:rPr lang="tr-TR" sz="3600" b="1" dirty="0" smtClean="0">
+                <a:solidFill>
+                  <a:srgbClr val="002060"/>
+                </a:solidFill>
+                <a:latin typeface="Arial" panose="020B0604020202020204" pitchFamily="34" charset="0"/>
+                <a:cs typeface="Arial" panose="020B0604020202020204" pitchFamily="34" charset="0"/>
+              </a:rPr>
+              <a:t>Checkout ve merge Kavramı</a:t>
+            </a:r>
+            <a:endParaRPr lang="en-US" sz="3600" b="1" dirty="0">
+              <a:solidFill>
+                <a:srgbClr val="002060"/>
+              </a:solidFill>
+              <a:latin typeface="Arial" panose="020B0604020202020204" pitchFamily="34" charset="0"/>
+              <a:cs typeface="Arial" panose="020B0604020202020204" pitchFamily="34" charset="0"/>
+            </a:endParaRPr>
+          </a:p>
+        </p:txBody>
+      </p:sp>
+      <p:sp>
+        <p:nvSpPr>
+          <p:cNvPr id="2" name="Content Placeholder 1"/>
+          <p:cNvSpPr>
+            <a:spLocks noGrp="1"/>
+          </p:cNvSpPr>
+          <p:nvPr>
+            <p:ph idx="1"/>
+          </p:nvPr>
+        </p:nvSpPr>
+        <p:spPr/>
+        <p:txBody>
+          <a:bodyPr>
+            <a:normAutofit/>
+          </a:bodyPr>
+          <a:lstStyle/>
+          <a:p>
+            <a:r>
+              <a:rPr lang="en-US" b="1" dirty="0" err="1"/>
+              <a:t>git</a:t>
+            </a:r>
+            <a:r>
+              <a:rPr lang="en-US" b="1" dirty="0"/>
+              <a:t> checkout</a:t>
+            </a:r>
+            <a:r>
+              <a:rPr lang="en-US" dirty="0"/>
+              <a:t> </a:t>
+            </a:r>
+            <a:r>
+              <a:rPr lang="en-US" dirty="0" err="1"/>
+              <a:t>komutu</a:t>
+            </a:r>
+            <a:r>
+              <a:rPr lang="en-US" dirty="0"/>
+              <a:t> </a:t>
+            </a:r>
+            <a:r>
+              <a:rPr lang="en-US" dirty="0" err="1"/>
+              <a:t>ile</a:t>
+            </a:r>
+            <a:r>
+              <a:rPr lang="en-US" dirty="0"/>
+              <a:t> </a:t>
+            </a:r>
+            <a:r>
+              <a:rPr lang="en-US" dirty="0" err="1"/>
+              <a:t>değişikliklerin</a:t>
+            </a:r>
+            <a:r>
+              <a:rPr lang="en-US" dirty="0"/>
+              <a:t> </a:t>
+            </a:r>
+            <a:r>
+              <a:rPr lang="en-US" dirty="0" err="1"/>
+              <a:t>aktarılacağı</a:t>
+            </a:r>
+            <a:r>
+              <a:rPr lang="en-US" dirty="0"/>
+              <a:t> </a:t>
+            </a:r>
+            <a:r>
+              <a:rPr lang="en-US" dirty="0" err="1"/>
+              <a:t>hedef</a:t>
+            </a:r>
+            <a:r>
+              <a:rPr lang="en-US" dirty="0"/>
+              <a:t> </a:t>
+            </a:r>
+            <a:r>
+              <a:rPr lang="en-US" dirty="0" err="1"/>
+              <a:t>branch'inizi</a:t>
+            </a:r>
+            <a:r>
+              <a:rPr lang="en-US" dirty="0"/>
+              <a:t> </a:t>
+            </a:r>
+            <a:r>
+              <a:rPr lang="en-US" dirty="0" err="1"/>
+              <a:t>aktif</a:t>
+            </a:r>
+            <a:r>
+              <a:rPr lang="en-US" dirty="0"/>
+              <a:t> (HEAD) hale </a:t>
+            </a:r>
+            <a:r>
+              <a:rPr lang="en-US" dirty="0" err="1"/>
+              <a:t>getirirsiniz</a:t>
+            </a:r>
+            <a:r>
+              <a:rPr lang="en-US" dirty="0" smtClean="0"/>
+              <a:t>.</a:t>
+            </a:r>
+            <a:endParaRPr lang="tr-TR" dirty="0" smtClean="0"/>
+          </a:p>
+          <a:p>
+            <a:endParaRPr lang="tr-TR" dirty="0"/>
+          </a:p>
+          <a:p>
+            <a:r>
+              <a:rPr lang="en-US" b="1" dirty="0" err="1"/>
+              <a:t>git</a:t>
+            </a:r>
+            <a:r>
+              <a:rPr lang="en-US" b="1" dirty="0"/>
+              <a:t> checkout</a:t>
+            </a:r>
+            <a:r>
+              <a:rPr lang="en-US" dirty="0"/>
+              <a:t> </a:t>
+            </a:r>
+            <a:r>
+              <a:rPr lang="en-US" dirty="0" err="1"/>
+              <a:t>komutu</a:t>
+            </a:r>
+            <a:r>
+              <a:rPr lang="en-US" dirty="0"/>
+              <a:t> </a:t>
+            </a:r>
+            <a:r>
+              <a:rPr lang="en-US" dirty="0" err="1" smtClean="0"/>
+              <a:t>ile</a:t>
+            </a:r>
+            <a:r>
+              <a:rPr lang="tr-TR" dirty="0" smtClean="0"/>
+              <a:t> bir başka branchdekiş değişikliği aktif branch ile birleştirebilir yani başka branch’daki değişiklikleri aktif branch’a çekersiniz.</a:t>
+            </a:r>
+            <a:endParaRPr lang="en-US" dirty="0"/>
+          </a:p>
+        </p:txBody>
+      </p:sp>
+    </p:spTree>
+    <p:extLst>
+      <p:ext uri="{BB962C8B-B14F-4D97-AF65-F5344CB8AC3E}">
+        <p14:creationId xmlns:p14="http://schemas.microsoft.com/office/powerpoint/2010/main" val="3313050714"/>
+      </p:ext>
+    </p:extLst>
+  </p:cSld>
+  <p:clrMapOvr>
+    <a:masterClrMapping/>
+  </p:clrMapOvr>
 </p:sld>
 </file>
 
@@ -3602,6 +5717,1753 @@
     <p:extLst>
       <p:ext uri="{BB962C8B-B14F-4D97-AF65-F5344CB8AC3E}">
         <p14:creationId xmlns:p14="http://schemas.microsoft.com/office/powerpoint/2010/main" val="3844376095"/>
+      </p:ext>
+    </p:extLst>
+  </p:cSld>
+  <p:clrMapOvr>
+    <a:masterClrMapping/>
+  </p:clrMapOvr>
+  <p:timing>
+    <p:tnLst>
+      <p:par>
+        <p:cTn id="1" dur="indefinite" restart="never" nodeType="tmRoot"/>
+      </p:par>
+    </p:tnLst>
+  </p:timing>
+</p:sld>
+</file>
+
+<file path=ppt/slides/slide20.xml><?xml version="1.0" encoding="utf-8"?>
+<p:sld xmlns:a="http://schemas.openxmlformats.org/drawingml/2006/main" xmlns:r="http://schemas.openxmlformats.org/officeDocument/2006/relationships" xmlns:p="http://schemas.openxmlformats.org/presentationml/2006/main">
+  <p:cSld>
+    <p:spTree>
+      <p:nvGrpSpPr>
+        <p:cNvPr id="1" name=""/>
+        <p:cNvGrpSpPr/>
+        <p:nvPr/>
+      </p:nvGrpSpPr>
+      <p:grpSpPr>
+        <a:xfrm>
+          <a:off x="0" y="0"/>
+          <a:ext cx="0" cy="0"/>
+          <a:chOff x="0" y="0"/>
+          <a:chExt cx="0" cy="0"/>
+        </a:xfrm>
+      </p:grpSpPr>
+      <p:sp>
+        <p:nvSpPr>
+          <p:cNvPr id="4" name="Title 3"/>
+          <p:cNvSpPr>
+            <a:spLocks noGrp="1"/>
+          </p:cNvSpPr>
+          <p:nvPr>
+            <p:ph type="title"/>
+          </p:nvPr>
+        </p:nvSpPr>
+        <p:spPr/>
+        <p:txBody>
+          <a:bodyPr>
+            <a:normAutofit/>
+          </a:bodyPr>
+          <a:lstStyle/>
+          <a:p>
+            <a:r>
+              <a:rPr lang="tr-TR" sz="3600" b="1" dirty="0">
+                <a:solidFill>
+                  <a:srgbClr val="002060"/>
+                </a:solidFill>
+                <a:latin typeface="Arial" panose="020B0604020202020204" pitchFamily="34" charset="0"/>
+                <a:cs typeface="Arial" panose="020B0604020202020204" pitchFamily="34" charset="0"/>
+              </a:rPr>
+              <a:t>Branch’lerin Çakışması: Conflict</a:t>
+            </a:r>
+            <a:endParaRPr lang="en-US" sz="3600" b="1" dirty="0">
+              <a:solidFill>
+                <a:srgbClr val="002060"/>
+              </a:solidFill>
+              <a:latin typeface="Arial" panose="020B0604020202020204" pitchFamily="34" charset="0"/>
+              <a:cs typeface="Arial" panose="020B0604020202020204" pitchFamily="34" charset="0"/>
+            </a:endParaRPr>
+          </a:p>
+        </p:txBody>
+      </p:sp>
+      <p:sp>
+        <p:nvSpPr>
+          <p:cNvPr id="2" name="Content Placeholder 1"/>
+          <p:cNvSpPr>
+            <a:spLocks noGrp="1"/>
+          </p:cNvSpPr>
+          <p:nvPr>
+            <p:ph idx="1"/>
+          </p:nvPr>
+        </p:nvSpPr>
+        <p:spPr>
+          <a:xfrm>
+            <a:off x="838200" y="1825625"/>
+            <a:ext cx="4473102" cy="4351338"/>
+          </a:xfrm>
+        </p:spPr>
+        <p:txBody>
+          <a:bodyPr>
+            <a:normAutofit/>
+          </a:bodyPr>
+          <a:lstStyle/>
+          <a:p>
+            <a:r>
+              <a:rPr lang="en-US" dirty="0" err="1"/>
+              <a:t>Aynı</a:t>
+            </a:r>
+            <a:r>
+              <a:rPr lang="en-US" dirty="0"/>
+              <a:t> </a:t>
+            </a:r>
+            <a:r>
+              <a:rPr lang="en-US" dirty="0" err="1"/>
+              <a:t>dosyalar</a:t>
+            </a:r>
+            <a:r>
+              <a:rPr lang="en-US" dirty="0"/>
+              <a:t> </a:t>
+            </a:r>
+            <a:r>
+              <a:rPr lang="en-US" dirty="0" err="1"/>
+              <a:t>üzerinde</a:t>
+            </a:r>
+            <a:r>
+              <a:rPr lang="en-US" dirty="0"/>
+              <a:t> </a:t>
+            </a:r>
+            <a:r>
+              <a:rPr lang="en-US" dirty="0" err="1"/>
+              <a:t>çalışınca</a:t>
+            </a:r>
+            <a:r>
+              <a:rPr lang="en-US" dirty="0"/>
+              <a:t> </a:t>
+            </a:r>
+            <a:r>
+              <a:rPr lang="en-US" b="1" dirty="0"/>
+              <a:t>conflict</a:t>
+            </a:r>
+            <a:r>
+              <a:rPr lang="en-US" dirty="0"/>
+              <a:t> </a:t>
+            </a:r>
+            <a:r>
+              <a:rPr lang="en-US" dirty="0" err="1"/>
+              <a:t>yanı</a:t>
+            </a:r>
+            <a:r>
+              <a:rPr lang="en-US" dirty="0"/>
+              <a:t> </a:t>
+            </a:r>
+            <a:r>
+              <a:rPr lang="en-US" dirty="0" err="1"/>
+              <a:t>çakışma</a:t>
+            </a:r>
+            <a:r>
+              <a:rPr lang="en-US" dirty="0"/>
+              <a:t> </a:t>
+            </a:r>
+            <a:r>
+              <a:rPr lang="en-US" dirty="0" err="1"/>
+              <a:t>yaşamak</a:t>
+            </a:r>
+            <a:r>
+              <a:rPr lang="en-US" dirty="0"/>
+              <a:t> </a:t>
+            </a:r>
+            <a:r>
+              <a:rPr lang="en-US" dirty="0" err="1"/>
+              <a:t>kaçınılmazdır</a:t>
+            </a:r>
+            <a:r>
+              <a:rPr lang="en-US" dirty="0" smtClean="0"/>
+              <a:t>.</a:t>
+            </a:r>
+            <a:endParaRPr lang="tr-TR" dirty="0" smtClean="0"/>
+          </a:p>
+          <a:p>
+            <a:pPr marL="0" indent="0">
+              <a:buNone/>
+            </a:pPr>
+            <a:endParaRPr lang="tr-TR" dirty="0" smtClean="0"/>
+          </a:p>
+          <a:p>
+            <a:r>
+              <a:rPr lang="tr-TR" dirty="0" smtClean="0"/>
+              <a:t>Bu durumda çakışmayı çözmek yazılımcının sorumluluğundadır.</a:t>
+            </a:r>
+          </a:p>
+        </p:txBody>
+      </p:sp>
+      <p:sp>
+        <p:nvSpPr>
+          <p:cNvPr id="3" name="Rectangle 2"/>
+          <p:cNvSpPr/>
+          <p:nvPr/>
+        </p:nvSpPr>
+        <p:spPr>
+          <a:xfrm>
+            <a:off x="684177" y="6176963"/>
+            <a:ext cx="10492903" cy="276999"/>
+          </a:xfrm>
+          <a:prstGeom prst="rect">
+            <a:avLst/>
+          </a:prstGeom>
+        </p:spPr>
+        <p:txBody>
+          <a:bodyPr wrap="square">
+            <a:spAutoFit/>
+          </a:bodyPr>
+          <a:lstStyle/>
+          <a:p>
+            <a:pPr algn="r"/>
+            <a:r>
+              <a:rPr lang="en-US" sz="1200" dirty="0"/>
+              <a:t>https://vigo.gitbooks.io/git-puf-noktalari/content/bolum-02/branch-ler-ile-calismak.html</a:t>
+            </a:r>
+          </a:p>
+        </p:txBody>
+      </p:sp>
+      <p:pic>
+        <p:nvPicPr>
+          <p:cNvPr id="5" name="Picture 4"/>
+          <p:cNvPicPr>
+            <a:picLocks noChangeAspect="1"/>
+          </p:cNvPicPr>
+          <p:nvPr/>
+        </p:nvPicPr>
+        <p:blipFill>
+          <a:blip r:embed="rId2"/>
+          <a:stretch>
+            <a:fillRect/>
+          </a:stretch>
+        </p:blipFill>
+        <p:spPr>
+          <a:xfrm>
+            <a:off x="6357095" y="1486406"/>
+            <a:ext cx="4723584" cy="4486275"/>
+          </a:xfrm>
+          <a:prstGeom prst="rect">
+            <a:avLst/>
+          </a:prstGeom>
+        </p:spPr>
+      </p:pic>
+    </p:spTree>
+    <p:extLst>
+      <p:ext uri="{BB962C8B-B14F-4D97-AF65-F5344CB8AC3E}">
+        <p14:creationId xmlns:p14="http://schemas.microsoft.com/office/powerpoint/2010/main" val="537176483"/>
+      </p:ext>
+    </p:extLst>
+  </p:cSld>
+  <p:clrMapOvr>
+    <a:masterClrMapping/>
+  </p:clrMapOvr>
+</p:sld>
+</file>
+
+<file path=ppt/slides/slide21.xml><?xml version="1.0" encoding="utf-8"?>
+<p:sld xmlns:a="http://schemas.openxmlformats.org/drawingml/2006/main" xmlns:r="http://schemas.openxmlformats.org/officeDocument/2006/relationships" xmlns:p="http://schemas.openxmlformats.org/presentationml/2006/main">
+  <p:cSld>
+    <p:spTree>
+      <p:nvGrpSpPr>
+        <p:cNvPr id="1" name=""/>
+        <p:cNvGrpSpPr/>
+        <p:nvPr/>
+      </p:nvGrpSpPr>
+      <p:grpSpPr>
+        <a:xfrm>
+          <a:off x="0" y="0"/>
+          <a:ext cx="0" cy="0"/>
+          <a:chOff x="0" y="0"/>
+          <a:chExt cx="0" cy="0"/>
+        </a:xfrm>
+      </p:grpSpPr>
+      <p:sp>
+        <p:nvSpPr>
+          <p:cNvPr id="4" name="Title 3"/>
+          <p:cNvSpPr>
+            <a:spLocks noGrp="1"/>
+          </p:cNvSpPr>
+          <p:nvPr>
+            <p:ph type="title"/>
+          </p:nvPr>
+        </p:nvSpPr>
+        <p:spPr/>
+        <p:txBody>
+          <a:bodyPr>
+            <a:normAutofit/>
+          </a:bodyPr>
+          <a:lstStyle/>
+          <a:p>
+            <a:r>
+              <a:rPr lang="tr-TR" sz="3600" b="1" dirty="0" smtClean="0">
+                <a:solidFill>
+                  <a:srgbClr val="002060"/>
+                </a:solidFill>
+                <a:latin typeface="Arial" panose="020B0604020202020204" pitchFamily="34" charset="0"/>
+                <a:cs typeface="Arial" panose="020B0604020202020204" pitchFamily="34" charset="0"/>
+              </a:rPr>
+              <a:t>Uzak Repo (Remote) Kavramı</a:t>
+            </a:r>
+            <a:endParaRPr lang="en-US" sz="3600" b="1" dirty="0">
+              <a:solidFill>
+                <a:srgbClr val="002060"/>
+              </a:solidFill>
+              <a:latin typeface="Arial" panose="020B0604020202020204" pitchFamily="34" charset="0"/>
+              <a:cs typeface="Arial" panose="020B0604020202020204" pitchFamily="34" charset="0"/>
+            </a:endParaRPr>
+          </a:p>
+        </p:txBody>
+      </p:sp>
+      <p:sp>
+        <p:nvSpPr>
+          <p:cNvPr id="2" name="Content Placeholder 1"/>
+          <p:cNvSpPr>
+            <a:spLocks noGrp="1"/>
+          </p:cNvSpPr>
+          <p:nvPr>
+            <p:ph idx="1"/>
+          </p:nvPr>
+        </p:nvSpPr>
+        <p:spPr/>
+        <p:txBody>
+          <a:bodyPr>
+            <a:normAutofit/>
+          </a:bodyPr>
+          <a:lstStyle/>
+          <a:p>
+            <a:r>
+              <a:rPr lang="en-US" dirty="0" err="1"/>
+              <a:t>Günlük</a:t>
+            </a:r>
+            <a:r>
+              <a:rPr lang="en-US" dirty="0"/>
+              <a:t> </a:t>
+            </a:r>
+            <a:r>
+              <a:rPr lang="en-US" dirty="0" err="1"/>
+              <a:t>çalışmamız</a:t>
+            </a:r>
+            <a:r>
+              <a:rPr lang="en-US" dirty="0"/>
+              <a:t> </a:t>
+            </a:r>
+            <a:r>
+              <a:rPr lang="en-US" dirty="0" err="1"/>
+              <a:t>sırasında</a:t>
+            </a:r>
+            <a:r>
+              <a:rPr lang="en-US" dirty="0"/>
+              <a:t> staging ve commit </a:t>
+            </a:r>
+            <a:r>
+              <a:rPr lang="en-US" dirty="0" err="1"/>
+              <a:t>gibi</a:t>
+            </a:r>
+            <a:r>
+              <a:rPr lang="en-US" dirty="0"/>
+              <a:t> </a:t>
+            </a:r>
+            <a:r>
+              <a:rPr lang="en-US" dirty="0" err="1"/>
+              <a:t>versiyon</a:t>
+            </a:r>
+            <a:r>
+              <a:rPr lang="en-US" dirty="0"/>
+              <a:t> </a:t>
+            </a:r>
+            <a:r>
+              <a:rPr lang="en-US" dirty="0" err="1"/>
+              <a:t>kontrolü</a:t>
+            </a:r>
+            <a:r>
+              <a:rPr lang="en-US" dirty="0"/>
+              <a:t> </a:t>
+            </a:r>
+            <a:r>
+              <a:rPr lang="en-US" dirty="0" err="1"/>
+              <a:t>ile</a:t>
+            </a:r>
+            <a:r>
+              <a:rPr lang="en-US" dirty="0"/>
+              <a:t> </a:t>
+            </a:r>
+            <a:r>
+              <a:rPr lang="en-US" dirty="0" err="1"/>
+              <a:t>ilgili</a:t>
+            </a:r>
+            <a:r>
+              <a:rPr lang="en-US" dirty="0"/>
+              <a:t> </a:t>
+            </a:r>
+            <a:r>
+              <a:rPr lang="en-US" dirty="0" err="1"/>
+              <a:t>işlemlerin</a:t>
+            </a:r>
+            <a:r>
+              <a:rPr lang="en-US" dirty="0"/>
+              <a:t> </a:t>
+            </a:r>
+            <a:r>
+              <a:rPr lang="en-US" dirty="0" err="1"/>
+              <a:t>çoğunu</a:t>
+            </a:r>
+            <a:r>
+              <a:rPr lang="en-US" dirty="0"/>
+              <a:t> </a:t>
+            </a:r>
+            <a:r>
+              <a:rPr lang="en-US" dirty="0" err="1"/>
+              <a:t>yerel</a:t>
+            </a:r>
+            <a:r>
+              <a:rPr lang="en-US" dirty="0"/>
+              <a:t> </a:t>
+            </a:r>
+            <a:r>
+              <a:rPr lang="en-US" dirty="0" err="1"/>
+              <a:t>diskimizde</a:t>
+            </a:r>
+            <a:r>
+              <a:rPr lang="en-US" dirty="0"/>
+              <a:t> </a:t>
+            </a:r>
+            <a:r>
+              <a:rPr lang="en-US" dirty="0" err="1"/>
+              <a:t>yer</a:t>
+            </a:r>
+            <a:r>
+              <a:rPr lang="en-US" dirty="0"/>
+              <a:t> </a:t>
+            </a:r>
+            <a:r>
+              <a:rPr lang="en-US" dirty="0" err="1"/>
+              <a:t>alan</a:t>
+            </a:r>
+            <a:r>
+              <a:rPr lang="en-US" dirty="0"/>
+              <a:t> local repository </a:t>
+            </a:r>
+            <a:r>
+              <a:rPr lang="en-US" dirty="0" err="1"/>
+              <a:t>üzerinde</a:t>
+            </a:r>
+            <a:r>
+              <a:rPr lang="en-US" dirty="0"/>
+              <a:t> </a:t>
+            </a:r>
+            <a:r>
+              <a:rPr lang="en-US" dirty="0" err="1"/>
+              <a:t>yaparız</a:t>
+            </a:r>
+            <a:r>
+              <a:rPr lang="en-US" dirty="0" smtClean="0"/>
+              <a:t>.</a:t>
+            </a:r>
+            <a:endParaRPr lang="tr-TR" dirty="0" smtClean="0"/>
+          </a:p>
+          <a:p>
+            <a:r>
+              <a:rPr lang="en-US" dirty="0" err="1"/>
+              <a:t>Ancak</a:t>
+            </a:r>
+            <a:r>
+              <a:rPr lang="en-US" dirty="0"/>
+              <a:t> </a:t>
+            </a:r>
+            <a:r>
+              <a:rPr lang="en-US" dirty="0" err="1"/>
+              <a:t>takım</a:t>
+            </a:r>
+            <a:r>
+              <a:rPr lang="en-US" dirty="0"/>
+              <a:t> </a:t>
+            </a:r>
+            <a:r>
+              <a:rPr lang="en-US" dirty="0" err="1"/>
+              <a:t>çalışması</a:t>
+            </a:r>
+            <a:r>
+              <a:rPr lang="en-US" dirty="0"/>
+              <a:t> </a:t>
+            </a:r>
+            <a:r>
+              <a:rPr lang="en-US" dirty="0" err="1"/>
+              <a:t>söz</a:t>
+            </a:r>
+            <a:r>
+              <a:rPr lang="en-US" dirty="0"/>
+              <a:t> </a:t>
+            </a:r>
+            <a:r>
+              <a:rPr lang="en-US" dirty="0" err="1"/>
+              <a:t>konusu</a:t>
+            </a:r>
+            <a:r>
+              <a:rPr lang="en-US" dirty="0"/>
+              <a:t> </a:t>
+            </a:r>
+            <a:r>
+              <a:rPr lang="en-US" dirty="0" err="1"/>
+              <a:t>olduğunda</a:t>
+            </a:r>
+            <a:r>
+              <a:rPr lang="en-US" dirty="0"/>
+              <a:t>, </a:t>
+            </a:r>
+            <a:r>
+              <a:rPr lang="en-US" dirty="0" err="1"/>
+              <a:t>takımdaki</a:t>
+            </a:r>
+            <a:r>
+              <a:rPr lang="en-US" dirty="0"/>
+              <a:t> </a:t>
+            </a:r>
+            <a:r>
+              <a:rPr lang="en-US" dirty="0" err="1"/>
+              <a:t>geliştiricilerin</a:t>
+            </a:r>
+            <a:r>
+              <a:rPr lang="en-US" dirty="0"/>
+              <a:t> </a:t>
+            </a:r>
+            <a:r>
+              <a:rPr lang="en-US" dirty="0" err="1"/>
+              <a:t>birlikte</a:t>
+            </a:r>
+            <a:r>
+              <a:rPr lang="en-US" dirty="0"/>
+              <a:t> </a:t>
+            </a:r>
+            <a:r>
+              <a:rPr lang="en-US" dirty="0" err="1"/>
+              <a:t>çalışabilmesi</a:t>
+            </a:r>
+            <a:r>
+              <a:rPr lang="en-US" dirty="0"/>
+              <a:t> </a:t>
+            </a:r>
+            <a:r>
+              <a:rPr lang="en-US" dirty="0" err="1"/>
+              <a:t>için</a:t>
+            </a:r>
+            <a:r>
+              <a:rPr lang="en-US" dirty="0"/>
+              <a:t> </a:t>
+            </a:r>
+            <a:r>
+              <a:rPr lang="en-US" dirty="0" err="1"/>
+              <a:t>herkesin</a:t>
+            </a:r>
+            <a:r>
+              <a:rPr lang="en-US" dirty="0"/>
+              <a:t> </a:t>
+            </a:r>
+            <a:r>
+              <a:rPr lang="en-US" dirty="0" err="1"/>
+              <a:t>değişikliklerini</a:t>
+            </a:r>
+            <a:r>
+              <a:rPr lang="en-US" dirty="0"/>
+              <a:t> </a:t>
+            </a:r>
+            <a:r>
+              <a:rPr lang="en-US" dirty="0" err="1"/>
+              <a:t>ortak</a:t>
+            </a:r>
+            <a:r>
+              <a:rPr lang="en-US" dirty="0"/>
+              <a:t> </a:t>
+            </a:r>
+            <a:r>
+              <a:rPr lang="en-US" dirty="0" err="1"/>
+              <a:t>bir</a:t>
+            </a:r>
+            <a:r>
+              <a:rPr lang="en-US" dirty="0"/>
+              <a:t> </a:t>
+            </a:r>
+            <a:r>
+              <a:rPr lang="en-US" dirty="0" err="1"/>
+              <a:t>alanda</a:t>
+            </a:r>
+            <a:r>
+              <a:rPr lang="en-US" dirty="0"/>
+              <a:t> </a:t>
+            </a:r>
+            <a:r>
+              <a:rPr lang="en-US" dirty="0" err="1"/>
+              <a:t>yayınlaması</a:t>
+            </a:r>
+            <a:r>
+              <a:rPr lang="en-US" dirty="0"/>
+              <a:t> ve </a:t>
+            </a:r>
+            <a:r>
+              <a:rPr lang="en-US" dirty="0" err="1"/>
+              <a:t>diğerlerinin</a:t>
+            </a:r>
+            <a:r>
+              <a:rPr lang="en-US" dirty="0"/>
+              <a:t> de </a:t>
+            </a:r>
+            <a:r>
+              <a:rPr lang="en-US" dirty="0" err="1"/>
+              <a:t>bu</a:t>
+            </a:r>
+            <a:r>
+              <a:rPr lang="en-US" dirty="0"/>
+              <a:t> </a:t>
+            </a:r>
+            <a:r>
+              <a:rPr lang="en-US" dirty="0" err="1"/>
+              <a:t>ortak</a:t>
+            </a:r>
+            <a:r>
+              <a:rPr lang="en-US" dirty="0"/>
+              <a:t> </a:t>
+            </a:r>
+            <a:r>
+              <a:rPr lang="en-US" dirty="0" err="1"/>
+              <a:t>alan</a:t>
+            </a:r>
+            <a:r>
+              <a:rPr lang="en-US" dirty="0"/>
+              <a:t> </a:t>
+            </a:r>
+            <a:r>
+              <a:rPr lang="en-US" dirty="0" err="1"/>
+              <a:t>üzerinden</a:t>
+            </a:r>
+            <a:r>
+              <a:rPr lang="en-US" dirty="0"/>
+              <a:t> </a:t>
+            </a:r>
+            <a:r>
+              <a:rPr lang="en-US" dirty="0" err="1"/>
+              <a:t>bu</a:t>
+            </a:r>
+            <a:r>
+              <a:rPr lang="en-US" dirty="0"/>
+              <a:t> </a:t>
+            </a:r>
+            <a:r>
+              <a:rPr lang="en-US" dirty="0" err="1"/>
+              <a:t>değişiklikleri</a:t>
+            </a:r>
+            <a:r>
+              <a:rPr lang="en-US" dirty="0"/>
+              <a:t> </a:t>
+            </a:r>
+            <a:r>
+              <a:rPr lang="en-US" dirty="0" err="1"/>
+              <a:t>kendi</a:t>
+            </a:r>
+            <a:r>
+              <a:rPr lang="en-US" dirty="0"/>
+              <a:t> </a:t>
+            </a:r>
+            <a:r>
+              <a:rPr lang="en-US" dirty="0" err="1"/>
+              <a:t>branch'lerine</a:t>
+            </a:r>
+            <a:r>
+              <a:rPr lang="en-US" dirty="0"/>
+              <a:t> </a:t>
+            </a:r>
+            <a:r>
+              <a:rPr lang="en-US" dirty="0" err="1"/>
+              <a:t>entegre</a:t>
+            </a:r>
+            <a:r>
+              <a:rPr lang="en-US" dirty="0"/>
+              <a:t> </a:t>
+            </a:r>
+            <a:r>
+              <a:rPr lang="en-US" dirty="0" err="1"/>
+              <a:t>etmesi</a:t>
+            </a:r>
+            <a:r>
+              <a:rPr lang="en-US" dirty="0"/>
+              <a:t> </a:t>
+            </a:r>
+            <a:r>
+              <a:rPr lang="en-US" dirty="0" err="1"/>
+              <a:t>gerekecektir</a:t>
+            </a:r>
+            <a:r>
+              <a:rPr lang="en-US" dirty="0"/>
+              <a:t>. </a:t>
+            </a:r>
+            <a:endParaRPr lang="tr-TR" dirty="0" smtClean="0"/>
+          </a:p>
+          <a:p>
+            <a:r>
+              <a:rPr lang="tr-TR" dirty="0" smtClean="0"/>
+              <a:t>Uzak (</a:t>
+            </a:r>
+            <a:r>
+              <a:rPr lang="tr-TR" dirty="0"/>
+              <a:t>r</a:t>
+            </a:r>
+            <a:r>
+              <a:rPr lang="en-US" dirty="0" smtClean="0"/>
+              <a:t>emote</a:t>
+            </a:r>
+            <a:r>
+              <a:rPr lang="tr-TR" dirty="0" smtClean="0"/>
+              <a:t>)</a:t>
+            </a:r>
+            <a:r>
+              <a:rPr lang="en-US" dirty="0" smtClean="0"/>
+              <a:t> </a:t>
+            </a:r>
+            <a:r>
+              <a:rPr lang="en-US" dirty="0" err="1"/>
+              <a:t>repository'leri</a:t>
+            </a:r>
+            <a:r>
+              <a:rPr lang="en-US" dirty="0"/>
+              <a:t> </a:t>
+            </a:r>
+            <a:r>
+              <a:rPr lang="en-US" dirty="0" err="1"/>
+              <a:t>en</a:t>
+            </a:r>
+            <a:r>
+              <a:rPr lang="en-US" dirty="0"/>
+              <a:t> </a:t>
+            </a:r>
+            <a:r>
+              <a:rPr lang="en-US" dirty="0" err="1"/>
+              <a:t>basit</a:t>
+            </a:r>
+            <a:r>
+              <a:rPr lang="en-US" dirty="0"/>
+              <a:t> </a:t>
+            </a:r>
+            <a:r>
+              <a:rPr lang="en-US" dirty="0" err="1"/>
+              <a:t>anlamda</a:t>
+            </a:r>
+            <a:r>
+              <a:rPr lang="en-US" dirty="0"/>
+              <a:t> </a:t>
+            </a:r>
+            <a:r>
+              <a:rPr lang="en-US" dirty="0" err="1"/>
+              <a:t>tüm</a:t>
+            </a:r>
+            <a:r>
+              <a:rPr lang="en-US" dirty="0"/>
+              <a:t> </a:t>
+            </a:r>
+            <a:r>
+              <a:rPr lang="en-US" dirty="0" err="1"/>
+              <a:t>ekibin</a:t>
+            </a:r>
+            <a:r>
+              <a:rPr lang="en-US" dirty="0"/>
+              <a:t> </a:t>
+            </a:r>
+            <a:r>
+              <a:rPr lang="en-US" dirty="0" err="1"/>
+              <a:t>erişimi</a:t>
+            </a:r>
+            <a:r>
+              <a:rPr lang="en-US" dirty="0"/>
+              <a:t> </a:t>
+            </a:r>
+            <a:r>
+              <a:rPr lang="en-US" dirty="0" err="1"/>
+              <a:t>olan</a:t>
+            </a:r>
+            <a:r>
+              <a:rPr lang="en-US" dirty="0"/>
+              <a:t> </a:t>
+            </a:r>
+            <a:r>
+              <a:rPr lang="en-US" dirty="0" err="1"/>
+              <a:t>dosya</a:t>
+            </a:r>
+            <a:r>
+              <a:rPr lang="en-US" dirty="0"/>
+              <a:t> </a:t>
+            </a:r>
+            <a:r>
+              <a:rPr lang="en-US" dirty="0" err="1"/>
+              <a:t>sunucusu</a:t>
+            </a:r>
+            <a:r>
+              <a:rPr lang="en-US" dirty="0"/>
+              <a:t> </a:t>
+            </a:r>
+            <a:r>
+              <a:rPr lang="en-US" dirty="0" err="1"/>
+              <a:t>olarak</a:t>
+            </a:r>
+            <a:r>
+              <a:rPr lang="en-US" dirty="0"/>
+              <a:t> </a:t>
+            </a:r>
+            <a:r>
+              <a:rPr lang="en-US" dirty="0" err="1"/>
+              <a:t>düşünebilirsiniz</a:t>
+            </a:r>
+            <a:r>
+              <a:rPr lang="en-US" dirty="0"/>
+              <a:t>.</a:t>
+            </a:r>
+          </a:p>
+        </p:txBody>
+      </p:sp>
+    </p:spTree>
+    <p:extLst>
+      <p:ext uri="{BB962C8B-B14F-4D97-AF65-F5344CB8AC3E}">
+        <p14:creationId xmlns:p14="http://schemas.microsoft.com/office/powerpoint/2010/main" val="1419379942"/>
+      </p:ext>
+    </p:extLst>
+  </p:cSld>
+  <p:clrMapOvr>
+    <a:masterClrMapping/>
+  </p:clrMapOvr>
+</p:sld>
+</file>
+
+<file path=ppt/slides/slide22.xml><?xml version="1.0" encoding="utf-8"?>
+<p:sld xmlns:a="http://schemas.openxmlformats.org/drawingml/2006/main" xmlns:r="http://schemas.openxmlformats.org/officeDocument/2006/relationships" xmlns:p="http://schemas.openxmlformats.org/presentationml/2006/main">
+  <p:cSld>
+    <p:spTree>
+      <p:nvGrpSpPr>
+        <p:cNvPr id="1" name=""/>
+        <p:cNvGrpSpPr/>
+        <p:nvPr/>
+      </p:nvGrpSpPr>
+      <p:grpSpPr>
+        <a:xfrm>
+          <a:off x="0" y="0"/>
+          <a:ext cx="0" cy="0"/>
+          <a:chOff x="0" y="0"/>
+          <a:chExt cx="0" cy="0"/>
+        </a:xfrm>
+      </p:grpSpPr>
+      <p:sp>
+        <p:nvSpPr>
+          <p:cNvPr id="4" name="Title 3"/>
+          <p:cNvSpPr>
+            <a:spLocks noGrp="1"/>
+          </p:cNvSpPr>
+          <p:nvPr>
+            <p:ph type="title"/>
+          </p:nvPr>
+        </p:nvSpPr>
+        <p:spPr/>
+        <p:txBody>
+          <a:bodyPr>
+            <a:normAutofit/>
+          </a:bodyPr>
+          <a:lstStyle/>
+          <a:p>
+            <a:r>
+              <a:rPr lang="tr-TR" sz="3600" b="1" dirty="0">
+                <a:solidFill>
+                  <a:srgbClr val="002060"/>
+                </a:solidFill>
+                <a:latin typeface="Arial" panose="020B0604020202020204" pitchFamily="34" charset="0"/>
+                <a:cs typeface="Arial" panose="020B0604020202020204" pitchFamily="34" charset="0"/>
+              </a:rPr>
+              <a:t>Uzak Repo (Remote) Kavramı</a:t>
+            </a:r>
+            <a:endParaRPr lang="en-US" sz="3600" b="1" dirty="0">
+              <a:solidFill>
+                <a:srgbClr val="002060"/>
+              </a:solidFill>
+              <a:latin typeface="Arial" panose="020B0604020202020204" pitchFamily="34" charset="0"/>
+              <a:cs typeface="Arial" panose="020B0604020202020204" pitchFamily="34" charset="0"/>
+            </a:endParaRPr>
+          </a:p>
+        </p:txBody>
+      </p:sp>
+      <p:sp>
+        <p:nvSpPr>
+          <p:cNvPr id="2" name="Content Placeholder 1"/>
+          <p:cNvSpPr>
+            <a:spLocks noGrp="1"/>
+          </p:cNvSpPr>
+          <p:nvPr>
+            <p:ph idx="1"/>
+          </p:nvPr>
+        </p:nvSpPr>
+        <p:spPr/>
+        <p:txBody>
+          <a:bodyPr>
+            <a:normAutofit/>
+          </a:bodyPr>
+          <a:lstStyle/>
+          <a:p>
+            <a:r>
+              <a:rPr lang="tr-TR" dirty="0" smtClean="0"/>
+              <a:t>Yerel (local) </a:t>
+            </a:r>
+            <a:r>
+              <a:rPr lang="en-US" dirty="0" err="1" smtClean="0"/>
+              <a:t>repository'ler</a:t>
+            </a:r>
+            <a:r>
+              <a:rPr lang="en-US" dirty="0" smtClean="0"/>
+              <a:t> </a:t>
+            </a:r>
+            <a:r>
+              <a:rPr lang="en-US" dirty="0" err="1"/>
+              <a:t>geliştiricilerin</a:t>
+            </a:r>
+            <a:r>
+              <a:rPr lang="en-US" dirty="0"/>
+              <a:t> </a:t>
+            </a:r>
+            <a:r>
+              <a:rPr lang="en-US" dirty="0" err="1"/>
+              <a:t>kendi</a:t>
+            </a:r>
+            <a:r>
+              <a:rPr lang="en-US" dirty="0"/>
+              <a:t> </a:t>
+            </a:r>
+            <a:r>
+              <a:rPr lang="en-US" dirty="0" err="1"/>
+              <a:t>bilgisayarlarında</a:t>
+            </a:r>
+            <a:r>
+              <a:rPr lang="en-US" dirty="0"/>
+              <a:t> </a:t>
+            </a:r>
+            <a:r>
+              <a:rPr lang="en-US" dirty="0" err="1"/>
+              <a:t>yer</a:t>
+            </a:r>
+            <a:r>
+              <a:rPr lang="en-US" dirty="0"/>
+              <a:t> </a:t>
+            </a:r>
+            <a:r>
+              <a:rPr lang="en-US" dirty="0" err="1"/>
+              <a:t>alırken</a:t>
+            </a:r>
+            <a:r>
+              <a:rPr lang="en-US" dirty="0"/>
+              <a:t> Remote </a:t>
+            </a:r>
+            <a:r>
+              <a:rPr lang="en-US" dirty="0" err="1"/>
+              <a:t>repository'ler</a:t>
+            </a:r>
+            <a:r>
+              <a:rPr lang="en-US" dirty="0"/>
+              <a:t>, </a:t>
+            </a:r>
+            <a:r>
+              <a:rPr lang="en-US" dirty="0" err="1"/>
+              <a:t>çoğunlukla</a:t>
+            </a:r>
+            <a:r>
+              <a:rPr lang="en-US" dirty="0"/>
+              <a:t> internet </a:t>
+            </a:r>
+            <a:r>
+              <a:rPr lang="en-US" dirty="0" err="1"/>
+              <a:t>olmak</a:t>
+            </a:r>
+            <a:r>
+              <a:rPr lang="en-US" dirty="0"/>
+              <a:t> </a:t>
+            </a:r>
+            <a:r>
+              <a:rPr lang="en-US" dirty="0" err="1"/>
+              <a:t>üzere</a:t>
+            </a:r>
+            <a:r>
+              <a:rPr lang="en-US" dirty="0"/>
+              <a:t>, </a:t>
+            </a:r>
+            <a:r>
+              <a:rPr lang="en-US" dirty="0" err="1"/>
+              <a:t>ekipteki</a:t>
+            </a:r>
+            <a:r>
+              <a:rPr lang="en-US" dirty="0"/>
+              <a:t> </a:t>
+            </a:r>
+            <a:r>
+              <a:rPr lang="en-US" dirty="0" err="1"/>
+              <a:t>herkesin</a:t>
+            </a:r>
+            <a:r>
+              <a:rPr lang="en-US" dirty="0"/>
+              <a:t> </a:t>
+            </a:r>
+            <a:r>
+              <a:rPr lang="en-US" dirty="0" err="1"/>
+              <a:t>erişebileceği</a:t>
+            </a:r>
+            <a:r>
+              <a:rPr lang="en-US" dirty="0"/>
+              <a:t> </a:t>
+            </a:r>
+            <a:r>
+              <a:rPr lang="en-US" dirty="0" err="1"/>
+              <a:t>bir</a:t>
+            </a:r>
+            <a:r>
+              <a:rPr lang="en-US" dirty="0"/>
+              <a:t> </a:t>
+            </a:r>
+            <a:r>
+              <a:rPr lang="en-US" dirty="0" err="1"/>
+              <a:t>sunucuda</a:t>
+            </a:r>
+            <a:r>
+              <a:rPr lang="en-US" dirty="0"/>
+              <a:t> </a:t>
+            </a:r>
+            <a:r>
+              <a:rPr lang="en-US" dirty="0" err="1"/>
+              <a:t>yer</a:t>
+            </a:r>
+            <a:r>
+              <a:rPr lang="en-US" dirty="0"/>
+              <a:t> </a:t>
+            </a:r>
+            <a:r>
+              <a:rPr lang="en-US" dirty="0" err="1"/>
+              <a:t>alırlar</a:t>
+            </a:r>
+            <a:r>
+              <a:rPr lang="en-US" dirty="0" smtClean="0"/>
+              <a:t>.</a:t>
+            </a:r>
+            <a:endParaRPr lang="tr-TR" dirty="0" smtClean="0"/>
+          </a:p>
+          <a:p>
+            <a:r>
+              <a:rPr lang="en-US" dirty="0" err="1"/>
+              <a:t>Teknik</a:t>
+            </a:r>
+            <a:r>
+              <a:rPr lang="en-US" dirty="0"/>
+              <a:t> </a:t>
+            </a:r>
+            <a:r>
+              <a:rPr lang="en-US" dirty="0" err="1"/>
+              <a:t>olarak</a:t>
+            </a:r>
+            <a:r>
+              <a:rPr lang="en-US" dirty="0"/>
+              <a:t> </a:t>
+            </a:r>
+            <a:r>
+              <a:rPr lang="tr-TR" dirty="0" smtClean="0"/>
+              <a:t>uzak (</a:t>
+            </a:r>
+            <a:r>
+              <a:rPr lang="en-US" dirty="0" smtClean="0"/>
+              <a:t>remote</a:t>
+            </a:r>
+            <a:r>
+              <a:rPr lang="tr-TR" dirty="0" smtClean="0"/>
+              <a:t>)</a:t>
+            </a:r>
+            <a:r>
+              <a:rPr lang="en-US" dirty="0" smtClean="0"/>
+              <a:t> </a:t>
+            </a:r>
+            <a:r>
+              <a:rPr lang="en-US" dirty="0" err="1"/>
+              <a:t>repository'ler</a:t>
+            </a:r>
+            <a:r>
+              <a:rPr lang="en-US" dirty="0"/>
+              <a:t> </a:t>
+            </a:r>
+            <a:r>
+              <a:rPr lang="en-US" dirty="0" err="1"/>
+              <a:t>ile</a:t>
+            </a:r>
+            <a:r>
+              <a:rPr lang="en-US" dirty="0"/>
+              <a:t> </a:t>
+            </a:r>
+            <a:r>
+              <a:rPr lang="tr-TR" dirty="0" smtClean="0"/>
+              <a:t>yerel </a:t>
+            </a:r>
+            <a:r>
+              <a:rPr lang="en-US" dirty="0" err="1" smtClean="0"/>
+              <a:t>repositoryler</a:t>
+            </a:r>
+            <a:r>
+              <a:rPr lang="en-US" dirty="0" smtClean="0"/>
+              <a:t> </a:t>
+            </a:r>
+            <a:r>
+              <a:rPr lang="en-US" dirty="0" err="1"/>
+              <a:t>arasında</a:t>
+            </a:r>
+            <a:r>
+              <a:rPr lang="en-US" dirty="0"/>
+              <a:t> </a:t>
+            </a:r>
+            <a:r>
+              <a:rPr lang="en-US" dirty="0" err="1"/>
+              <a:t>bir</a:t>
+            </a:r>
+            <a:r>
+              <a:rPr lang="en-US" dirty="0"/>
+              <a:t> </a:t>
+            </a:r>
+            <a:r>
+              <a:rPr lang="en-US" dirty="0" err="1"/>
+              <a:t>fark</a:t>
+            </a:r>
+            <a:r>
+              <a:rPr lang="en-US" dirty="0"/>
+              <a:t> </a:t>
+            </a:r>
+            <a:r>
+              <a:rPr lang="en-US" dirty="0" err="1"/>
+              <a:t>yoktur</a:t>
+            </a:r>
+            <a:r>
+              <a:rPr lang="en-US" dirty="0"/>
+              <a:t>. </a:t>
+            </a:r>
+            <a:r>
+              <a:rPr lang="tr-TR" dirty="0" smtClean="0"/>
+              <a:t>Yerel</a:t>
+            </a:r>
+            <a:r>
+              <a:rPr lang="en-US" dirty="0" err="1" smtClean="0"/>
+              <a:t>repository'ler</a:t>
+            </a:r>
+            <a:r>
+              <a:rPr lang="en-US" dirty="0" smtClean="0"/>
+              <a:t> </a:t>
+            </a:r>
+            <a:r>
+              <a:rPr lang="en-US" dirty="0" err="1"/>
+              <a:t>için</a:t>
+            </a:r>
+            <a:r>
+              <a:rPr lang="en-US" dirty="0"/>
+              <a:t> </a:t>
+            </a:r>
+            <a:r>
+              <a:rPr lang="en-US" dirty="0" err="1"/>
+              <a:t>önceki</a:t>
+            </a:r>
+            <a:r>
+              <a:rPr lang="en-US" dirty="0"/>
+              <a:t> </a:t>
+            </a:r>
+            <a:r>
+              <a:rPr lang="en-US" dirty="0" err="1"/>
+              <a:t>bölümlerde</a:t>
+            </a:r>
+            <a:r>
+              <a:rPr lang="en-US" dirty="0"/>
+              <a:t> </a:t>
+            </a:r>
+            <a:r>
+              <a:rPr lang="en-US" dirty="0" err="1"/>
+              <a:t>ele</a:t>
+            </a:r>
+            <a:r>
+              <a:rPr lang="en-US" dirty="0"/>
+              <a:t> </a:t>
+            </a:r>
+            <a:r>
+              <a:rPr lang="en-US" dirty="0" err="1"/>
+              <a:t>aldığımız</a:t>
+            </a:r>
+            <a:r>
+              <a:rPr lang="en-US" dirty="0"/>
+              <a:t> commit </a:t>
+            </a:r>
+            <a:r>
+              <a:rPr lang="en-US" dirty="0" err="1"/>
+              <a:t>işlemi</a:t>
+            </a:r>
+            <a:r>
+              <a:rPr lang="en-US" dirty="0"/>
+              <a:t>, branch </a:t>
+            </a:r>
+            <a:r>
+              <a:rPr lang="en-US" dirty="0" err="1"/>
+              <a:t>oluşturma</a:t>
+            </a:r>
+            <a:r>
+              <a:rPr lang="en-US" dirty="0"/>
+              <a:t> </a:t>
+            </a:r>
+            <a:r>
+              <a:rPr lang="en-US" dirty="0" err="1"/>
+              <a:t>gibi</a:t>
+            </a:r>
+            <a:r>
+              <a:rPr lang="en-US" dirty="0"/>
+              <a:t> </a:t>
+            </a:r>
+            <a:r>
+              <a:rPr lang="en-US" dirty="0" err="1"/>
+              <a:t>işlemlerin</a:t>
+            </a:r>
+            <a:r>
+              <a:rPr lang="en-US" dirty="0"/>
+              <a:t> </a:t>
+            </a:r>
+            <a:r>
+              <a:rPr lang="en-US" dirty="0" err="1"/>
+              <a:t>tamamı</a:t>
+            </a:r>
+            <a:r>
+              <a:rPr lang="en-US" dirty="0"/>
+              <a:t> remote </a:t>
+            </a:r>
+            <a:r>
+              <a:rPr lang="en-US" dirty="0" err="1"/>
+              <a:t>repository'ler</a:t>
+            </a:r>
+            <a:r>
+              <a:rPr lang="en-US" dirty="0"/>
+              <a:t> </a:t>
+            </a:r>
+            <a:r>
+              <a:rPr lang="en-US" dirty="0" err="1"/>
+              <a:t>için</a:t>
+            </a:r>
+            <a:r>
+              <a:rPr lang="en-US" dirty="0"/>
+              <a:t> de </a:t>
+            </a:r>
+            <a:r>
+              <a:rPr lang="en-US" dirty="0" err="1"/>
+              <a:t>yapılabiliyor</a:t>
+            </a:r>
+            <a:r>
+              <a:rPr lang="en-US" dirty="0" smtClean="0"/>
+              <a:t>.</a:t>
+            </a:r>
+            <a:endParaRPr lang="tr-TR" dirty="0" smtClean="0"/>
+          </a:p>
+          <a:p>
+            <a:r>
+              <a:rPr lang="tr-TR" dirty="0" smtClean="0"/>
+              <a:t>Uzak </a:t>
+            </a:r>
+            <a:r>
+              <a:rPr lang="en-US" dirty="0" err="1" smtClean="0"/>
+              <a:t>bir</a:t>
+            </a:r>
+            <a:r>
+              <a:rPr lang="en-US" dirty="0" smtClean="0"/>
+              <a:t> </a:t>
+            </a:r>
+            <a:r>
+              <a:rPr lang="en-US" dirty="0" err="1"/>
+              <a:t>repository'yi</a:t>
+            </a:r>
+            <a:r>
+              <a:rPr lang="en-US" dirty="0"/>
+              <a:t> </a:t>
+            </a:r>
+            <a:r>
+              <a:rPr lang="en-US" b="1" dirty="0" err="1"/>
+              <a:t>git</a:t>
+            </a:r>
+            <a:r>
+              <a:rPr lang="en-US" b="1" dirty="0"/>
+              <a:t> clone</a:t>
+            </a:r>
+            <a:r>
+              <a:rPr lang="en-US" dirty="0"/>
+              <a:t> </a:t>
+            </a:r>
+            <a:r>
+              <a:rPr lang="en-US" dirty="0" err="1"/>
+              <a:t>komutu</a:t>
+            </a:r>
+            <a:r>
+              <a:rPr lang="en-US" dirty="0"/>
+              <a:t> </a:t>
+            </a:r>
+            <a:r>
+              <a:rPr lang="en-US" dirty="0" err="1"/>
+              <a:t>ile</a:t>
+            </a:r>
+            <a:r>
+              <a:rPr lang="en-US" dirty="0"/>
+              <a:t> </a:t>
+            </a:r>
+            <a:r>
+              <a:rPr lang="en-US" dirty="0" err="1"/>
+              <a:t>yerel</a:t>
+            </a:r>
+            <a:r>
+              <a:rPr lang="en-US" dirty="0"/>
+              <a:t> </a:t>
+            </a:r>
+            <a:r>
+              <a:rPr lang="en-US" dirty="0" err="1"/>
+              <a:t>diskinizde</a:t>
+            </a:r>
+            <a:r>
+              <a:rPr lang="en-US" dirty="0"/>
+              <a:t> </a:t>
+            </a:r>
+            <a:r>
+              <a:rPr lang="en-US" dirty="0" err="1"/>
+              <a:t>indirebilirsiniz</a:t>
+            </a:r>
+            <a:r>
+              <a:rPr lang="en-US" dirty="0"/>
+              <a:t>.</a:t>
+            </a:r>
+          </a:p>
+          <a:p>
+            <a:endParaRPr lang="en-US" dirty="0"/>
+          </a:p>
+        </p:txBody>
+      </p:sp>
+    </p:spTree>
+    <p:extLst>
+      <p:ext uri="{BB962C8B-B14F-4D97-AF65-F5344CB8AC3E}">
+        <p14:creationId xmlns:p14="http://schemas.microsoft.com/office/powerpoint/2010/main" val="2493136742"/>
+      </p:ext>
+    </p:extLst>
+  </p:cSld>
+  <p:clrMapOvr>
+    <a:masterClrMapping/>
+  </p:clrMapOvr>
+</p:sld>
+</file>
+
+<file path=ppt/slides/slide23.xml><?xml version="1.0" encoding="utf-8"?>
+<p:sld xmlns:a="http://schemas.openxmlformats.org/drawingml/2006/main" xmlns:r="http://schemas.openxmlformats.org/officeDocument/2006/relationships" xmlns:p="http://schemas.openxmlformats.org/presentationml/2006/main">
+  <p:cSld>
+    <p:spTree>
+      <p:nvGrpSpPr>
+        <p:cNvPr id="1" name=""/>
+        <p:cNvGrpSpPr/>
+        <p:nvPr/>
+      </p:nvGrpSpPr>
+      <p:grpSpPr>
+        <a:xfrm>
+          <a:off x="0" y="0"/>
+          <a:ext cx="0" cy="0"/>
+          <a:chOff x="0" y="0"/>
+          <a:chExt cx="0" cy="0"/>
+        </a:xfrm>
+      </p:grpSpPr>
+      <p:sp>
+        <p:nvSpPr>
+          <p:cNvPr id="4" name="Title 3"/>
+          <p:cNvSpPr>
+            <a:spLocks noGrp="1"/>
+          </p:cNvSpPr>
+          <p:nvPr>
+            <p:ph type="title"/>
+          </p:nvPr>
+        </p:nvSpPr>
+        <p:spPr/>
+        <p:txBody>
+          <a:bodyPr>
+            <a:normAutofit/>
+          </a:bodyPr>
+          <a:lstStyle/>
+          <a:p>
+            <a:r>
+              <a:rPr lang="tr-TR" sz="3600" b="1" dirty="0">
+                <a:solidFill>
+                  <a:srgbClr val="002060"/>
+                </a:solidFill>
+                <a:latin typeface="Arial" panose="020B0604020202020204" pitchFamily="34" charset="0"/>
+                <a:cs typeface="Arial" panose="020B0604020202020204" pitchFamily="34" charset="0"/>
+              </a:rPr>
+              <a:t>Uzak Repo (Remote) Kavramı</a:t>
+            </a:r>
+            <a:endParaRPr lang="en-US" sz="3600" b="1" dirty="0">
+              <a:solidFill>
+                <a:srgbClr val="002060"/>
+              </a:solidFill>
+              <a:latin typeface="Arial" panose="020B0604020202020204" pitchFamily="34" charset="0"/>
+              <a:cs typeface="Arial" panose="020B0604020202020204" pitchFamily="34" charset="0"/>
+            </a:endParaRPr>
+          </a:p>
+        </p:txBody>
+      </p:sp>
+      <p:sp>
+        <p:nvSpPr>
+          <p:cNvPr id="2" name="Content Placeholder 1"/>
+          <p:cNvSpPr>
+            <a:spLocks noGrp="1"/>
+          </p:cNvSpPr>
+          <p:nvPr>
+            <p:ph idx="1"/>
+          </p:nvPr>
+        </p:nvSpPr>
+        <p:spPr/>
+        <p:txBody>
+          <a:bodyPr>
+            <a:normAutofit/>
+          </a:bodyPr>
+          <a:lstStyle/>
+          <a:p>
+            <a:r>
+              <a:rPr lang="en-US" b="1" dirty="0" err="1"/>
+              <a:t>git</a:t>
+            </a:r>
+            <a:r>
+              <a:rPr lang="en-US" b="1" dirty="0"/>
+              <a:t> </a:t>
+            </a:r>
+            <a:r>
+              <a:rPr lang="tr-TR" b="1" dirty="0" smtClean="0"/>
+              <a:t>push</a:t>
+            </a:r>
+            <a:r>
+              <a:rPr lang="en-US" dirty="0"/>
+              <a:t> </a:t>
+            </a:r>
+            <a:r>
+              <a:rPr lang="en-US" dirty="0" err="1"/>
+              <a:t>komutu</a:t>
+            </a:r>
+            <a:r>
+              <a:rPr lang="en-US" dirty="0"/>
+              <a:t> </a:t>
+            </a:r>
+            <a:r>
+              <a:rPr lang="en-US" dirty="0" err="1"/>
+              <a:t>ile</a:t>
+            </a:r>
+            <a:r>
+              <a:rPr lang="en-US" dirty="0"/>
+              <a:t> </a:t>
+            </a:r>
+            <a:r>
+              <a:rPr lang="tr-TR" dirty="0" smtClean="0"/>
+              <a:t>yerel branch’inizdeki değişiklikleri uzaktaki branch’a gönderebilirsiniz.</a:t>
+            </a:r>
+          </a:p>
+          <a:p>
+            <a:endParaRPr lang="tr-TR" dirty="0"/>
+          </a:p>
+          <a:p>
+            <a:r>
+              <a:rPr lang="en-US" b="1" dirty="0" err="1"/>
+              <a:t>git</a:t>
+            </a:r>
+            <a:r>
+              <a:rPr lang="en-US" b="1" dirty="0"/>
+              <a:t> </a:t>
+            </a:r>
+            <a:r>
+              <a:rPr lang="tr-TR" b="1" dirty="0" smtClean="0"/>
+              <a:t>fetch</a:t>
+            </a:r>
+            <a:r>
+              <a:rPr lang="en-US" dirty="0"/>
+              <a:t> </a:t>
+            </a:r>
+            <a:r>
+              <a:rPr lang="en-US" dirty="0" err="1"/>
+              <a:t>komutu</a:t>
+            </a:r>
+            <a:r>
+              <a:rPr lang="en-US" dirty="0"/>
+              <a:t> </a:t>
+            </a:r>
+            <a:r>
+              <a:rPr lang="en-US" dirty="0" err="1"/>
+              <a:t>ile</a:t>
+            </a:r>
+            <a:r>
+              <a:rPr lang="en-US" dirty="0"/>
+              <a:t> </a:t>
+            </a:r>
+            <a:r>
+              <a:rPr lang="tr-TR" dirty="0" smtClean="0"/>
+              <a:t>de uzaktaki branch’inizdeki değişiklikleri yerel branch’a alabilirsiniz.</a:t>
+            </a:r>
+            <a:endParaRPr lang="tr-TR" dirty="0"/>
+          </a:p>
+          <a:p>
+            <a:endParaRPr lang="en-US" dirty="0"/>
+          </a:p>
+        </p:txBody>
+      </p:sp>
+    </p:spTree>
+    <p:extLst>
+      <p:ext uri="{BB962C8B-B14F-4D97-AF65-F5344CB8AC3E}">
+        <p14:creationId xmlns:p14="http://schemas.microsoft.com/office/powerpoint/2010/main" val="643547938"/>
+      </p:ext>
+    </p:extLst>
+  </p:cSld>
+  <p:clrMapOvr>
+    <a:masterClrMapping/>
+  </p:clrMapOvr>
+</p:sld>
+</file>
+
+<file path=ppt/slides/slide24.xml><?xml version="1.0" encoding="utf-8"?>
+<p:sld xmlns:a="http://schemas.openxmlformats.org/drawingml/2006/main" xmlns:r="http://schemas.openxmlformats.org/officeDocument/2006/relationships" xmlns:p="http://schemas.openxmlformats.org/presentationml/2006/main">
+  <p:cSld>
+    <p:spTree>
+      <p:nvGrpSpPr>
+        <p:cNvPr id="1" name=""/>
+        <p:cNvGrpSpPr/>
+        <p:nvPr/>
+      </p:nvGrpSpPr>
+      <p:grpSpPr>
+        <a:xfrm>
+          <a:off x="0" y="0"/>
+          <a:ext cx="0" cy="0"/>
+          <a:chOff x="0" y="0"/>
+          <a:chExt cx="0" cy="0"/>
+        </a:xfrm>
+      </p:grpSpPr>
+      <p:sp>
+        <p:nvSpPr>
+          <p:cNvPr id="4" name="Title 3"/>
+          <p:cNvSpPr>
+            <a:spLocks noGrp="1"/>
+          </p:cNvSpPr>
+          <p:nvPr>
+            <p:ph type="title"/>
+          </p:nvPr>
+        </p:nvSpPr>
+        <p:spPr/>
+        <p:txBody>
+          <a:bodyPr>
+            <a:normAutofit/>
+          </a:bodyPr>
+          <a:lstStyle/>
+          <a:p>
+            <a:r>
+              <a:rPr lang="tr-TR" sz="3600" b="1" dirty="0" smtClean="0">
+                <a:solidFill>
+                  <a:srgbClr val="002060"/>
+                </a:solidFill>
+                <a:latin typeface="Arial" panose="020B0604020202020204" pitchFamily="34" charset="0"/>
+                <a:cs typeface="Arial" panose="020B0604020202020204" pitchFamily="34" charset="0"/>
+              </a:rPr>
+              <a:t>Git </a:t>
+            </a:r>
+            <a:r>
+              <a:rPr lang="tr-TR" sz="3600" b="1" dirty="0" smtClean="0">
+                <a:solidFill>
+                  <a:srgbClr val="002060"/>
+                </a:solidFill>
+                <a:latin typeface="Arial" panose="020B0604020202020204" pitchFamily="34" charset="0"/>
+                <a:cs typeface="Arial" panose="020B0604020202020204" pitchFamily="34" charset="0"/>
+              </a:rPr>
+              <a:t>Ek Kaynaklar</a:t>
+            </a:r>
+            <a:endParaRPr lang="en-US" sz="3600" b="1" dirty="0">
+              <a:solidFill>
+                <a:srgbClr val="002060"/>
+              </a:solidFill>
+              <a:latin typeface="Arial" panose="020B0604020202020204" pitchFamily="34" charset="0"/>
+              <a:cs typeface="Arial" panose="020B0604020202020204" pitchFamily="34" charset="0"/>
+            </a:endParaRPr>
+          </a:p>
+        </p:txBody>
+      </p:sp>
+      <p:sp>
+        <p:nvSpPr>
+          <p:cNvPr id="2" name="Content Placeholder 1"/>
+          <p:cNvSpPr>
+            <a:spLocks noGrp="1"/>
+          </p:cNvSpPr>
+          <p:nvPr>
+            <p:ph idx="1"/>
+          </p:nvPr>
+        </p:nvSpPr>
+        <p:spPr/>
+        <p:txBody>
+          <a:bodyPr/>
+          <a:lstStyle/>
+          <a:p>
+            <a:r>
+              <a:rPr lang="tr-TR" dirty="0" smtClean="0"/>
+              <a:t>Kaynaklar</a:t>
+            </a:r>
+          </a:p>
+          <a:p>
+            <a:pPr lvl="1"/>
+            <a:r>
+              <a:rPr lang="en-US" dirty="0">
+                <a:hlinkClick r:id="rId2"/>
+              </a:rPr>
+              <a:t>https://</a:t>
+            </a:r>
+            <a:r>
+              <a:rPr lang="en-US" dirty="0" smtClean="0">
+                <a:hlinkClick r:id="rId2"/>
+              </a:rPr>
+              <a:t>www.gitbook.com/book/aliozgur/git101/details</a:t>
+            </a:r>
+            <a:endParaRPr lang="tr-TR" dirty="0" smtClean="0">
+              <a:hlinkClick r:id="rId2"/>
+            </a:endParaRPr>
+          </a:p>
+          <a:p>
+            <a:pPr lvl="1"/>
+            <a:r>
+              <a:rPr lang="en-US" dirty="0" smtClean="0">
+                <a:hlinkClick r:id="rId2"/>
+              </a:rPr>
+              <a:t>https</a:t>
+            </a:r>
+            <a:r>
+              <a:rPr lang="en-US" dirty="0">
+                <a:hlinkClick r:id="rId2"/>
+              </a:rPr>
+              <a:t>://</a:t>
+            </a:r>
+            <a:r>
+              <a:rPr lang="en-US" dirty="0" smtClean="0">
+                <a:hlinkClick r:id="rId2"/>
+              </a:rPr>
+              <a:t>www.gitbook.com/book/vigo/git-puf-noktalari/details</a:t>
+            </a:r>
+            <a:endParaRPr lang="tr-TR" dirty="0" smtClean="0"/>
+          </a:p>
+          <a:p>
+            <a:pPr lvl="1"/>
+            <a:endParaRPr lang="en-US" dirty="0"/>
+          </a:p>
+        </p:txBody>
+      </p:sp>
+    </p:spTree>
+    <p:extLst>
+      <p:ext uri="{BB962C8B-B14F-4D97-AF65-F5344CB8AC3E}">
+        <p14:creationId xmlns:p14="http://schemas.microsoft.com/office/powerpoint/2010/main" val="1126341997"/>
+      </p:ext>
+    </p:extLst>
+  </p:cSld>
+  <p:clrMapOvr>
+    <a:masterClrMapping/>
+  </p:clrMapOvr>
+</p:sld>
+</file>
+
+<file path=ppt/slides/slide25.xml><?xml version="1.0" encoding="utf-8"?>
+<p:sld xmlns:a="http://schemas.openxmlformats.org/drawingml/2006/main" xmlns:r="http://schemas.openxmlformats.org/officeDocument/2006/relationships" xmlns:p="http://schemas.openxmlformats.org/presentationml/2006/main">
+  <p:cSld>
+    <p:spTree>
+      <p:nvGrpSpPr>
+        <p:cNvPr id="1" name=""/>
+        <p:cNvGrpSpPr/>
+        <p:nvPr/>
+      </p:nvGrpSpPr>
+      <p:grpSpPr>
+        <a:xfrm>
+          <a:off x="0" y="0"/>
+          <a:ext cx="0" cy="0"/>
+          <a:chOff x="0" y="0"/>
+          <a:chExt cx="0" cy="0"/>
+        </a:xfrm>
+      </p:grpSpPr>
+      <p:sp>
+        <p:nvSpPr>
+          <p:cNvPr id="2" name="Title 1"/>
+          <p:cNvSpPr>
+            <a:spLocks noGrp="1"/>
+          </p:cNvSpPr>
+          <p:nvPr>
+            <p:ph type="title"/>
+          </p:nvPr>
+        </p:nvSpPr>
+        <p:spPr/>
+        <p:txBody>
+          <a:bodyPr>
+            <a:normAutofit/>
+          </a:bodyPr>
+          <a:lstStyle/>
+          <a:p>
+            <a:r>
+              <a:rPr lang="tr-TR" sz="7200" b="1" dirty="0" smtClean="0"/>
+              <a:t>Demo</a:t>
+            </a:r>
+            <a:endParaRPr lang="en-US" sz="7200" b="1" dirty="0"/>
+          </a:p>
+        </p:txBody>
+      </p:sp>
+      <p:sp>
+        <p:nvSpPr>
+          <p:cNvPr id="3" name="Text Placeholder 2"/>
+          <p:cNvSpPr>
+            <a:spLocks noGrp="1"/>
+          </p:cNvSpPr>
+          <p:nvPr>
+            <p:ph type="body" idx="1"/>
+          </p:nvPr>
+        </p:nvSpPr>
+        <p:spPr/>
+        <p:txBody>
+          <a:bodyPr>
+            <a:normAutofit fontScale="62500" lnSpcReduction="20000"/>
+          </a:bodyPr>
+          <a:lstStyle/>
+          <a:p>
+            <a:pPr marL="571500" indent="-571500">
+              <a:buFont typeface="Courier New" panose="02070309020205020404" pitchFamily="49" charset="0"/>
+              <a:buChar char="o"/>
+            </a:pPr>
+            <a:r>
+              <a:rPr lang="tr-TR" sz="3600" dirty="0" smtClean="0"/>
+              <a:t>Maven Projesi Olusturma</a:t>
+            </a:r>
+          </a:p>
+          <a:p>
+            <a:pPr marL="571500" indent="-571500">
+              <a:buFont typeface="Courier New" panose="02070309020205020404" pitchFamily="49" charset="0"/>
+              <a:buChar char="o"/>
+            </a:pPr>
+            <a:r>
+              <a:rPr lang="tr-TR" sz="3600" dirty="0" smtClean="0"/>
+              <a:t>Hesaplama.java</a:t>
+            </a:r>
+          </a:p>
+          <a:p>
+            <a:pPr marL="571500" indent="-571500">
+              <a:buFont typeface="Courier New" panose="02070309020205020404" pitchFamily="49" charset="0"/>
+              <a:buChar char="o"/>
+            </a:pPr>
+            <a:r>
+              <a:rPr lang="tr-TR" sz="3600" dirty="0" smtClean="0"/>
+              <a:t>HesaplamaTest.java</a:t>
+            </a:r>
+          </a:p>
+          <a:p>
+            <a:pPr marL="571500" indent="-571500">
+              <a:buFont typeface="Courier New" panose="02070309020205020404" pitchFamily="49" charset="0"/>
+              <a:buChar char="o"/>
+            </a:pPr>
+            <a:r>
+              <a:rPr lang="tr-TR" sz="3600" dirty="0" smtClean="0"/>
+              <a:t>Git Commit/Push/Fetch</a:t>
+            </a:r>
+            <a:endParaRPr lang="en-US" sz="3600" dirty="0"/>
+          </a:p>
+        </p:txBody>
+      </p:sp>
+    </p:spTree>
+    <p:extLst>
+      <p:ext uri="{BB962C8B-B14F-4D97-AF65-F5344CB8AC3E}">
+        <p14:creationId xmlns:p14="http://schemas.microsoft.com/office/powerpoint/2010/main" val="1399198468"/>
       </p:ext>
     </p:extLst>
   </p:cSld>
@@ -3660,17 +7522,7 @@
                 <a:latin typeface="Arial" panose="020B0604020202020204" pitchFamily="34" charset="0"/>
                 <a:cs typeface="Arial" panose="020B0604020202020204" pitchFamily="34" charset="0"/>
               </a:rPr>
-              <a:t>Maven Nedir</a:t>
-            </a:r>
-            <a:r>
-              <a:rPr lang="tr-TR" sz="3600" b="1" dirty="0" smtClean="0">
-                <a:solidFill>
-                  <a:srgbClr val="002060"/>
-                </a:solidFill>
-                <a:latin typeface="Arial" panose="020B0604020202020204" pitchFamily="34" charset="0"/>
-                <a:cs typeface="Arial" panose="020B0604020202020204" pitchFamily="34" charset="0"/>
-              </a:rPr>
-              <a:t>?</a:t>
+              <a:t>Maven Nedir?</a:t>
             </a:r>
             <a:endParaRPr lang="en-US" sz="3600" b="1" dirty="0">
               <a:solidFill>
@@ -3694,7 +7546,9 @@
         </p:nvSpPr>
         <p:spPr/>
         <p:txBody>
-          <a:bodyPr/>
+          <a:bodyPr>
+            <a:normAutofit lnSpcReduction="10000"/>
+          </a:bodyPr>
           <a:lstStyle/>
           <a:p>
             <a:r>
@@ -3769,7 +7623,505 @@
             <a:pPr lvl="1"/>
             <a:r>
               <a:rPr lang="tr-TR" dirty="0" smtClean="0"/>
-              <a:t>JDK kurulumu gerektirir</a:t>
+              <a:t>JDK kurulumu </a:t>
+            </a:r>
+            <a:r>
+              <a:rPr lang="tr-TR" dirty="0" smtClean="0"/>
+              <a:t>gerektirir</a:t>
+            </a:r>
+          </a:p>
+          <a:p>
+            <a:pPr lvl="1"/>
+            <a:r>
+              <a:rPr lang="en-US" dirty="0">
+                <a:hlinkClick r:id="rId2"/>
+              </a:rPr>
+              <a:t>http://maven.apache.org/download.cgi</a:t>
+            </a:r>
+            <a:r>
+              <a:rPr lang="en-US" dirty="0"/>
+              <a:t> </a:t>
+            </a:r>
+            <a:endParaRPr lang="en-US" dirty="0"/>
+          </a:p>
+        </p:txBody>
+      </p:sp>
+      <p:sp>
+        <p:nvSpPr>
+          <p:cNvPr id="3" name="Rectangle 2"/>
+          <p:cNvSpPr/>
+          <p:nvPr/>
+        </p:nvSpPr>
+        <p:spPr>
+          <a:xfrm>
+            <a:off x="7818120" y="794892"/>
+            <a:ext cx="4114800" cy="2308324"/>
+          </a:xfrm>
+          <a:prstGeom prst="rect">
+            <a:avLst/>
+          </a:prstGeom>
+          <a:solidFill>
+            <a:schemeClr val="accent4">
+              <a:lumMod val="20000"/>
+              <a:lumOff val="80000"/>
+            </a:schemeClr>
+          </a:solidFill>
+        </p:spPr>
+        <p:txBody>
+          <a:bodyPr wrap="square">
+            <a:spAutoFit/>
+          </a:bodyPr>
+          <a:lstStyle/>
+          <a:p>
+            <a:r>
+              <a:rPr lang="en-US" b="1" dirty="0">
+                <a:solidFill>
+                  <a:srgbClr val="5E5E5E"/>
+                </a:solidFill>
+                <a:latin typeface="Roboto"/>
+              </a:rPr>
+              <a:t>Maven</a:t>
+            </a:r>
+            <a:r>
+              <a:rPr lang="en-US" dirty="0">
+                <a:solidFill>
+                  <a:srgbClr val="5E5E5E"/>
+                </a:solidFill>
+                <a:latin typeface="Roboto"/>
+              </a:rPr>
+              <a:t>, </a:t>
+            </a:r>
+            <a:r>
+              <a:rPr lang="en-US" dirty="0" err="1">
+                <a:solidFill>
+                  <a:srgbClr val="5E5E5E"/>
+                </a:solidFill>
+                <a:latin typeface="Roboto"/>
+              </a:rPr>
+              <a:t>proje</a:t>
+            </a:r>
+            <a:r>
+              <a:rPr lang="en-US" dirty="0">
+                <a:solidFill>
+                  <a:srgbClr val="5E5E5E"/>
+                </a:solidFill>
+                <a:latin typeface="Roboto"/>
+              </a:rPr>
+              <a:t> </a:t>
+            </a:r>
+            <a:r>
+              <a:rPr lang="en-US" dirty="0" err="1">
+                <a:solidFill>
+                  <a:srgbClr val="5E5E5E"/>
+                </a:solidFill>
+                <a:latin typeface="Roboto"/>
+              </a:rPr>
+              <a:t>geliştirirken</a:t>
+            </a:r>
+            <a:r>
+              <a:rPr lang="en-US" dirty="0">
+                <a:solidFill>
+                  <a:srgbClr val="5E5E5E"/>
+                </a:solidFill>
+                <a:latin typeface="Roboto"/>
+              </a:rPr>
+              <a:t> </a:t>
+            </a:r>
+            <a:r>
+              <a:rPr lang="en-US" dirty="0" err="1">
+                <a:solidFill>
+                  <a:srgbClr val="5E5E5E"/>
+                </a:solidFill>
+                <a:latin typeface="Roboto"/>
+              </a:rPr>
+              <a:t>proje</a:t>
+            </a:r>
+            <a:r>
+              <a:rPr lang="en-US" dirty="0">
+                <a:solidFill>
+                  <a:srgbClr val="5E5E5E"/>
+                </a:solidFill>
+                <a:latin typeface="Roboto"/>
+              </a:rPr>
+              <a:t> </a:t>
+            </a:r>
+            <a:r>
+              <a:rPr lang="en-US" dirty="0" err="1">
+                <a:solidFill>
+                  <a:srgbClr val="5E5E5E"/>
+                </a:solidFill>
+                <a:latin typeface="Roboto"/>
+              </a:rPr>
+              <a:t>içerisinde</a:t>
+            </a:r>
+            <a:r>
+              <a:rPr lang="en-US" dirty="0">
+                <a:solidFill>
+                  <a:srgbClr val="5E5E5E"/>
+                </a:solidFill>
+                <a:latin typeface="Roboto"/>
+              </a:rPr>
+              <a:t> </a:t>
+            </a:r>
+            <a:r>
+              <a:rPr lang="en-US" dirty="0" err="1">
+                <a:solidFill>
+                  <a:srgbClr val="5E5E5E"/>
+                </a:solidFill>
+                <a:latin typeface="Roboto"/>
+              </a:rPr>
+              <a:t>bir</a:t>
+            </a:r>
+            <a:r>
+              <a:rPr lang="en-US" dirty="0">
+                <a:solidFill>
+                  <a:srgbClr val="5E5E5E"/>
+                </a:solidFill>
+                <a:latin typeface="Roboto"/>
+              </a:rPr>
+              <a:t> </a:t>
+            </a:r>
+            <a:r>
+              <a:rPr lang="en-US" dirty="0" err="1">
+                <a:solidFill>
+                  <a:srgbClr val="5E5E5E"/>
+                </a:solidFill>
+                <a:latin typeface="Roboto"/>
+              </a:rPr>
+              <a:t>standart</a:t>
+            </a:r>
+            <a:r>
+              <a:rPr lang="en-US" dirty="0">
+                <a:solidFill>
+                  <a:srgbClr val="5E5E5E"/>
+                </a:solidFill>
+                <a:latin typeface="Roboto"/>
+              </a:rPr>
+              <a:t> </a:t>
+            </a:r>
+            <a:r>
+              <a:rPr lang="en-US" dirty="0" err="1">
+                <a:solidFill>
+                  <a:srgbClr val="5E5E5E"/>
+                </a:solidFill>
+                <a:latin typeface="Roboto"/>
+              </a:rPr>
+              <a:t>oluşturmamızı</a:t>
+            </a:r>
+            <a:r>
+              <a:rPr lang="en-US" dirty="0">
+                <a:solidFill>
+                  <a:srgbClr val="5E5E5E"/>
+                </a:solidFill>
+                <a:latin typeface="Roboto"/>
+              </a:rPr>
+              <a:t>, </a:t>
+            </a:r>
+            <a:r>
+              <a:rPr lang="en-US" dirty="0" err="1">
+                <a:solidFill>
+                  <a:srgbClr val="5E5E5E"/>
+                </a:solidFill>
+                <a:latin typeface="Roboto"/>
+              </a:rPr>
+              <a:t>geliştirme</a:t>
+            </a:r>
+            <a:r>
+              <a:rPr lang="en-US" dirty="0">
+                <a:solidFill>
+                  <a:srgbClr val="5E5E5E"/>
+                </a:solidFill>
+                <a:latin typeface="Roboto"/>
+              </a:rPr>
+              <a:t> </a:t>
+            </a:r>
+            <a:r>
+              <a:rPr lang="en-US" dirty="0" err="1">
+                <a:solidFill>
+                  <a:srgbClr val="5E5E5E"/>
+                </a:solidFill>
+                <a:latin typeface="Roboto"/>
+              </a:rPr>
+              <a:t>sürecini</a:t>
+            </a:r>
+            <a:r>
+              <a:rPr lang="en-US" dirty="0">
+                <a:solidFill>
+                  <a:srgbClr val="5E5E5E"/>
+                </a:solidFill>
+                <a:latin typeface="Roboto"/>
+              </a:rPr>
+              <a:t> </a:t>
+            </a:r>
+            <a:r>
+              <a:rPr lang="en-US" dirty="0" err="1">
+                <a:solidFill>
+                  <a:srgbClr val="5E5E5E"/>
+                </a:solidFill>
+                <a:latin typeface="Roboto"/>
+              </a:rPr>
+              <a:t>basitleştirmemizi</a:t>
+            </a:r>
+            <a:r>
+              <a:rPr lang="en-US" dirty="0">
+                <a:solidFill>
+                  <a:srgbClr val="5E5E5E"/>
+                </a:solidFill>
+                <a:latin typeface="Roboto"/>
+              </a:rPr>
+              <a:t>, </a:t>
+            </a:r>
+            <a:r>
+              <a:rPr lang="en-US" dirty="0" err="1">
+                <a:solidFill>
+                  <a:srgbClr val="5E5E5E"/>
+                </a:solidFill>
+                <a:latin typeface="Roboto"/>
+              </a:rPr>
+              <a:t>dokümantasyonumuzu</a:t>
+            </a:r>
+            <a:r>
+              <a:rPr lang="en-US" dirty="0">
+                <a:solidFill>
+                  <a:srgbClr val="5E5E5E"/>
+                </a:solidFill>
+                <a:latin typeface="Roboto"/>
+              </a:rPr>
+              <a:t> </a:t>
+            </a:r>
+            <a:r>
+              <a:rPr lang="en-US" dirty="0" err="1">
+                <a:solidFill>
+                  <a:srgbClr val="5E5E5E"/>
+                </a:solidFill>
+                <a:latin typeface="Roboto"/>
+              </a:rPr>
+              <a:t>etkili</a:t>
+            </a:r>
+            <a:r>
+              <a:rPr lang="en-US" dirty="0">
+                <a:solidFill>
+                  <a:srgbClr val="5E5E5E"/>
+                </a:solidFill>
+                <a:latin typeface="Roboto"/>
+              </a:rPr>
+              <a:t> </a:t>
+            </a:r>
+            <a:r>
+              <a:rPr lang="en-US" dirty="0" err="1">
+                <a:solidFill>
+                  <a:srgbClr val="5E5E5E"/>
+                </a:solidFill>
+                <a:latin typeface="Roboto"/>
+              </a:rPr>
+              <a:t>bir</a:t>
+            </a:r>
+            <a:r>
+              <a:rPr lang="en-US" dirty="0">
+                <a:solidFill>
+                  <a:srgbClr val="5E5E5E"/>
+                </a:solidFill>
+                <a:latin typeface="Roboto"/>
+              </a:rPr>
+              <a:t> </a:t>
+            </a:r>
+            <a:r>
+              <a:rPr lang="en-US" dirty="0" err="1">
+                <a:solidFill>
+                  <a:srgbClr val="5E5E5E"/>
+                </a:solidFill>
+                <a:latin typeface="Roboto"/>
+              </a:rPr>
+              <a:t>şekilde</a:t>
+            </a:r>
+            <a:r>
+              <a:rPr lang="en-US" dirty="0">
+                <a:solidFill>
+                  <a:srgbClr val="5E5E5E"/>
+                </a:solidFill>
+                <a:latin typeface="Roboto"/>
+              </a:rPr>
+              <a:t> </a:t>
+            </a:r>
+            <a:r>
+              <a:rPr lang="en-US" dirty="0" err="1">
+                <a:solidFill>
+                  <a:srgbClr val="5E5E5E"/>
+                </a:solidFill>
+                <a:latin typeface="Roboto"/>
+              </a:rPr>
+              <a:t>oluşturmamızı</a:t>
+            </a:r>
+            <a:r>
+              <a:rPr lang="en-US" dirty="0">
+                <a:solidFill>
+                  <a:srgbClr val="5E5E5E"/>
+                </a:solidFill>
+                <a:latin typeface="Roboto"/>
+              </a:rPr>
+              <a:t>, </a:t>
+            </a:r>
+            <a:r>
+              <a:rPr lang="en-US" dirty="0" err="1">
+                <a:solidFill>
+                  <a:srgbClr val="5E5E5E"/>
+                </a:solidFill>
+                <a:latin typeface="Roboto"/>
+              </a:rPr>
+              <a:t>projemizdeki</a:t>
+            </a:r>
+            <a:r>
+              <a:rPr lang="en-US" dirty="0">
+                <a:solidFill>
+                  <a:srgbClr val="5E5E5E"/>
+                </a:solidFill>
+                <a:latin typeface="Roboto"/>
+              </a:rPr>
+              <a:t> </a:t>
+            </a:r>
+            <a:r>
+              <a:rPr lang="en-US" dirty="0" err="1">
+                <a:solidFill>
+                  <a:srgbClr val="5E5E5E"/>
+                </a:solidFill>
+                <a:latin typeface="Roboto"/>
+              </a:rPr>
+              <a:t>kütüphane</a:t>
+            </a:r>
+            <a:r>
+              <a:rPr lang="en-US" dirty="0">
+                <a:solidFill>
+                  <a:srgbClr val="5E5E5E"/>
+                </a:solidFill>
+                <a:latin typeface="Roboto"/>
+              </a:rPr>
+              <a:t> </a:t>
+            </a:r>
+            <a:r>
+              <a:rPr lang="en-US" dirty="0" err="1">
+                <a:solidFill>
+                  <a:srgbClr val="5E5E5E"/>
+                </a:solidFill>
+                <a:latin typeface="Roboto"/>
+              </a:rPr>
+              <a:t>bağımlılığını</a:t>
+            </a:r>
+            <a:r>
+              <a:rPr lang="en-US" dirty="0">
+                <a:solidFill>
+                  <a:srgbClr val="5E5E5E"/>
+                </a:solidFill>
+                <a:latin typeface="Roboto"/>
+              </a:rPr>
+              <a:t> ve IDE </a:t>
+            </a:r>
+            <a:r>
+              <a:rPr lang="en-US" dirty="0" err="1">
+                <a:solidFill>
+                  <a:srgbClr val="5E5E5E"/>
+                </a:solidFill>
+                <a:latin typeface="Roboto"/>
+              </a:rPr>
+              <a:t>bağımlılığını</a:t>
+            </a:r>
+            <a:r>
+              <a:rPr lang="en-US" dirty="0">
+                <a:solidFill>
+                  <a:srgbClr val="5E5E5E"/>
+                </a:solidFill>
+                <a:latin typeface="Roboto"/>
+              </a:rPr>
+              <a:t> </a:t>
+            </a:r>
+            <a:r>
+              <a:rPr lang="en-US" dirty="0" err="1">
+                <a:solidFill>
+                  <a:srgbClr val="5E5E5E"/>
+                </a:solidFill>
+                <a:latin typeface="Roboto"/>
+              </a:rPr>
+              <a:t>ortadan</a:t>
+            </a:r>
+            <a:r>
+              <a:rPr lang="en-US" dirty="0">
+                <a:solidFill>
+                  <a:srgbClr val="5E5E5E"/>
+                </a:solidFill>
+                <a:latin typeface="Roboto"/>
+              </a:rPr>
+              <a:t> </a:t>
+            </a:r>
+            <a:r>
+              <a:rPr lang="en-US" dirty="0" err="1">
+                <a:solidFill>
+                  <a:srgbClr val="5E5E5E"/>
+                </a:solidFill>
+                <a:latin typeface="Roboto"/>
+              </a:rPr>
+              <a:t>kaldırmamızı</a:t>
+            </a:r>
+            <a:r>
+              <a:rPr lang="en-US" dirty="0">
+                <a:solidFill>
+                  <a:srgbClr val="5E5E5E"/>
+                </a:solidFill>
+                <a:latin typeface="Roboto"/>
+              </a:rPr>
+              <a:t> </a:t>
+            </a:r>
+            <a:r>
+              <a:rPr lang="en-US" dirty="0" err="1">
+                <a:solidFill>
+                  <a:srgbClr val="5E5E5E"/>
+                </a:solidFill>
+                <a:latin typeface="Roboto"/>
+              </a:rPr>
+              <a:t>sağlayan</a:t>
+            </a:r>
+            <a:r>
+              <a:rPr lang="en-US" dirty="0">
+                <a:solidFill>
+                  <a:srgbClr val="5E5E5E"/>
+                </a:solidFill>
+                <a:latin typeface="Roboto"/>
+              </a:rPr>
+              <a:t> </a:t>
+            </a:r>
+            <a:r>
+              <a:rPr lang="en-US" dirty="0" err="1">
+                <a:solidFill>
+                  <a:srgbClr val="5E5E5E"/>
+                </a:solidFill>
+                <a:latin typeface="Roboto"/>
+              </a:rPr>
+              <a:t>bir</a:t>
+            </a:r>
+            <a:r>
+              <a:rPr lang="en-US" dirty="0">
+                <a:solidFill>
+                  <a:srgbClr val="5E5E5E"/>
+                </a:solidFill>
+                <a:latin typeface="Roboto"/>
+              </a:rPr>
+              <a:t> </a:t>
+            </a:r>
+            <a:r>
+              <a:rPr lang="en-US" dirty="0" err="1">
+                <a:solidFill>
+                  <a:srgbClr val="5E5E5E"/>
+                </a:solidFill>
+                <a:latin typeface="Roboto"/>
+              </a:rPr>
+              <a:t>araçtır</a:t>
+            </a:r>
+            <a:r>
+              <a:rPr lang="en-US" dirty="0">
+                <a:solidFill>
+                  <a:srgbClr val="5E5E5E"/>
+                </a:solidFill>
+                <a:latin typeface="Roboto"/>
+              </a:rPr>
+              <a:t>.</a:t>
             </a:r>
             <a:endParaRPr lang="en-US" dirty="0"/>
           </a:p>
@@ -3865,7 +8217,7 @@
           <a:lstStyle/>
           <a:p>
             <a:r>
-              <a:rPr lang="en-US" dirty="0"/>
+              <a:rPr lang="en-US" b="1" dirty="0"/>
               <a:t>clean: </a:t>
             </a:r>
             <a:r>
@@ -3931,15 +8283,15 @@
           </a:p>
           <a:p>
             <a:r>
-              <a:rPr lang="tr-TR" dirty="0" smtClean="0"/>
+              <a:rPr lang="tr-TR" b="1" dirty="0" smtClean="0"/>
               <a:t>v</a:t>
             </a:r>
             <a:r>
-              <a:rPr lang="en-US" dirty="0" err="1" smtClean="0"/>
+              <a:rPr lang="en-US" b="1" dirty="0" err="1" smtClean="0"/>
               <a:t>alidate</a:t>
             </a:r>
             <a:r>
-              <a:rPr lang="en-US" dirty="0"/>
+              <a:rPr lang="en-US" b="1" dirty="0"/>
               <a:t>: </a:t>
             </a:r>
             <a:r>
@@ -4025,15 +8377,15 @@
           </a:p>
           <a:p>
             <a:r>
-              <a:rPr lang="tr-TR" dirty="0" smtClean="0"/>
+              <a:rPr lang="tr-TR" b="1" dirty="0" smtClean="0"/>
               <a:t>c</a:t>
             </a:r>
             <a:r>
-              <a:rPr lang="en-US" dirty="0" err="1" smtClean="0"/>
+              <a:rPr lang="en-US" b="1" dirty="0" err="1" smtClean="0"/>
               <a:t>ompile</a:t>
             </a:r>
             <a:r>
-              <a:rPr lang="en-US" dirty="0"/>
+              <a:rPr lang="en-US" b="1" dirty="0"/>
               <a:t>: </a:t>
             </a:r>
             <a:r>
@@ -4095,15 +8447,15 @@
           </a:p>
           <a:p>
             <a:r>
-              <a:rPr lang="tr-TR" dirty="0" smtClean="0"/>
+              <a:rPr lang="tr-TR" b="1" dirty="0" smtClean="0"/>
               <a:t>t</a:t>
             </a:r>
             <a:r>
-              <a:rPr lang="en-US" dirty="0" err="1" smtClean="0"/>
+              <a:rPr lang="en-US" b="1" dirty="0" err="1" smtClean="0"/>
               <a:t>est</a:t>
             </a:r>
             <a:r>
-              <a:rPr lang="en-US" dirty="0"/>
+              <a:rPr lang="en-US" b="1" dirty="0"/>
               <a:t>: </a:t>
             </a:r>
             <a:r>
@@ -4153,15 +8505,203 @@
           </a:p>
           <a:p>
             <a:r>
+              <a:rPr lang="tr-TR" b="1" dirty="0" smtClean="0"/>
+              <a:t>p</a:t>
+            </a:r>
+            <a:r>
+              <a:rPr lang="en-US" b="1" dirty="0" err="1" smtClean="0"/>
+              <a:t>ackage</a:t>
+            </a:r>
+            <a:r>
+              <a:rPr lang="en-US" b="1" dirty="0"/>
+              <a:t>: </a:t>
+            </a:r>
+            <a:r>
               <a:rPr lang="tr-TR" dirty="0" smtClean="0"/>
               <a:t>p</a:t>
             </a:r>
             <a:r>
               <a:rPr lang="en-US" dirty="0" err="1" smtClean="0"/>
-              <a:t>ackage</a:t>
-            </a:r>
-            <a:r>
-              <a:rPr lang="en-US" dirty="0"/>
+              <a:t>roje</a:t>
+            </a:r>
+            <a:r>
+              <a:rPr lang="en-US" dirty="0" smtClean="0"/>
+              <a:t> </a:t>
+            </a:r>
+            <a:r>
+              <a:rPr lang="en-US" dirty="0" err="1"/>
+              <a:t>testlerini</a:t>
+            </a:r>
+            <a:r>
+              <a:rPr lang="en-US" dirty="0"/>
+              <a:t> </a:t>
+            </a:r>
+            <a:r>
+              <a:rPr lang="en-US" dirty="0" err="1"/>
+              <a:t>yapar</a:t>
+            </a:r>
+            <a:r>
+              <a:rPr lang="en-US" dirty="0"/>
+              <a:t> </a:t>
+            </a:r>
+            <a:r>
+              <a:rPr lang="en-US" dirty="0" err="1"/>
+              <a:t>ve</a:t>
+            </a:r>
+            <a:r>
+              <a:rPr lang="en-US" dirty="0"/>
+              <a:t> </a:t>
+            </a:r>
+            <a:r>
+              <a:rPr lang="en-US" dirty="0" err="1"/>
+              <a:t>eğer</a:t>
+            </a:r>
+            <a:r>
+              <a:rPr lang="en-US" dirty="0"/>
+              <a:t> </a:t>
+            </a:r>
+            <a:r>
+              <a:rPr lang="en-US" dirty="0" err="1"/>
+              <a:t>hata</a:t>
+            </a:r>
+            <a:r>
+              <a:rPr lang="en-US" dirty="0"/>
+              <a:t> </a:t>
+            </a:r>
+            <a:r>
+              <a:rPr lang="en-US" dirty="0" err="1"/>
+              <a:t>yoksa</a:t>
+            </a:r>
+            <a:r>
+              <a:rPr lang="en-US" dirty="0"/>
+              <a:t> </a:t>
+            </a:r>
+            <a:r>
+              <a:rPr lang="en-US" dirty="0" err="1"/>
+              <a:t>projeyi</a:t>
+            </a:r>
+            <a:r>
+              <a:rPr lang="en-US" dirty="0"/>
+              <a:t> </a:t>
+            </a:r>
+            <a:r>
+              <a:rPr lang="en-US" dirty="0" err="1"/>
+              <a:t>paketler</a:t>
+            </a:r>
+            <a:r>
+              <a:rPr lang="en-US" dirty="0"/>
+              <a:t>.</a:t>
+            </a:r>
+          </a:p>
+          <a:p>
+            <a:r>
+              <a:rPr lang="tr-TR" b="1" dirty="0" smtClean="0"/>
+              <a:t>v</a:t>
+            </a:r>
+            <a:r>
+              <a:rPr lang="en-US" b="1" dirty="0" err="1" smtClean="0"/>
+              <a:t>erify</a:t>
+            </a:r>
+            <a:r>
+              <a:rPr lang="en-US" b="1" dirty="0"/>
+              <a:t>: </a:t>
+            </a:r>
+            <a:r>
+              <a:rPr lang="tr-TR" dirty="0" err="1" smtClean="0"/>
+              <a:t>p</a:t>
+            </a:r>
+            <a:r>
+              <a:rPr lang="en-US" dirty="0" err="1" smtClean="0"/>
+              <a:t>rojeyi</a:t>
+            </a:r>
+            <a:r>
+              <a:rPr lang="en-US" dirty="0" smtClean="0"/>
+              <a:t> </a:t>
+            </a:r>
+            <a:r>
+              <a:rPr lang="en-US" dirty="0" err="1"/>
+              <a:t>paketler</a:t>
+            </a:r>
+            <a:r>
+              <a:rPr lang="en-US" dirty="0"/>
+              <a:t> </a:t>
+            </a:r>
+            <a:r>
+              <a:rPr lang="en-US" dirty="0" err="1"/>
+              <a:t>ve</a:t>
+            </a:r>
+            <a:r>
+              <a:rPr lang="en-US" dirty="0"/>
+              <a:t> </a:t>
+            </a:r>
+            <a:r>
+              <a:rPr lang="en-US" dirty="0" err="1"/>
+              <a:t>daha</a:t>
+            </a:r>
+            <a:r>
+              <a:rPr lang="en-US" dirty="0"/>
+              <a:t> </a:t>
+            </a:r>
+            <a:r>
+              <a:rPr lang="en-US" dirty="0" err="1"/>
+              <a:t>sonra</a:t>
+            </a:r>
+            <a:r>
+              <a:rPr lang="en-US" dirty="0"/>
+              <a:t> </a:t>
+            </a:r>
+            <a:r>
+              <a:rPr lang="en-US" dirty="0" err="1"/>
+              <a:t>bu</a:t>
+            </a:r>
+            <a:r>
+              <a:rPr lang="en-US" dirty="0"/>
+              <a:t> </a:t>
+            </a:r>
+            <a:r>
+              <a:rPr lang="en-US" dirty="0" err="1"/>
+              <a:t>paketlerin</a:t>
+            </a:r>
+            <a:r>
+              <a:rPr lang="en-US" dirty="0"/>
+              <a:t> </a:t>
+            </a:r>
+            <a:r>
+              <a:rPr lang="en-US" dirty="0" err="1"/>
+              <a:t>geçerliliğini</a:t>
+            </a:r>
+            <a:r>
+              <a:rPr lang="en-US" dirty="0"/>
+              <a:t> </a:t>
+            </a:r>
+            <a:r>
+              <a:rPr lang="en-US" dirty="0" err="1"/>
+              <a:t>kontrol</a:t>
+            </a:r>
+            <a:r>
+              <a:rPr lang="en-US" dirty="0"/>
+              <a:t> </a:t>
+            </a:r>
+            <a:r>
+              <a:rPr lang="en-US" dirty="0" err="1"/>
+              <a:t>eder</a:t>
+            </a:r>
+            <a:r>
+              <a:rPr lang="en-US" dirty="0"/>
+              <a:t>.</a:t>
+            </a:r>
+          </a:p>
+          <a:p>
+            <a:r>
+              <a:rPr lang="tr-TR" b="1" dirty="0" smtClean="0"/>
+              <a:t>i</a:t>
+            </a:r>
+            <a:r>
+              <a:rPr lang="en-US" b="1" dirty="0" err="1" smtClean="0"/>
+              <a:t>nstall</a:t>
+            </a:r>
+            <a:r>
+              <a:rPr lang="en-US" b="1" dirty="0"/>
               <a:t>: </a:t>
             </a:r>
             <a:r>
@@ -4170,7 +8710,7 @@
             </a:r>
             <a:r>
               <a:rPr lang="en-US" dirty="0" err="1" smtClean="0"/>
-              <a:t>roje</a:t>
+              <a:t>rojeyi</a:t>
             </a:r>
             <a:r>
               <a:rPr lang="en-US" dirty="0" smtClean="0"/>
@@ -4178,63 +8718,31 @@
             </a:r>
             <a:r>
               <a:rPr lang="en-US" dirty="0" err="1"/>
-              <a:t>testlerini</a:t>
-            </a:r>
-            <a:r>
-              <a:rPr lang="en-US" dirty="0"/>
-              <a:t> </a:t>
-            </a:r>
-            <a:r>
-              <a:rPr lang="en-US" dirty="0" err="1"/>
-              <a:t>yapar</a:t>
-            </a:r>
-            <a:r>
-              <a:rPr lang="en-US" dirty="0"/>
-              <a:t> </a:t>
-            </a:r>
-            <a:r>
-              <a:rPr lang="en-US" dirty="0" err="1"/>
-              <a:t>ve</a:t>
-            </a:r>
-            <a:r>
-              <a:rPr lang="en-US" dirty="0"/>
-              <a:t> </a:t>
-            </a:r>
-            <a:r>
-              <a:rPr lang="en-US" dirty="0" err="1"/>
-              <a:t>eğer</a:t>
-            </a:r>
-            <a:r>
-              <a:rPr lang="en-US" dirty="0"/>
-              <a:t> </a:t>
-            </a:r>
-            <a:r>
-              <a:rPr lang="en-US" dirty="0" err="1"/>
-              <a:t>hata</a:t>
-            </a:r>
-            <a:r>
-              <a:rPr lang="en-US" dirty="0"/>
-              <a:t> </a:t>
-            </a:r>
-            <a:r>
-              <a:rPr lang="en-US" dirty="0" err="1"/>
-              <a:t>yoksa</a:t>
-            </a:r>
-            <a:r>
-              <a:rPr lang="en-US" dirty="0"/>
-              <a:t> </a:t>
-            </a:r>
-            <a:r>
-              <a:rPr lang="en-US" dirty="0" err="1"/>
-              <a:t>projeyi</a:t>
-            </a:r>
-            <a:r>
-              <a:rPr lang="en-US" dirty="0"/>
-              <a:t> </a:t>
-            </a:r>
-            <a:r>
-              <a:rPr lang="en-US" dirty="0" err="1"/>
-              <a:t>paketler</a:t>
+              <a:t>doğruladıktan</a:t>
+            </a:r>
+            <a:r>
+              <a:rPr lang="en-US" dirty="0"/>
+              <a:t> </a:t>
+            </a:r>
+            <a:r>
+              <a:rPr lang="en-US" dirty="0" err="1"/>
+              <a:t>sonra</a:t>
+            </a:r>
+            <a:r>
+              <a:rPr lang="en-US" dirty="0"/>
+              <a:t> repository </a:t>
+            </a:r>
+            <a:r>
+              <a:rPr lang="en-US" dirty="0" err="1"/>
+              <a:t>sunucusuna</a:t>
+            </a:r>
+            <a:r>
+              <a:rPr lang="en-US" dirty="0"/>
+              <a:t> </a:t>
+            </a:r>
+            <a:r>
+              <a:rPr lang="en-US" dirty="0" err="1"/>
+              <a:t>yükler</a:t>
             </a:r>
             <a:r>
               <a:rPr lang="en-US" dirty="0"/>
@@ -4243,171 +8751,15 @@
           </a:p>
           <a:p>
             <a:r>
-              <a:rPr lang="tr-TR" dirty="0" smtClean="0"/>
-              <a:t>v</a:t>
-            </a:r>
-            <a:r>
-              <a:rPr lang="en-US" dirty="0" err="1" smtClean="0"/>
-              <a:t>erify</a:t>
-            </a:r>
-            <a:r>
-              <a:rPr lang="en-US" dirty="0"/>
-              <a:t>: </a:t>
-            </a:r>
-            <a:r>
-              <a:rPr lang="tr-TR" dirty="0" err="1" smtClean="0"/>
-              <a:t>p</a:t>
-            </a:r>
-            <a:r>
-              <a:rPr lang="en-US" dirty="0" err="1" smtClean="0"/>
-              <a:t>rojeyi</a:t>
-            </a:r>
-            <a:r>
-              <a:rPr lang="en-US" dirty="0" smtClean="0"/>
-              <a:t> </a:t>
-            </a:r>
-            <a:r>
-              <a:rPr lang="en-US" dirty="0" err="1"/>
-              <a:t>paketler</a:t>
-            </a:r>
-            <a:r>
-              <a:rPr lang="en-US" dirty="0"/>
-              <a:t> </a:t>
-            </a:r>
-            <a:r>
-              <a:rPr lang="en-US" dirty="0" err="1"/>
-              <a:t>ve</a:t>
-            </a:r>
-            <a:r>
-              <a:rPr lang="en-US" dirty="0"/>
-              <a:t> </a:t>
-            </a:r>
-            <a:r>
-              <a:rPr lang="en-US" dirty="0" err="1"/>
-              <a:t>daha</a:t>
-            </a:r>
-            <a:r>
-              <a:rPr lang="en-US" dirty="0"/>
-              <a:t> </a:t>
-            </a:r>
-            <a:r>
-              <a:rPr lang="en-US" dirty="0" err="1"/>
-              <a:t>sonra</a:t>
-            </a:r>
-            <a:r>
-              <a:rPr lang="en-US" dirty="0"/>
-              <a:t> </a:t>
-            </a:r>
-            <a:r>
-              <a:rPr lang="en-US" dirty="0" err="1"/>
-              <a:t>bu</a:t>
-            </a:r>
-            <a:r>
-              <a:rPr lang="en-US" dirty="0"/>
-              <a:t> </a:t>
-            </a:r>
-            <a:r>
-              <a:rPr lang="en-US" dirty="0" err="1"/>
-              <a:t>paketlerin</a:t>
-            </a:r>
-            <a:r>
-              <a:rPr lang="en-US" dirty="0"/>
-              <a:t> </a:t>
-            </a:r>
-            <a:r>
-              <a:rPr lang="en-US" dirty="0" err="1"/>
-              <a:t>geçerliliğini</a:t>
-            </a:r>
-            <a:r>
-              <a:rPr lang="en-US" dirty="0"/>
-              <a:t> </a:t>
-            </a:r>
-            <a:r>
-              <a:rPr lang="en-US" dirty="0" err="1"/>
-              <a:t>kontrol</a:t>
-            </a:r>
-            <a:r>
-              <a:rPr lang="en-US" dirty="0"/>
-              <a:t> </a:t>
-            </a:r>
-            <a:r>
-              <a:rPr lang="en-US" dirty="0" err="1"/>
-              <a:t>eder</a:t>
-            </a:r>
-            <a:r>
-              <a:rPr lang="en-US" dirty="0"/>
-              <a:t>.</a:t>
-            </a:r>
-          </a:p>
-          <a:p>
-            <a:r>
-              <a:rPr lang="tr-TR" dirty="0" smtClean="0"/>
-              <a:t>i</a:t>
-            </a:r>
-            <a:r>
-              <a:rPr lang="en-US" dirty="0" err="1" smtClean="0"/>
-              <a:t>nstall</a:t>
-            </a:r>
-            <a:r>
-              <a:rPr lang="en-US" dirty="0"/>
-              <a:t>: </a:t>
-            </a:r>
-            <a:r>
-              <a:rPr lang="tr-TR" dirty="0" smtClean="0"/>
-              <a:t>p</a:t>
-            </a:r>
-            <a:r>
-              <a:rPr lang="en-US" dirty="0" err="1" smtClean="0"/>
-              <a:t>rojeyi</a:t>
-            </a:r>
-            <a:r>
-              <a:rPr lang="en-US" dirty="0" smtClean="0"/>
-              <a:t> </a:t>
-            </a:r>
-            <a:r>
-              <a:rPr lang="en-US" dirty="0" err="1"/>
-              <a:t>doğruladıktan</a:t>
-            </a:r>
-            <a:r>
-              <a:rPr lang="en-US" dirty="0"/>
-              <a:t> </a:t>
-            </a:r>
-            <a:r>
-              <a:rPr lang="en-US" dirty="0" err="1"/>
-              <a:t>sonra</a:t>
-            </a:r>
-            <a:r>
-              <a:rPr lang="en-US" dirty="0"/>
-              <a:t> repository </a:t>
-            </a:r>
-            <a:r>
-              <a:rPr lang="en-US" dirty="0" err="1"/>
-              <a:t>sunucusuna</a:t>
-            </a:r>
-            <a:r>
-              <a:rPr lang="en-US" dirty="0"/>
-              <a:t> </a:t>
-            </a:r>
-            <a:r>
-              <a:rPr lang="en-US" dirty="0" err="1"/>
-              <a:t>yükler</a:t>
-            </a:r>
-            <a:r>
-              <a:rPr lang="en-US" dirty="0"/>
-              <a:t>.</a:t>
-            </a:r>
-          </a:p>
-          <a:p>
-            <a:r>
-              <a:rPr lang="tr-TR" dirty="0" smtClean="0"/>
+              <a:rPr lang="tr-TR" b="1" dirty="0" smtClean="0"/>
               <a:t>d</a:t>
             </a:r>
             <a:r>
-              <a:rPr lang="en-US" dirty="0" err="1" smtClean="0"/>
+              <a:rPr lang="en-US" b="1" dirty="0" err="1" smtClean="0"/>
               <a:t>eploy</a:t>
             </a:r>
             <a:r>
-              <a:rPr lang="en-US" dirty="0"/>
+              <a:rPr lang="en-US" b="1" dirty="0"/>
               <a:t>: </a:t>
             </a:r>
             <a:r>
@@ -4522,7 +8874,7 @@
       </p:grpSpPr>
       <p:sp>
         <p:nvSpPr>
-          <p:cNvPr id="2" name="Title 1"/>
+          <p:cNvPr id="4" name="Title 3"/>
           <p:cNvSpPr>
             <a:spLocks noGrp="1"/>
           </p:cNvSpPr>
@@ -4538,73 +8890,678 @@
           <a:lstStyle/>
           <a:p>
             <a:r>
-              <a:rPr lang="tr-TR" sz="7200" b="1" dirty="0" smtClean="0"/>
-              <a:t>JUnit</a:t>
-            </a:r>
-            <a:endParaRPr lang="en-US" sz="7200" b="1" dirty="0"/>
+              <a:rPr lang="tr-TR" sz="3600" b="1" dirty="0" smtClean="0">
+                <a:solidFill>
+                  <a:srgbClr val="002060"/>
+                </a:solidFill>
+                <a:latin typeface="Arial" panose="020B0604020202020204" pitchFamily="34" charset="0"/>
+                <a:cs typeface="Arial" panose="020B0604020202020204" pitchFamily="34" charset="0"/>
+              </a:rPr>
+              <a:t>Maven POM Dosyası</a:t>
+            </a:r>
+            <a:endParaRPr lang="en-US" sz="3600" b="1" dirty="0">
+              <a:solidFill>
+                <a:srgbClr val="002060"/>
+              </a:solidFill>
+              <a:latin typeface="Arial" panose="020B0604020202020204" pitchFamily="34" charset="0"/>
+              <a:cs typeface="Arial" panose="020B0604020202020204" pitchFamily="34" charset="0"/>
+            </a:endParaRPr>
           </a:p>
         </p:txBody>
       </p:sp>
+      <p:pic>
+        <p:nvPicPr>
+          <p:cNvPr id="5" name="Picture 4"/>
+          <p:cNvPicPr>
+            <a:picLocks noChangeAspect="1"/>
+          </p:cNvPicPr>
+          <p:nvPr/>
+        </p:nvPicPr>
+        <p:blipFill>
+          <a:blip r:embed="rId2"/>
+          <a:stretch>
+            <a:fillRect/>
+          </a:stretch>
+        </p:blipFill>
+        <p:spPr>
+          <a:xfrm>
+            <a:off x="838200" y="3196813"/>
+            <a:ext cx="10326624" cy="3243834"/>
+          </a:xfrm>
+          <a:prstGeom prst="rect">
+            <a:avLst/>
+          </a:prstGeom>
+        </p:spPr>
+      </p:pic>
       <p:sp>
         <p:nvSpPr>
-          <p:cNvPr id="3" name="Text Placeholder 2"/>
-          <p:cNvSpPr>
-            <a:spLocks noGrp="1"/>
-          </p:cNvSpPr>
-          <p:nvPr>
-            <p:ph type="body" idx="1"/>
-          </p:nvPr>
+          <p:cNvPr id="6" name="Rectangle 5"/>
+          <p:cNvSpPr/>
+          <p:nvPr/>
         </p:nvSpPr>
-        <p:spPr/>
+        <p:spPr>
+          <a:xfrm>
+            <a:off x="5933159" y="567303"/>
+            <a:ext cx="5758773" cy="2246769"/>
+          </a:xfrm>
+          <a:prstGeom prst="rect">
+            <a:avLst/>
+          </a:prstGeom>
+          <a:solidFill>
+            <a:schemeClr val="accent4">
+              <a:lumMod val="20000"/>
+              <a:lumOff val="80000"/>
+            </a:schemeClr>
+          </a:solidFill>
+        </p:spPr>
         <p:txBody>
-          <a:bodyPr>
-            <a:normAutofit/>
+          <a:bodyPr wrap="square">
+            <a:spAutoFit/>
           </a:bodyPr>
           <a:lstStyle/>
           <a:p>
-            <a:pPr marL="571500" indent="-571500">
-              <a:buFont typeface="Courier New" panose="02070309020205020404" pitchFamily="49" charset="0"/>
-              <a:buChar char="o"/>
-            </a:pPr>
-            <a:r>
-              <a:rPr lang="tr-TR" sz="3600" dirty="0" smtClean="0"/>
-              <a:t>Birim Testi </a:t>
-            </a:r>
-            <a:r>
-              <a:rPr lang="tr-TR" sz="3600" dirty="0" smtClean="0"/>
-              <a:t>nedir?</a:t>
-            </a:r>
-          </a:p>
-          <a:p>
-            <a:pPr marL="571500" indent="-571500">
-              <a:buFont typeface="Courier New" panose="02070309020205020404" pitchFamily="49" charset="0"/>
-              <a:buChar char="o"/>
-            </a:pPr>
-            <a:r>
-              <a:rPr lang="tr-TR" sz="3600" dirty="0" smtClean="0"/>
-              <a:t>Junit nedir, ne için kullanılır?</a:t>
-            </a:r>
-            <a:endParaRPr lang="en-US" sz="3600" dirty="0"/>
+            <a:r>
+              <a:rPr lang="en-US" sz="1400" b="1" dirty="0" err="1"/>
+              <a:t>Proje</a:t>
+            </a:r>
+            <a:r>
+              <a:rPr lang="en-US" sz="1400" b="1" dirty="0"/>
+              <a:t> </a:t>
+            </a:r>
+            <a:r>
+              <a:rPr lang="en-US" sz="1400" b="1" dirty="0" err="1"/>
+              <a:t>yapılandırma</a:t>
+            </a:r>
+            <a:r>
+              <a:rPr lang="en-US" sz="1400" b="1" dirty="0"/>
+              <a:t> </a:t>
+            </a:r>
+            <a:r>
+              <a:rPr lang="en-US" sz="1400" b="1" dirty="0" err="1"/>
+              <a:t>yönetimi</a:t>
+            </a:r>
+            <a:r>
+              <a:rPr lang="en-US" sz="1400" b="1" dirty="0"/>
+              <a:t>, </a:t>
+            </a:r>
+            <a:r>
+              <a:rPr lang="en-US" sz="1400" dirty="0" err="1"/>
+              <a:t>projenizin</a:t>
+            </a:r>
+            <a:r>
+              <a:rPr lang="en-US" sz="1400" dirty="0"/>
+              <a:t> build </a:t>
+            </a:r>
+            <a:r>
+              <a:rPr lang="en-US" sz="1400" dirty="0" err="1"/>
+              <a:t>ya</a:t>
+            </a:r>
+            <a:r>
+              <a:rPr lang="en-US" sz="1400" dirty="0"/>
+              <a:t> da deploy </a:t>
+            </a:r>
+            <a:r>
+              <a:rPr lang="en-US" sz="1400" dirty="0" err="1"/>
+              <a:t>yapılandırmalarını</a:t>
+            </a:r>
+            <a:r>
+              <a:rPr lang="en-US" sz="1400" dirty="0"/>
+              <a:t> </a:t>
+            </a:r>
+            <a:r>
+              <a:rPr lang="en-US" sz="1400" b="1" dirty="0" err="1"/>
+              <a:t>POM</a:t>
+            </a:r>
+            <a:r>
+              <a:rPr lang="en-US" sz="1400" dirty="0" err="1"/>
+              <a:t>dosyasından</a:t>
+            </a:r>
+            <a:r>
+              <a:rPr lang="en-US" sz="1400" dirty="0"/>
+              <a:t> </a:t>
+            </a:r>
+            <a:r>
+              <a:rPr lang="en-US" sz="1400" dirty="0" err="1"/>
+              <a:t>yönetebilirsiniz</a:t>
+            </a:r>
+            <a:r>
+              <a:rPr lang="en-US" sz="1400" dirty="0"/>
+              <a:t>. </a:t>
+            </a:r>
+            <a:r>
+              <a:rPr lang="en-US" sz="1400" dirty="0" err="1"/>
+              <a:t>Sadece</a:t>
+            </a:r>
+            <a:r>
+              <a:rPr lang="en-US" sz="1400" dirty="0"/>
+              <a:t> </a:t>
+            </a:r>
+            <a:r>
+              <a:rPr lang="en-US" sz="1400" dirty="0" err="1"/>
+              <a:t>birkaç</a:t>
+            </a:r>
+            <a:r>
+              <a:rPr lang="en-US" sz="1400" dirty="0"/>
+              <a:t> </a:t>
+            </a:r>
+            <a:r>
+              <a:rPr lang="en-US" sz="1400" dirty="0" err="1"/>
+              <a:t>satır</a:t>
+            </a:r>
+            <a:r>
+              <a:rPr lang="en-US" sz="1400" dirty="0"/>
+              <a:t> </a:t>
+            </a:r>
+            <a:r>
+              <a:rPr lang="en-US" sz="1400" dirty="0" err="1"/>
+              <a:t>kodla</a:t>
+            </a:r>
+            <a:r>
+              <a:rPr lang="en-US" sz="1400" dirty="0"/>
+              <a:t> </a:t>
+            </a:r>
+            <a:r>
+              <a:rPr lang="en-US" sz="1400" dirty="0" err="1"/>
+              <a:t>bu</a:t>
+            </a:r>
+            <a:r>
+              <a:rPr lang="en-US" sz="1400" dirty="0"/>
+              <a:t> </a:t>
+            </a:r>
+            <a:r>
+              <a:rPr lang="en-US" sz="1400" dirty="0" err="1"/>
+              <a:t>yapılandırmalar</a:t>
+            </a:r>
+            <a:r>
+              <a:rPr lang="en-US" sz="1400" dirty="0"/>
+              <a:t> </a:t>
+            </a:r>
+            <a:r>
+              <a:rPr lang="en-US" sz="1400" dirty="0" err="1"/>
+              <a:t>arasında</a:t>
+            </a:r>
+            <a:r>
+              <a:rPr lang="en-US" sz="1400" dirty="0"/>
+              <a:t> </a:t>
+            </a:r>
+            <a:r>
+              <a:rPr lang="en-US" sz="1400" dirty="0" err="1"/>
+              <a:t>geçişler</a:t>
+            </a:r>
+            <a:r>
+              <a:rPr lang="en-US" sz="1400" dirty="0"/>
+              <a:t> </a:t>
+            </a:r>
+            <a:r>
+              <a:rPr lang="en-US" sz="1400" dirty="0" err="1"/>
+              <a:t>yapabilirsiniz</a:t>
+            </a:r>
+            <a:r>
+              <a:rPr lang="en-US" sz="1400" dirty="0"/>
+              <a:t>. </a:t>
+            </a:r>
+            <a:r>
+              <a:rPr lang="en-US" sz="1400" dirty="0" err="1"/>
+              <a:t>Mesela</a:t>
+            </a:r>
+            <a:r>
+              <a:rPr lang="en-US" sz="1400" dirty="0"/>
+              <a:t> </a:t>
+            </a:r>
+            <a:r>
+              <a:rPr lang="en-US" sz="1400" dirty="0" err="1"/>
+              <a:t>büyük</a:t>
+            </a:r>
+            <a:r>
+              <a:rPr lang="en-US" sz="1400" dirty="0"/>
+              <a:t> </a:t>
+            </a:r>
+            <a:r>
+              <a:rPr lang="en-US" sz="1400" dirty="0" err="1"/>
+              <a:t>çaplı</a:t>
+            </a:r>
+            <a:r>
+              <a:rPr lang="en-US" sz="1400" dirty="0"/>
+              <a:t> </a:t>
+            </a:r>
+            <a:r>
+              <a:rPr lang="en-US" sz="1400" dirty="0" err="1"/>
+              <a:t>bir</a:t>
+            </a:r>
+            <a:r>
+              <a:rPr lang="en-US" sz="1400" dirty="0"/>
+              <a:t> </a:t>
+            </a:r>
+            <a:r>
+              <a:rPr lang="en-US" sz="1400" dirty="0" err="1"/>
+              <a:t>proje</a:t>
+            </a:r>
+            <a:r>
+              <a:rPr lang="en-US" sz="1400" dirty="0"/>
+              <a:t>, </a:t>
+            </a:r>
+            <a:r>
+              <a:rPr lang="en-US" sz="1400" dirty="0" err="1"/>
+              <a:t>farklı</a:t>
+            </a:r>
+            <a:r>
+              <a:rPr lang="en-US" sz="1400" dirty="0"/>
+              <a:t> </a:t>
+            </a:r>
+            <a:r>
+              <a:rPr lang="en-US" sz="1400" dirty="0" err="1"/>
+              <a:t>sunucu</a:t>
+            </a:r>
+            <a:r>
+              <a:rPr lang="en-US" sz="1400" dirty="0"/>
+              <a:t> </a:t>
+            </a:r>
+            <a:r>
+              <a:rPr lang="en-US" sz="1400" dirty="0" err="1"/>
+              <a:t>sistemlerinde</a:t>
+            </a:r>
+            <a:r>
+              <a:rPr lang="en-US" sz="1400" dirty="0"/>
+              <a:t> </a:t>
+            </a:r>
+            <a:r>
+              <a:rPr lang="en-US" sz="1400" dirty="0" err="1"/>
+              <a:t>ya</a:t>
+            </a:r>
+            <a:r>
+              <a:rPr lang="en-US" sz="1400" dirty="0"/>
+              <a:t> da </a:t>
+            </a:r>
+            <a:r>
+              <a:rPr lang="en-US" sz="1400" dirty="0" err="1"/>
+              <a:t>farklı</a:t>
+            </a:r>
+            <a:r>
+              <a:rPr lang="en-US" sz="1400" dirty="0"/>
+              <a:t> </a:t>
+            </a:r>
+            <a:r>
+              <a:rPr lang="en-US" sz="1400" dirty="0" err="1"/>
+              <a:t>veri</a:t>
+            </a:r>
+            <a:r>
+              <a:rPr lang="en-US" sz="1400" dirty="0"/>
+              <a:t> </a:t>
+            </a:r>
+            <a:r>
+              <a:rPr lang="en-US" sz="1400" dirty="0" err="1"/>
+              <a:t>tabanlarında</a:t>
+            </a:r>
+            <a:r>
+              <a:rPr lang="en-US" sz="1400" dirty="0"/>
+              <a:t> </a:t>
+            </a:r>
+            <a:r>
+              <a:rPr lang="en-US" sz="1400" dirty="0" err="1"/>
+              <a:t>eş</a:t>
+            </a:r>
+            <a:r>
+              <a:rPr lang="en-US" sz="1400" dirty="0"/>
+              <a:t> </a:t>
+            </a:r>
+            <a:r>
+              <a:rPr lang="en-US" sz="1400" dirty="0" err="1"/>
+              <a:t>zamanlı</a:t>
+            </a:r>
+            <a:r>
+              <a:rPr lang="en-US" sz="1400" dirty="0"/>
+              <a:t> </a:t>
+            </a:r>
+            <a:r>
+              <a:rPr lang="en-US" sz="1400" dirty="0" err="1"/>
+              <a:t>olarak</a:t>
+            </a:r>
+            <a:r>
+              <a:rPr lang="en-US" sz="1400" dirty="0"/>
+              <a:t> </a:t>
+            </a:r>
+            <a:r>
+              <a:rPr lang="en-US" sz="1400" dirty="0" err="1"/>
+              <a:t>çalışması</a:t>
+            </a:r>
+            <a:r>
+              <a:rPr lang="en-US" sz="1400" dirty="0"/>
+              <a:t> </a:t>
+            </a:r>
+            <a:r>
+              <a:rPr lang="en-US" sz="1400" dirty="0" err="1"/>
+              <a:t>gerekebilir</a:t>
+            </a:r>
+            <a:r>
+              <a:rPr lang="en-US" sz="1400" dirty="0"/>
+              <a:t>. </a:t>
+            </a:r>
+            <a:r>
+              <a:rPr lang="en-US" sz="1400" dirty="0" err="1"/>
+              <a:t>Bunun</a:t>
+            </a:r>
+            <a:r>
+              <a:rPr lang="en-US" sz="1400" dirty="0"/>
+              <a:t> </a:t>
+            </a:r>
+            <a:r>
+              <a:rPr lang="en-US" sz="1400" dirty="0" err="1"/>
+              <a:t>için</a:t>
+            </a:r>
+            <a:r>
+              <a:rPr lang="en-US" sz="1400" dirty="0"/>
+              <a:t> her </a:t>
+            </a:r>
+            <a:r>
+              <a:rPr lang="en-US" sz="1400" dirty="0" err="1"/>
+              <a:t>güncelleme</a:t>
+            </a:r>
+            <a:r>
+              <a:rPr lang="en-US" sz="1400" dirty="0"/>
+              <a:t> </a:t>
+            </a:r>
+            <a:r>
+              <a:rPr lang="en-US" sz="1400" dirty="0" err="1"/>
+              <a:t>sırasında</a:t>
+            </a:r>
+            <a:r>
+              <a:rPr lang="en-US" sz="1400" dirty="0"/>
+              <a:t> </a:t>
+            </a:r>
+            <a:r>
+              <a:rPr lang="en-US" sz="1400" dirty="0" err="1"/>
+              <a:t>farklı</a:t>
+            </a:r>
+            <a:r>
+              <a:rPr lang="en-US" sz="1400" dirty="0"/>
+              <a:t> </a:t>
+            </a:r>
+            <a:r>
+              <a:rPr lang="en-US" sz="1400" dirty="0" err="1"/>
+              <a:t>yapılandırma</a:t>
+            </a:r>
+            <a:r>
+              <a:rPr lang="en-US" sz="1400" dirty="0"/>
+              <a:t> </a:t>
+            </a:r>
+            <a:r>
+              <a:rPr lang="en-US" sz="1400" dirty="0" err="1"/>
+              <a:t>ayarlarıyla</a:t>
+            </a:r>
+            <a:r>
+              <a:rPr lang="en-US" sz="1400" dirty="0"/>
+              <a:t> </a:t>
+            </a:r>
+            <a:r>
+              <a:rPr lang="en-US" sz="1400" dirty="0" err="1"/>
+              <a:t>bu</a:t>
+            </a:r>
+            <a:r>
+              <a:rPr lang="en-US" sz="1400" dirty="0"/>
+              <a:t> </a:t>
+            </a:r>
+            <a:r>
+              <a:rPr lang="en-US" sz="1400" dirty="0" err="1"/>
+              <a:t>sistemleri</a:t>
+            </a:r>
+            <a:r>
+              <a:rPr lang="en-US" sz="1400" dirty="0"/>
+              <a:t> </a:t>
+            </a:r>
+            <a:r>
+              <a:rPr lang="en-US" sz="1400" dirty="0" err="1"/>
+              <a:t>güncellememiz</a:t>
+            </a:r>
+            <a:r>
+              <a:rPr lang="en-US" sz="1400" dirty="0"/>
+              <a:t> </a:t>
+            </a:r>
+            <a:r>
+              <a:rPr lang="en-US" sz="1400" dirty="0" err="1"/>
+              <a:t>gerekir</a:t>
+            </a:r>
+            <a:r>
+              <a:rPr lang="en-US" sz="1400" dirty="0"/>
+              <a:t>. Her </a:t>
+            </a:r>
+            <a:r>
+              <a:rPr lang="en-US" sz="1400" dirty="0" err="1"/>
+              <a:t>sistem</a:t>
+            </a:r>
+            <a:r>
+              <a:rPr lang="en-US" sz="1400" dirty="0"/>
+              <a:t> </a:t>
+            </a:r>
+            <a:r>
+              <a:rPr lang="en-US" sz="1400" dirty="0" err="1"/>
+              <a:t>için</a:t>
+            </a:r>
+            <a:r>
+              <a:rPr lang="en-US" sz="1400" dirty="0"/>
+              <a:t> </a:t>
+            </a:r>
+            <a:r>
+              <a:rPr lang="en-US" sz="1400" dirty="0" err="1"/>
+              <a:t>yapılandırma</a:t>
+            </a:r>
+            <a:r>
+              <a:rPr lang="en-US" sz="1400" dirty="0"/>
+              <a:t> </a:t>
+            </a:r>
+            <a:r>
+              <a:rPr lang="en-US" sz="1400" dirty="0" err="1"/>
+              <a:t>dosyalarını</a:t>
+            </a:r>
+            <a:r>
+              <a:rPr lang="en-US" sz="1400" dirty="0"/>
+              <a:t> </a:t>
+            </a:r>
+            <a:r>
+              <a:rPr lang="en-US" sz="1400" dirty="0" err="1"/>
+              <a:t>baştan</a:t>
+            </a:r>
+            <a:r>
+              <a:rPr lang="en-US" sz="1400" dirty="0"/>
+              <a:t> </a:t>
+            </a:r>
+            <a:r>
+              <a:rPr lang="en-US" sz="1400" dirty="0" err="1"/>
+              <a:t>düzenlemek</a:t>
+            </a:r>
+            <a:r>
+              <a:rPr lang="en-US" sz="1400" dirty="0"/>
+              <a:t> </a:t>
+            </a:r>
+            <a:r>
+              <a:rPr lang="en-US" sz="1400" dirty="0" err="1"/>
+              <a:t>oldukça</a:t>
+            </a:r>
+            <a:r>
+              <a:rPr lang="en-US" sz="1400" dirty="0"/>
+              <a:t> </a:t>
+            </a:r>
+            <a:r>
+              <a:rPr lang="en-US" sz="1400" dirty="0" err="1"/>
+              <a:t>yorucu</a:t>
+            </a:r>
+            <a:r>
+              <a:rPr lang="en-US" sz="1400" dirty="0"/>
+              <a:t> </a:t>
+            </a:r>
+            <a:r>
+              <a:rPr lang="en-US" sz="1400" dirty="0" err="1"/>
+              <a:t>bir</a:t>
+            </a:r>
+            <a:r>
+              <a:rPr lang="en-US" sz="1400" dirty="0"/>
+              <a:t> </a:t>
+            </a:r>
+            <a:r>
+              <a:rPr lang="en-US" sz="1400" dirty="0" err="1"/>
+              <a:t>iş</a:t>
+            </a:r>
+            <a:r>
+              <a:rPr lang="en-US" sz="1400" dirty="0"/>
+              <a:t>. </a:t>
+            </a:r>
+            <a:r>
+              <a:rPr lang="en-US" sz="1400" dirty="0" err="1"/>
+              <a:t>Ancak</a:t>
+            </a:r>
+            <a:r>
+              <a:rPr lang="en-US" sz="1400" dirty="0"/>
+              <a:t> </a:t>
+            </a:r>
+            <a:r>
+              <a:rPr lang="en-US" sz="1400" b="1" dirty="0"/>
+              <a:t>POM</a:t>
+            </a:r>
+            <a:r>
+              <a:rPr lang="en-US" sz="1400" dirty="0"/>
+              <a:t> </a:t>
+            </a:r>
+            <a:r>
+              <a:rPr lang="en-US" sz="1400" dirty="0" err="1"/>
+              <a:t>dosyasında</a:t>
+            </a:r>
+            <a:r>
+              <a:rPr lang="en-US" sz="1400" dirty="0"/>
+              <a:t> </a:t>
+            </a:r>
+            <a:r>
+              <a:rPr lang="en-US" sz="1400" dirty="0" err="1"/>
+              <a:t>tanımlanacak</a:t>
+            </a:r>
+            <a:r>
+              <a:rPr lang="en-US" sz="1400" dirty="0"/>
+              <a:t> </a:t>
+            </a:r>
+            <a:r>
+              <a:rPr lang="en-US" sz="1400" dirty="0" err="1"/>
+              <a:t>yapılandırma</a:t>
+            </a:r>
+            <a:r>
+              <a:rPr lang="en-US" sz="1400" dirty="0"/>
+              <a:t> </a:t>
+            </a:r>
+            <a:r>
+              <a:rPr lang="en-US" sz="1400" dirty="0" err="1"/>
+              <a:t>ayarları</a:t>
+            </a:r>
+            <a:r>
+              <a:rPr lang="en-US" sz="1400" dirty="0"/>
+              <a:t> </a:t>
+            </a:r>
+            <a:r>
+              <a:rPr lang="en-US" sz="1400" dirty="0" err="1"/>
+              <a:t>işimizi</a:t>
+            </a:r>
+            <a:r>
+              <a:rPr lang="en-US" sz="1400" dirty="0"/>
+              <a:t> </a:t>
+            </a:r>
+            <a:r>
+              <a:rPr lang="en-US" sz="1400" dirty="0" err="1"/>
+              <a:t>görecektir</a:t>
+            </a:r>
+            <a:r>
+              <a:rPr lang="en-US" sz="1400" dirty="0"/>
+              <a:t>. </a:t>
+            </a:r>
+            <a:r>
+              <a:rPr lang="en-US" sz="1400" dirty="0" err="1"/>
+              <a:t>Sadece</a:t>
+            </a:r>
+            <a:r>
+              <a:rPr lang="en-US" sz="1400" dirty="0"/>
+              <a:t> </a:t>
+            </a:r>
+            <a:r>
+              <a:rPr lang="en-US" sz="1400" dirty="0" err="1"/>
+              <a:t>yapılandırma</a:t>
+            </a:r>
+            <a:r>
+              <a:rPr lang="en-US" sz="1400" dirty="0"/>
+              <a:t> </a:t>
+            </a:r>
+            <a:r>
+              <a:rPr lang="en-US" sz="1400" dirty="0" err="1"/>
+              <a:t>adını</a:t>
+            </a:r>
+            <a:r>
+              <a:rPr lang="en-US" sz="1400" dirty="0"/>
+              <a:t> </a:t>
+            </a:r>
+            <a:r>
+              <a:rPr lang="en-US" sz="1400" dirty="0" err="1"/>
+              <a:t>değiştirerek</a:t>
+            </a:r>
+            <a:r>
+              <a:rPr lang="en-US" sz="1400" dirty="0"/>
+              <a:t> </a:t>
+            </a:r>
+            <a:r>
+              <a:rPr lang="en-US" sz="1400" dirty="0" err="1"/>
+              <a:t>proje</a:t>
+            </a:r>
+            <a:r>
+              <a:rPr lang="en-US" sz="1400" dirty="0"/>
+              <a:t> </a:t>
+            </a:r>
+            <a:r>
+              <a:rPr lang="en-US" sz="1400" dirty="0" err="1"/>
+              <a:t>çıktısını</a:t>
+            </a:r>
+            <a:r>
+              <a:rPr lang="en-US" sz="1400" dirty="0"/>
+              <a:t> </a:t>
+            </a:r>
+            <a:r>
+              <a:rPr lang="en-US" sz="1400" dirty="0" err="1"/>
+              <a:t>farklı</a:t>
+            </a:r>
+            <a:r>
+              <a:rPr lang="en-US" sz="1400" dirty="0"/>
+              <a:t> </a:t>
+            </a:r>
+            <a:r>
+              <a:rPr lang="en-US" sz="1400" dirty="0" err="1"/>
+              <a:t>sistemlere</a:t>
+            </a:r>
+            <a:r>
+              <a:rPr lang="en-US" sz="1400" dirty="0"/>
+              <a:t> </a:t>
+            </a:r>
+            <a:r>
+              <a:rPr lang="en-US" sz="1400" dirty="0" err="1"/>
+              <a:t>uygun</a:t>
+            </a:r>
+            <a:r>
+              <a:rPr lang="en-US" sz="1400" dirty="0"/>
+              <a:t> hale </a:t>
+            </a:r>
+            <a:r>
+              <a:rPr lang="en-US" sz="1400" dirty="0" err="1"/>
+              <a:t>getirebilmekteyiz</a:t>
+            </a:r>
+            <a:r>
+              <a:rPr lang="en-US" sz="1400" dirty="0"/>
+              <a:t>.</a:t>
+            </a:r>
+            <a:endParaRPr lang="en-US" sz="1400" dirty="0"/>
           </a:p>
         </p:txBody>
       </p:sp>
     </p:spTree>
     <p:extLst>
       <p:ext uri="{BB962C8B-B14F-4D97-AF65-F5344CB8AC3E}">
-        <p14:creationId xmlns:p14="http://schemas.microsoft.com/office/powerpoint/2010/main" val="868319415"/>
+        <p14:creationId xmlns:p14="http://schemas.microsoft.com/office/powerpoint/2010/main" val="27526040"/>
       </p:ext>
     </p:extLst>
   </p:cSld>
   <p:clrMapOvr>
     <a:masterClrMapping/>
   </p:clrMapOvr>
-  <p:timing>
-    <p:tnLst>
-      <p:par>
-        <p:cTn id="1" dur="indefinite" restart="never" nodeType="tmRoot"/>
-      </p:par>
-    </p:tnLst>
-  </p:timing>
 </p:sld>
 </file>
 
@@ -4650,7 +9607,7 @@
                 <a:latin typeface="Arial" panose="020B0604020202020204" pitchFamily="34" charset="0"/>
                 <a:cs typeface="Arial" panose="020B0604020202020204" pitchFamily="34" charset="0"/>
               </a:rPr>
-              <a:t>Birim Testler</a:t>
+              <a:t>Maven POM Dosyası</a:t>
             </a:r>
             <a:endParaRPr lang="en-US" sz="3600" b="1" dirty="0">
               <a:solidFill>
@@ -4662,102 +9619,1671 @@
           </a:p>
         </p:txBody>
       </p:sp>
+      <p:pic>
+        <p:nvPicPr>
+          <p:cNvPr id="5" name="Picture 4"/>
+          <p:cNvPicPr>
+            <a:picLocks noChangeAspect="1"/>
+          </p:cNvPicPr>
+          <p:nvPr/>
+        </p:nvPicPr>
+        <p:blipFill>
+          <a:blip r:embed="rId2"/>
+          <a:stretch>
+            <a:fillRect/>
+          </a:stretch>
+        </p:blipFill>
+        <p:spPr>
+          <a:xfrm>
+            <a:off x="838200" y="3196813"/>
+            <a:ext cx="10326624" cy="3243834"/>
+          </a:xfrm>
+          <a:prstGeom prst="rect">
+            <a:avLst/>
+          </a:prstGeom>
+        </p:spPr>
+      </p:pic>
       <p:sp>
         <p:nvSpPr>
-          <p:cNvPr id="2" name="Content Placeholder 1"/>
-          <p:cNvSpPr>
-            <a:spLocks noGrp="1"/>
-          </p:cNvSpPr>
-          <p:nvPr>
-            <p:ph idx="1"/>
-          </p:nvPr>
+          <p:cNvPr id="6" name="Rectangle 5"/>
+          <p:cNvSpPr/>
+          <p:nvPr/>
         </p:nvSpPr>
-        <p:spPr/>
+        <p:spPr>
+          <a:xfrm>
+            <a:off x="5933159" y="567303"/>
+            <a:ext cx="5758773" cy="2246769"/>
+          </a:xfrm>
+          <a:prstGeom prst="rect">
+            <a:avLst/>
+          </a:prstGeom>
+          <a:solidFill>
+            <a:schemeClr val="accent4">
+              <a:lumMod val="20000"/>
+              <a:lumOff val="80000"/>
+            </a:schemeClr>
+          </a:solidFill>
+        </p:spPr>
         <p:txBody>
-          <a:bodyPr/>
+          <a:bodyPr wrap="square">
+            <a:spAutoFit/>
+          </a:bodyPr>
           <a:lstStyle/>
           <a:p>
             <a:r>
-              <a:rPr lang="tr-TR" dirty="0" smtClean="0"/>
-              <a:t>Birim (Unit) </a:t>
-            </a:r>
-            <a:r>
-              <a:rPr lang="tr-TR" dirty="0"/>
-              <a:t>test, yazılımda en temel test çeşitidir. Yazılan fonksiyonların çalışıp çalışmadığının testlerini yapmak için kullanılır. </a:t>
-            </a:r>
-            <a:endParaRPr lang="tr-TR" dirty="0" smtClean="0"/>
-          </a:p>
-          <a:p>
-            <a:r>
-              <a:rPr lang="tr-TR" dirty="0" smtClean="0"/>
-              <a:t>Buradaki </a:t>
-            </a:r>
-            <a:r>
-              <a:rPr lang="tr-TR" dirty="0"/>
-              <a:t>en temel noktalardan biri, oluşturulan bütün testler birbirinden bağımsız çalışmaktadır ve her testin tek bir sonucu olmalıdır (true / false</a:t>
-            </a:r>
-            <a:r>
-              <a:rPr lang="tr-TR" dirty="0" smtClean="0"/>
-              <a:t>)</a:t>
-            </a:r>
-          </a:p>
-          <a:p>
-            <a:r>
-              <a:rPr lang="en-US" dirty="0"/>
-              <a:t>JUnit </a:t>
-            </a:r>
-            <a:r>
-              <a:rPr lang="tr-TR" dirty="0" smtClean="0"/>
+              <a:rPr lang="en-US" sz="1400" b="1" dirty="0" err="1">
+                <a:solidFill>
+                  <a:srgbClr val="5E5E5E"/>
+                </a:solidFill>
+                <a:latin typeface="Roboto"/>
+              </a:rPr>
+              <a:t>Bağımlı</a:t>
+            </a:r>
+            <a:r>
+              <a:rPr lang="en-US" sz="1400" b="1" dirty="0">
+                <a:solidFill>
+                  <a:srgbClr val="5E5E5E"/>
+                </a:solidFill>
+                <a:latin typeface="Roboto"/>
+              </a:rPr>
+              <a:t> </a:t>
+            </a:r>
+            <a:r>
+              <a:rPr lang="en-US" sz="1400" b="1" dirty="0" err="1">
+                <a:solidFill>
+                  <a:srgbClr val="5E5E5E"/>
+                </a:solidFill>
+                <a:latin typeface="Roboto"/>
+              </a:rPr>
+              <a:t>kaynaklar</a:t>
+            </a:r>
+            <a:r>
+              <a:rPr lang="en-US" sz="1400" b="1" dirty="0">
+                <a:solidFill>
+                  <a:srgbClr val="5E5E5E"/>
+                </a:solidFill>
+                <a:latin typeface="Roboto"/>
+              </a:rPr>
+              <a:t>,</a:t>
+            </a:r>
+            <a:r>
+              <a:rPr lang="en-US" sz="1400" dirty="0">
+                <a:solidFill>
+                  <a:srgbClr val="5E5E5E"/>
+                </a:solidFill>
+                <a:latin typeface="Roboto"/>
+              </a:rPr>
+              <a:t> </a:t>
+            </a:r>
+            <a:r>
+              <a:rPr lang="en-US" sz="1400" dirty="0" err="1">
+                <a:solidFill>
+                  <a:srgbClr val="5E5E5E"/>
+                </a:solidFill>
+                <a:latin typeface="Roboto"/>
+              </a:rPr>
+              <a:t>projede</a:t>
+            </a:r>
+            <a:r>
+              <a:rPr lang="en-US" sz="1400" dirty="0">
+                <a:solidFill>
+                  <a:srgbClr val="5E5E5E"/>
+                </a:solidFill>
+                <a:latin typeface="Roboto"/>
+              </a:rPr>
+              <a:t> </a:t>
+            </a:r>
+            <a:r>
+              <a:rPr lang="en-US" sz="1400" dirty="0" err="1">
+                <a:solidFill>
+                  <a:srgbClr val="5E5E5E"/>
+                </a:solidFill>
+                <a:latin typeface="Roboto"/>
+              </a:rPr>
+              <a:t>kullanılacak</a:t>
+            </a:r>
+            <a:r>
+              <a:rPr lang="en-US" sz="1400" dirty="0">
+                <a:solidFill>
+                  <a:srgbClr val="5E5E5E"/>
+                </a:solidFill>
+                <a:latin typeface="Roboto"/>
+              </a:rPr>
+              <a:t> </a:t>
+            </a:r>
+            <a:r>
+              <a:rPr lang="en-US" sz="1400" dirty="0" err="1">
+                <a:solidFill>
+                  <a:srgbClr val="5E5E5E"/>
+                </a:solidFill>
+                <a:latin typeface="Roboto"/>
+              </a:rPr>
+              <a:t>tüm</a:t>
+            </a:r>
+            <a:r>
+              <a:rPr lang="en-US" sz="1400" dirty="0">
+                <a:solidFill>
+                  <a:srgbClr val="5E5E5E"/>
+                </a:solidFill>
+                <a:latin typeface="Roboto"/>
+              </a:rPr>
+              <a:t> </a:t>
+            </a:r>
+            <a:r>
+              <a:rPr lang="en-US" sz="1400" dirty="0" err="1">
+                <a:solidFill>
+                  <a:srgbClr val="5E5E5E"/>
+                </a:solidFill>
+                <a:latin typeface="Roboto"/>
+              </a:rPr>
+              <a:t>kütüphaneler</a:t>
+            </a:r>
+            <a:r>
+              <a:rPr lang="en-US" sz="1400" dirty="0">
+                <a:solidFill>
+                  <a:srgbClr val="5E5E5E"/>
+                </a:solidFill>
+                <a:latin typeface="Roboto"/>
+              </a:rPr>
+              <a:t> ve </a:t>
+            </a:r>
+            <a:r>
+              <a:rPr lang="en-US" sz="1400" dirty="0" err="1">
+                <a:solidFill>
+                  <a:srgbClr val="5E5E5E"/>
+                </a:solidFill>
+                <a:latin typeface="Roboto"/>
+              </a:rPr>
+              <a:t>eklentiler</a:t>
+            </a:r>
+            <a:r>
+              <a:rPr lang="en-US" sz="1400" dirty="0">
+                <a:solidFill>
+                  <a:srgbClr val="5E5E5E"/>
+                </a:solidFill>
+                <a:latin typeface="Roboto"/>
+              </a:rPr>
+              <a:t> </a:t>
+            </a:r>
+            <a:r>
+              <a:rPr lang="en-US" sz="1400" b="1" dirty="0">
+                <a:solidFill>
+                  <a:srgbClr val="5E5E5E"/>
+                </a:solidFill>
+                <a:latin typeface="Roboto"/>
+              </a:rPr>
+              <a:t>POM</a:t>
+            </a:r>
+            <a:r>
+              <a:rPr lang="en-US" sz="1400" dirty="0">
+                <a:solidFill>
+                  <a:srgbClr val="5E5E5E"/>
+                </a:solidFill>
+                <a:latin typeface="Roboto"/>
+              </a:rPr>
+              <a:t>(Project Object Model) </a:t>
+            </a:r>
+            <a:r>
+              <a:rPr lang="en-US" sz="1400" dirty="0" err="1">
+                <a:solidFill>
+                  <a:srgbClr val="5E5E5E"/>
+                </a:solidFill>
+                <a:latin typeface="Roboto"/>
+              </a:rPr>
+              <a:t>dosyasından</a:t>
+            </a:r>
+            <a:r>
+              <a:rPr lang="en-US" sz="1400" dirty="0">
+                <a:solidFill>
+                  <a:srgbClr val="5E5E5E"/>
+                </a:solidFill>
+                <a:latin typeface="Roboto"/>
+              </a:rPr>
+              <a:t> </a:t>
+            </a:r>
+            <a:r>
+              <a:rPr lang="en-US" sz="1400" dirty="0" err="1">
+                <a:solidFill>
+                  <a:srgbClr val="5E5E5E"/>
+                </a:solidFill>
+                <a:latin typeface="Roboto"/>
+              </a:rPr>
+              <a:t>kolayca</a:t>
+            </a:r>
+            <a:r>
+              <a:rPr lang="en-US" sz="1400" dirty="0">
+                <a:solidFill>
+                  <a:srgbClr val="5E5E5E"/>
+                </a:solidFill>
+                <a:latin typeface="Roboto"/>
+              </a:rPr>
+              <a:t> </a:t>
+            </a:r>
+            <a:r>
+              <a:rPr lang="en-US" sz="1400" dirty="0" err="1">
+                <a:solidFill>
+                  <a:srgbClr val="5E5E5E"/>
+                </a:solidFill>
+                <a:latin typeface="Roboto"/>
+              </a:rPr>
+              <a:t>yönetilebilmektedir</a:t>
+            </a:r>
+            <a:r>
+              <a:rPr lang="en-US" sz="1400" dirty="0">
+                <a:solidFill>
+                  <a:srgbClr val="5E5E5E"/>
+                </a:solidFill>
+                <a:latin typeface="Roboto"/>
+              </a:rPr>
+              <a:t>. </a:t>
+            </a:r>
+            <a:r>
+              <a:rPr lang="en-US" sz="1400" b="1" dirty="0">
+                <a:solidFill>
+                  <a:srgbClr val="5E5E5E"/>
+                </a:solidFill>
+                <a:latin typeface="Roboto"/>
+              </a:rPr>
+              <a:t>Maven</a:t>
+            </a:r>
+            <a:r>
+              <a:rPr lang="en-US" sz="1400" dirty="0">
+                <a:solidFill>
+                  <a:srgbClr val="5E5E5E"/>
+                </a:solidFill>
+                <a:latin typeface="Roboto"/>
+              </a:rPr>
               <a:t>, </a:t>
             </a:r>
             <a:r>
-              <a:rPr lang="en-US" dirty="0" smtClean="0"/>
-              <a:t>Java </a:t>
-            </a:r>
-            <a:r>
-              <a:rPr lang="en-US" dirty="0"/>
-              <a:t>da </a:t>
-            </a:r>
-            <a:r>
-              <a:rPr lang="en-US" dirty="0" err="1"/>
-              <a:t>en</a:t>
-            </a:r>
-            <a:r>
-              <a:rPr lang="en-US" dirty="0"/>
-              <a:t> </a:t>
-            </a:r>
-            <a:r>
-              <a:rPr lang="en-US" dirty="0" err="1"/>
-              <a:t>sık</a:t>
-            </a:r>
-            <a:r>
-              <a:rPr lang="en-US" dirty="0"/>
-              <a:t> </a:t>
-            </a:r>
-            <a:r>
-              <a:rPr lang="en-US" dirty="0" err="1"/>
-              <a:t>kullanılan</a:t>
-            </a:r>
-            <a:r>
-              <a:rPr lang="en-US" dirty="0"/>
-              <a:t> Test </a:t>
-            </a:r>
-            <a:r>
-              <a:rPr lang="en-US" dirty="0" smtClean="0"/>
-              <a:t>Framework</a:t>
-            </a:r>
-            <a:r>
-              <a:rPr lang="tr-TR" dirty="0" smtClean="0"/>
-              <a:t>’leridnen biridir.</a:t>
-            </a:r>
-            <a:endParaRPr lang="en-US" dirty="0"/>
+              <a:rPr lang="en-US" sz="1400" dirty="0" err="1">
+                <a:solidFill>
+                  <a:srgbClr val="5E5E5E"/>
+                </a:solidFill>
+                <a:latin typeface="Roboto"/>
+              </a:rPr>
+              <a:t>kütüphane</a:t>
+            </a:r>
+            <a:r>
+              <a:rPr lang="en-US" sz="1400" dirty="0">
+                <a:solidFill>
+                  <a:srgbClr val="5E5E5E"/>
+                </a:solidFill>
+                <a:latin typeface="Roboto"/>
+              </a:rPr>
+              <a:t> </a:t>
+            </a:r>
+            <a:r>
+              <a:rPr lang="en-US" sz="1400" dirty="0" err="1">
+                <a:solidFill>
+                  <a:srgbClr val="5E5E5E"/>
+                </a:solidFill>
+                <a:latin typeface="Roboto"/>
+              </a:rPr>
+              <a:t>dosyalarını</a:t>
+            </a:r>
+            <a:r>
+              <a:rPr lang="en-US" sz="1400" dirty="0">
+                <a:solidFill>
+                  <a:srgbClr val="5E5E5E"/>
+                </a:solidFill>
+                <a:latin typeface="Roboto"/>
+              </a:rPr>
+              <a:t> </a:t>
+            </a:r>
+            <a:r>
+              <a:rPr lang="en-US" sz="1400" dirty="0" err="1">
+                <a:solidFill>
+                  <a:srgbClr val="5E5E5E"/>
+                </a:solidFill>
+                <a:latin typeface="Roboto"/>
+              </a:rPr>
+              <a:t>kendi</a:t>
+            </a:r>
+            <a:r>
+              <a:rPr lang="en-US" sz="1400" dirty="0">
+                <a:solidFill>
+                  <a:srgbClr val="5E5E5E"/>
+                </a:solidFill>
+                <a:latin typeface="Roboto"/>
+              </a:rPr>
+              <a:t> repository </a:t>
+            </a:r>
+            <a:r>
+              <a:rPr lang="en-US" sz="1400" dirty="0" err="1">
+                <a:solidFill>
+                  <a:srgbClr val="5E5E5E"/>
+                </a:solidFill>
+                <a:latin typeface="Roboto"/>
+              </a:rPr>
+              <a:t>sunucularında</a:t>
+            </a:r>
+            <a:r>
+              <a:rPr lang="en-US" sz="1400" dirty="0">
+                <a:solidFill>
+                  <a:srgbClr val="5E5E5E"/>
+                </a:solidFill>
+                <a:latin typeface="Roboto"/>
+              </a:rPr>
+              <a:t> </a:t>
+            </a:r>
+            <a:r>
+              <a:rPr lang="en-US" sz="1400" dirty="0" err="1">
+                <a:solidFill>
+                  <a:srgbClr val="5E5E5E"/>
+                </a:solidFill>
+                <a:latin typeface="Roboto"/>
+              </a:rPr>
+              <a:t>barındırır</a:t>
+            </a:r>
+            <a:r>
+              <a:rPr lang="en-US" sz="1400" dirty="0">
+                <a:solidFill>
+                  <a:srgbClr val="5E5E5E"/>
+                </a:solidFill>
+                <a:latin typeface="Roboto"/>
+              </a:rPr>
+              <a:t>. </a:t>
+            </a:r>
+            <a:r>
+              <a:rPr lang="en-US" sz="1400" dirty="0" err="1">
+                <a:solidFill>
+                  <a:srgbClr val="5E5E5E"/>
+                </a:solidFill>
+                <a:latin typeface="Roboto"/>
+              </a:rPr>
+              <a:t>Projede</a:t>
+            </a:r>
+            <a:r>
+              <a:rPr lang="en-US" sz="1400" dirty="0">
+                <a:solidFill>
+                  <a:srgbClr val="5E5E5E"/>
+                </a:solidFill>
+                <a:latin typeface="Roboto"/>
+              </a:rPr>
+              <a:t> </a:t>
+            </a:r>
+            <a:r>
+              <a:rPr lang="en-US" sz="1400" dirty="0" err="1">
+                <a:solidFill>
+                  <a:srgbClr val="5E5E5E"/>
+                </a:solidFill>
+                <a:latin typeface="Roboto"/>
+              </a:rPr>
+              <a:t>kullanmak</a:t>
+            </a:r>
+            <a:r>
+              <a:rPr lang="en-US" sz="1400" dirty="0">
+                <a:solidFill>
+                  <a:srgbClr val="5E5E5E"/>
+                </a:solidFill>
+                <a:latin typeface="Roboto"/>
+              </a:rPr>
+              <a:t> </a:t>
+            </a:r>
+            <a:r>
+              <a:rPr lang="en-US" sz="1400" dirty="0" err="1">
+                <a:solidFill>
+                  <a:srgbClr val="5E5E5E"/>
+                </a:solidFill>
+                <a:latin typeface="Roboto"/>
+              </a:rPr>
+              <a:t>istediğiniz</a:t>
+            </a:r>
+            <a:r>
+              <a:rPr lang="en-US" sz="1400" dirty="0">
+                <a:solidFill>
+                  <a:srgbClr val="5E5E5E"/>
+                </a:solidFill>
+                <a:latin typeface="Roboto"/>
+              </a:rPr>
+              <a:t> </a:t>
+            </a:r>
+            <a:r>
+              <a:rPr lang="en-US" sz="1400" dirty="0" err="1">
+                <a:solidFill>
+                  <a:srgbClr val="5E5E5E"/>
+                </a:solidFill>
+                <a:latin typeface="Roboto"/>
+              </a:rPr>
+              <a:t>kütüphane</a:t>
+            </a:r>
+            <a:r>
+              <a:rPr lang="en-US" sz="1400" dirty="0">
+                <a:solidFill>
+                  <a:srgbClr val="5E5E5E"/>
+                </a:solidFill>
+                <a:latin typeface="Roboto"/>
+              </a:rPr>
+              <a:t> </a:t>
+            </a:r>
+            <a:r>
+              <a:rPr lang="en-US" sz="1400" dirty="0" err="1">
+                <a:solidFill>
+                  <a:srgbClr val="5E5E5E"/>
+                </a:solidFill>
+                <a:latin typeface="Roboto"/>
+              </a:rPr>
+              <a:t>dosyalarını</a:t>
+            </a:r>
+            <a:r>
+              <a:rPr lang="en-US" sz="1400" dirty="0">
+                <a:solidFill>
+                  <a:srgbClr val="5E5E5E"/>
+                </a:solidFill>
+                <a:latin typeface="Roboto"/>
+              </a:rPr>
+              <a:t> ilk </a:t>
+            </a:r>
+            <a:r>
+              <a:rPr lang="en-US" sz="1400" dirty="0" err="1">
+                <a:solidFill>
+                  <a:srgbClr val="5E5E5E"/>
+                </a:solidFill>
+                <a:latin typeface="Roboto"/>
+              </a:rPr>
+              <a:t>olarak</a:t>
+            </a:r>
+            <a:r>
+              <a:rPr lang="en-US" sz="1400" dirty="0">
+                <a:solidFill>
+                  <a:srgbClr val="5E5E5E"/>
+                </a:solidFill>
+                <a:latin typeface="Roboto"/>
+              </a:rPr>
+              <a:t> </a:t>
+            </a:r>
+            <a:r>
+              <a:rPr lang="en-US" sz="1400" dirty="0" err="1">
+                <a:solidFill>
+                  <a:srgbClr val="5E5E5E"/>
+                </a:solidFill>
+                <a:latin typeface="Roboto"/>
+              </a:rPr>
+              <a:t>sizin</a:t>
+            </a:r>
+            <a:r>
+              <a:rPr lang="en-US" sz="1400" dirty="0">
+                <a:solidFill>
+                  <a:srgbClr val="5E5E5E"/>
+                </a:solidFill>
+                <a:latin typeface="Roboto"/>
+              </a:rPr>
+              <a:t> local repository </a:t>
+            </a:r>
+            <a:r>
+              <a:rPr lang="en-US" sz="1400" dirty="0" err="1">
+                <a:solidFill>
+                  <a:srgbClr val="5E5E5E"/>
+                </a:solidFill>
+                <a:latin typeface="Roboto"/>
+              </a:rPr>
+              <a:t>klasörünüzde</a:t>
+            </a:r>
+            <a:r>
+              <a:rPr lang="en-US" sz="1400" dirty="0">
+                <a:solidFill>
+                  <a:srgbClr val="5E5E5E"/>
+                </a:solidFill>
+                <a:latin typeface="Roboto"/>
+              </a:rPr>
+              <a:t> </a:t>
+            </a:r>
+            <a:r>
+              <a:rPr lang="en-US" sz="1400" dirty="0" err="1">
+                <a:solidFill>
+                  <a:srgbClr val="5E5E5E"/>
+                </a:solidFill>
+                <a:latin typeface="Roboto"/>
+              </a:rPr>
+              <a:t>arar</a:t>
+            </a:r>
+            <a:r>
+              <a:rPr lang="en-US" sz="1400" dirty="0">
+                <a:solidFill>
+                  <a:srgbClr val="5E5E5E"/>
+                </a:solidFill>
+                <a:latin typeface="Roboto"/>
+              </a:rPr>
+              <a:t>, </a:t>
+            </a:r>
+            <a:r>
+              <a:rPr lang="en-US" sz="1400" dirty="0" err="1">
+                <a:solidFill>
+                  <a:srgbClr val="5E5E5E"/>
+                </a:solidFill>
+                <a:latin typeface="Roboto"/>
+              </a:rPr>
+              <a:t>eğer</a:t>
+            </a:r>
+            <a:r>
+              <a:rPr lang="en-US" sz="1400" dirty="0">
+                <a:solidFill>
+                  <a:srgbClr val="5E5E5E"/>
+                </a:solidFill>
+                <a:latin typeface="Roboto"/>
+              </a:rPr>
+              <a:t> </a:t>
+            </a:r>
+            <a:r>
+              <a:rPr lang="en-US" sz="1400" dirty="0" err="1">
+                <a:solidFill>
+                  <a:srgbClr val="5E5E5E"/>
+                </a:solidFill>
+                <a:latin typeface="Roboto"/>
+              </a:rPr>
+              <a:t>bulamazsa</a:t>
+            </a:r>
+            <a:r>
+              <a:rPr lang="en-US" sz="1400" dirty="0">
+                <a:solidFill>
+                  <a:srgbClr val="5E5E5E"/>
+                </a:solidFill>
+                <a:latin typeface="Roboto"/>
+              </a:rPr>
+              <a:t> </a:t>
+            </a:r>
+            <a:r>
+              <a:rPr lang="en-US" sz="1400" dirty="0" err="1">
+                <a:solidFill>
+                  <a:srgbClr val="5E5E5E"/>
+                </a:solidFill>
+                <a:latin typeface="Roboto"/>
+              </a:rPr>
+              <a:t>kendi</a:t>
+            </a:r>
+            <a:r>
+              <a:rPr lang="en-US" sz="1400" dirty="0">
+                <a:solidFill>
+                  <a:srgbClr val="5E5E5E"/>
+                </a:solidFill>
+                <a:latin typeface="Roboto"/>
+              </a:rPr>
+              <a:t> </a:t>
+            </a:r>
+            <a:r>
+              <a:rPr lang="en-US" sz="1400" dirty="0" err="1">
+                <a:solidFill>
+                  <a:srgbClr val="5E5E5E"/>
+                </a:solidFill>
+                <a:latin typeface="Roboto"/>
+              </a:rPr>
+              <a:t>sunucularında</a:t>
+            </a:r>
+            <a:r>
+              <a:rPr lang="en-US" sz="1400" dirty="0">
+                <a:solidFill>
+                  <a:srgbClr val="5E5E5E"/>
+                </a:solidFill>
+                <a:latin typeface="Roboto"/>
+              </a:rPr>
+              <a:t> </a:t>
+            </a:r>
+            <a:r>
+              <a:rPr lang="en-US" sz="1400" dirty="0" err="1">
+                <a:solidFill>
+                  <a:srgbClr val="5E5E5E"/>
+                </a:solidFill>
+                <a:latin typeface="Roboto"/>
+              </a:rPr>
+              <a:t>arama</a:t>
+            </a:r>
+            <a:r>
+              <a:rPr lang="en-US" sz="1400" dirty="0">
+                <a:solidFill>
+                  <a:srgbClr val="5E5E5E"/>
+                </a:solidFill>
+                <a:latin typeface="Roboto"/>
+              </a:rPr>
+              <a:t> </a:t>
+            </a:r>
+            <a:r>
+              <a:rPr lang="en-US" sz="1400" dirty="0" err="1">
+                <a:solidFill>
+                  <a:srgbClr val="5E5E5E"/>
+                </a:solidFill>
+                <a:latin typeface="Roboto"/>
+              </a:rPr>
+              <a:t>yapar</a:t>
+            </a:r>
+            <a:r>
+              <a:rPr lang="en-US" sz="1400" dirty="0">
+                <a:solidFill>
+                  <a:srgbClr val="5E5E5E"/>
+                </a:solidFill>
+                <a:latin typeface="Roboto"/>
+              </a:rPr>
+              <a:t>, </a:t>
+            </a:r>
+            <a:r>
+              <a:rPr lang="en-US" sz="1400" dirty="0" err="1">
+                <a:solidFill>
+                  <a:srgbClr val="5E5E5E"/>
+                </a:solidFill>
+                <a:latin typeface="Roboto"/>
+              </a:rPr>
+              <a:t>eğer</a:t>
+            </a:r>
+            <a:r>
+              <a:rPr lang="en-US" sz="1400" dirty="0">
+                <a:solidFill>
+                  <a:srgbClr val="5E5E5E"/>
+                </a:solidFill>
+                <a:latin typeface="Roboto"/>
+              </a:rPr>
+              <a:t> </a:t>
+            </a:r>
+            <a:r>
+              <a:rPr lang="en-US" sz="1400" dirty="0" err="1">
+                <a:solidFill>
+                  <a:srgbClr val="5E5E5E"/>
+                </a:solidFill>
+                <a:latin typeface="Roboto"/>
+              </a:rPr>
+              <a:t>kendi</a:t>
+            </a:r>
+            <a:r>
+              <a:rPr lang="en-US" sz="1400" dirty="0">
+                <a:solidFill>
+                  <a:srgbClr val="5E5E5E"/>
+                </a:solidFill>
+                <a:latin typeface="Roboto"/>
+              </a:rPr>
+              <a:t> </a:t>
+            </a:r>
+            <a:r>
+              <a:rPr lang="en-US" sz="1400" dirty="0" err="1">
+                <a:solidFill>
+                  <a:srgbClr val="5E5E5E"/>
+                </a:solidFill>
+                <a:latin typeface="Roboto"/>
+              </a:rPr>
+              <a:t>sunularında</a:t>
+            </a:r>
+            <a:r>
+              <a:rPr lang="en-US" sz="1400" dirty="0">
+                <a:solidFill>
+                  <a:srgbClr val="5E5E5E"/>
+                </a:solidFill>
+                <a:latin typeface="Roboto"/>
+              </a:rPr>
+              <a:t> da </a:t>
+            </a:r>
+            <a:r>
+              <a:rPr lang="en-US" sz="1400" dirty="0" err="1">
+                <a:solidFill>
+                  <a:srgbClr val="5E5E5E"/>
+                </a:solidFill>
+                <a:latin typeface="Roboto"/>
+              </a:rPr>
+              <a:t>bulamazsa</a:t>
+            </a:r>
+            <a:r>
+              <a:rPr lang="en-US" sz="1400" dirty="0">
+                <a:solidFill>
+                  <a:srgbClr val="5E5E5E"/>
+                </a:solidFill>
+                <a:latin typeface="Roboto"/>
+              </a:rPr>
+              <a:t> </a:t>
+            </a:r>
+            <a:r>
+              <a:rPr lang="en-US" sz="1400" dirty="0" err="1">
+                <a:solidFill>
+                  <a:srgbClr val="5E5E5E"/>
+                </a:solidFill>
+                <a:latin typeface="Roboto"/>
+              </a:rPr>
+              <a:t>sizin</a:t>
+            </a:r>
+            <a:r>
+              <a:rPr lang="en-US" sz="1400" dirty="0">
+                <a:solidFill>
+                  <a:srgbClr val="5E5E5E"/>
+                </a:solidFill>
+                <a:latin typeface="Roboto"/>
+              </a:rPr>
+              <a:t> </a:t>
+            </a:r>
+            <a:r>
+              <a:rPr lang="en-US" sz="1400" dirty="0" err="1">
+                <a:solidFill>
+                  <a:srgbClr val="5E5E5E"/>
+                </a:solidFill>
+                <a:latin typeface="Roboto"/>
+              </a:rPr>
+              <a:t>tanımlayacağınız</a:t>
+            </a:r>
+            <a:r>
+              <a:rPr lang="en-US" sz="1400" dirty="0">
+                <a:solidFill>
+                  <a:srgbClr val="5E5E5E"/>
+                </a:solidFill>
+                <a:latin typeface="Roboto"/>
+              </a:rPr>
+              <a:t> </a:t>
+            </a:r>
+            <a:r>
+              <a:rPr lang="en-US" sz="1400" dirty="0" err="1">
+                <a:solidFill>
+                  <a:srgbClr val="5E5E5E"/>
+                </a:solidFill>
+                <a:latin typeface="Roboto"/>
+              </a:rPr>
+              <a:t>bir</a:t>
+            </a:r>
+            <a:r>
+              <a:rPr lang="en-US" sz="1400" dirty="0">
+                <a:solidFill>
+                  <a:srgbClr val="5E5E5E"/>
+                </a:solidFill>
+                <a:latin typeface="Roboto"/>
+              </a:rPr>
+              <a:t> </a:t>
+            </a:r>
+            <a:r>
+              <a:rPr lang="en-US" sz="1400" dirty="0" err="1">
+                <a:solidFill>
+                  <a:srgbClr val="5E5E5E"/>
+                </a:solidFill>
+                <a:latin typeface="Roboto"/>
+              </a:rPr>
+              <a:t>sunucu</a:t>
+            </a:r>
+            <a:r>
+              <a:rPr lang="en-US" sz="1400" dirty="0">
+                <a:solidFill>
+                  <a:srgbClr val="5E5E5E"/>
+                </a:solidFill>
+                <a:latin typeface="Roboto"/>
+              </a:rPr>
+              <a:t> </a:t>
+            </a:r>
+            <a:r>
+              <a:rPr lang="en-US" sz="1400" dirty="0" err="1">
+                <a:solidFill>
+                  <a:srgbClr val="5E5E5E"/>
+                </a:solidFill>
+                <a:latin typeface="Roboto"/>
+              </a:rPr>
+              <a:t>adresinden</a:t>
+            </a:r>
+            <a:r>
+              <a:rPr lang="en-US" sz="1400" dirty="0">
+                <a:solidFill>
+                  <a:srgbClr val="5E5E5E"/>
+                </a:solidFill>
+                <a:latin typeface="Roboto"/>
+              </a:rPr>
+              <a:t> </a:t>
+            </a:r>
+            <a:r>
+              <a:rPr lang="en-US" sz="1400" dirty="0" err="1">
+                <a:solidFill>
+                  <a:srgbClr val="5E5E5E"/>
+                </a:solidFill>
+                <a:latin typeface="Roboto"/>
+              </a:rPr>
+              <a:t>dosyayı</a:t>
+            </a:r>
+            <a:r>
+              <a:rPr lang="en-US" sz="1400" dirty="0">
+                <a:solidFill>
+                  <a:srgbClr val="5E5E5E"/>
+                </a:solidFill>
+                <a:latin typeface="Roboto"/>
+              </a:rPr>
+              <a:t> </a:t>
+            </a:r>
+            <a:r>
+              <a:rPr lang="en-US" sz="1400" dirty="0" err="1">
+                <a:solidFill>
+                  <a:srgbClr val="5E5E5E"/>
+                </a:solidFill>
+                <a:latin typeface="Roboto"/>
+              </a:rPr>
+              <a:t>sizin</a:t>
+            </a:r>
+            <a:r>
+              <a:rPr lang="en-US" sz="1400" dirty="0">
+                <a:solidFill>
+                  <a:srgbClr val="5E5E5E"/>
+                </a:solidFill>
+                <a:latin typeface="Roboto"/>
+              </a:rPr>
+              <a:t> local </a:t>
+            </a:r>
+            <a:r>
+              <a:rPr lang="en-US" sz="1400" dirty="0" err="1">
+                <a:solidFill>
+                  <a:srgbClr val="5E5E5E"/>
+                </a:solidFill>
+                <a:latin typeface="Roboto"/>
+              </a:rPr>
+              <a:t>klasörünüze</a:t>
+            </a:r>
+            <a:r>
+              <a:rPr lang="en-US" sz="1400" dirty="0">
+                <a:solidFill>
+                  <a:srgbClr val="5E5E5E"/>
+                </a:solidFill>
+                <a:latin typeface="Roboto"/>
+              </a:rPr>
+              <a:t> </a:t>
+            </a:r>
+            <a:r>
+              <a:rPr lang="en-US" sz="1400" dirty="0" err="1">
+                <a:solidFill>
+                  <a:srgbClr val="5E5E5E"/>
+                </a:solidFill>
+                <a:latin typeface="Roboto"/>
+              </a:rPr>
+              <a:t>indirir</a:t>
+            </a:r>
+            <a:r>
+              <a:rPr lang="en-US" sz="1400" dirty="0">
+                <a:solidFill>
+                  <a:srgbClr val="5E5E5E"/>
+                </a:solidFill>
+                <a:latin typeface="Roboto"/>
+              </a:rPr>
+              <a:t> ve </a:t>
+            </a:r>
+            <a:r>
+              <a:rPr lang="en-US" sz="1400" dirty="0" err="1">
+                <a:solidFill>
+                  <a:srgbClr val="5E5E5E"/>
+                </a:solidFill>
+                <a:latin typeface="Roboto"/>
+              </a:rPr>
+              <a:t>projeniz</a:t>
+            </a:r>
+            <a:r>
+              <a:rPr lang="en-US" sz="1400" dirty="0">
+                <a:solidFill>
+                  <a:srgbClr val="5E5E5E"/>
+                </a:solidFill>
+                <a:latin typeface="Roboto"/>
+              </a:rPr>
+              <a:t> </a:t>
+            </a:r>
+            <a:r>
+              <a:rPr lang="en-US" sz="1400" dirty="0" err="1">
+                <a:solidFill>
+                  <a:srgbClr val="5E5E5E"/>
+                </a:solidFill>
+                <a:latin typeface="Roboto"/>
+              </a:rPr>
+              <a:t>içerisinde</a:t>
+            </a:r>
+            <a:r>
+              <a:rPr lang="en-US" sz="1400" dirty="0">
+                <a:solidFill>
+                  <a:srgbClr val="5E5E5E"/>
+                </a:solidFill>
+                <a:latin typeface="Roboto"/>
+              </a:rPr>
+              <a:t> </a:t>
+            </a:r>
+            <a:r>
+              <a:rPr lang="en-US" sz="1400" dirty="0" err="1">
+                <a:solidFill>
+                  <a:srgbClr val="5E5E5E"/>
+                </a:solidFill>
+                <a:latin typeface="Roboto"/>
+              </a:rPr>
+              <a:t>kullanabilmenizi</a:t>
+            </a:r>
+            <a:r>
+              <a:rPr lang="en-US" sz="1400" dirty="0">
+                <a:solidFill>
+                  <a:srgbClr val="5E5E5E"/>
+                </a:solidFill>
+                <a:latin typeface="Roboto"/>
+              </a:rPr>
+              <a:t> </a:t>
+            </a:r>
+            <a:r>
+              <a:rPr lang="en-US" sz="1400" dirty="0" err="1">
+                <a:solidFill>
+                  <a:srgbClr val="5E5E5E"/>
+                </a:solidFill>
+                <a:latin typeface="Roboto"/>
+              </a:rPr>
+              <a:t>sağlar</a:t>
+            </a:r>
+            <a:r>
+              <a:rPr lang="en-US" sz="1400" dirty="0">
+                <a:solidFill>
+                  <a:srgbClr val="5E5E5E"/>
+                </a:solidFill>
+                <a:latin typeface="Roboto"/>
+              </a:rPr>
+              <a:t>. </a:t>
+            </a:r>
+            <a:r>
+              <a:rPr lang="en-US" sz="1400" dirty="0" err="1">
+                <a:solidFill>
+                  <a:srgbClr val="5E5E5E"/>
+                </a:solidFill>
+                <a:latin typeface="Roboto"/>
+              </a:rPr>
+              <a:t>Ayrıca</a:t>
+            </a:r>
+            <a:r>
+              <a:rPr lang="en-US" sz="1400" dirty="0">
+                <a:solidFill>
+                  <a:srgbClr val="5E5E5E"/>
+                </a:solidFill>
+                <a:latin typeface="Roboto"/>
+              </a:rPr>
+              <a:t> </a:t>
+            </a:r>
+            <a:r>
+              <a:rPr lang="en-US" sz="1400" dirty="0" err="1">
+                <a:solidFill>
+                  <a:srgbClr val="5E5E5E"/>
+                </a:solidFill>
+                <a:latin typeface="Roboto"/>
+              </a:rPr>
+              <a:t>bir</a:t>
+            </a:r>
+            <a:r>
+              <a:rPr lang="en-US" sz="1400" dirty="0">
+                <a:solidFill>
+                  <a:srgbClr val="5E5E5E"/>
+                </a:solidFill>
+                <a:latin typeface="Roboto"/>
+              </a:rPr>
+              <a:t> </a:t>
+            </a:r>
+            <a:r>
+              <a:rPr lang="en-US" sz="1400" dirty="0" err="1">
+                <a:solidFill>
+                  <a:srgbClr val="5E5E5E"/>
+                </a:solidFill>
+                <a:latin typeface="Roboto"/>
+              </a:rPr>
+              <a:t>kütüphane</a:t>
+            </a:r>
+            <a:r>
+              <a:rPr lang="en-US" sz="1400" dirty="0">
+                <a:solidFill>
+                  <a:srgbClr val="5E5E5E"/>
+                </a:solidFill>
+                <a:latin typeface="Roboto"/>
+              </a:rPr>
+              <a:t> </a:t>
+            </a:r>
+            <a:r>
+              <a:rPr lang="en-US" sz="1400" dirty="0" err="1">
+                <a:solidFill>
+                  <a:srgbClr val="5E5E5E"/>
+                </a:solidFill>
+                <a:latin typeface="Roboto"/>
+              </a:rPr>
+              <a:t>başka</a:t>
+            </a:r>
+            <a:r>
+              <a:rPr lang="en-US" sz="1400" dirty="0">
+                <a:solidFill>
+                  <a:srgbClr val="5E5E5E"/>
+                </a:solidFill>
+                <a:latin typeface="Roboto"/>
+              </a:rPr>
+              <a:t> </a:t>
+            </a:r>
+            <a:r>
+              <a:rPr lang="en-US" sz="1400" dirty="0" err="1">
+                <a:solidFill>
+                  <a:srgbClr val="5E5E5E"/>
+                </a:solidFill>
+                <a:latin typeface="Roboto"/>
+              </a:rPr>
+              <a:t>kütüphanelere</a:t>
+            </a:r>
+            <a:r>
+              <a:rPr lang="en-US" sz="1400" dirty="0">
+                <a:solidFill>
+                  <a:srgbClr val="5E5E5E"/>
+                </a:solidFill>
+                <a:latin typeface="Roboto"/>
+              </a:rPr>
+              <a:t> </a:t>
+            </a:r>
+            <a:r>
+              <a:rPr lang="en-US" sz="1400" dirty="0" err="1">
+                <a:solidFill>
+                  <a:srgbClr val="5E5E5E"/>
+                </a:solidFill>
+                <a:latin typeface="Roboto"/>
+              </a:rPr>
+              <a:t>bağımlıysa</a:t>
+            </a:r>
+            <a:r>
+              <a:rPr lang="en-US" sz="1400" dirty="0">
+                <a:solidFill>
+                  <a:srgbClr val="5E5E5E"/>
+                </a:solidFill>
+                <a:latin typeface="Roboto"/>
+              </a:rPr>
+              <a:t> </a:t>
+            </a:r>
+            <a:r>
+              <a:rPr lang="en-US" sz="1400" dirty="0" err="1">
+                <a:solidFill>
+                  <a:srgbClr val="5E5E5E"/>
+                </a:solidFill>
+                <a:latin typeface="Roboto"/>
+              </a:rPr>
+              <a:t>bu</a:t>
+            </a:r>
+            <a:r>
+              <a:rPr lang="en-US" sz="1400" dirty="0">
+                <a:solidFill>
+                  <a:srgbClr val="5E5E5E"/>
+                </a:solidFill>
+                <a:latin typeface="Roboto"/>
+              </a:rPr>
+              <a:t> </a:t>
+            </a:r>
+            <a:r>
+              <a:rPr lang="en-US" sz="1400" dirty="0" err="1">
+                <a:solidFill>
+                  <a:srgbClr val="5E5E5E"/>
+                </a:solidFill>
+                <a:latin typeface="Roboto"/>
+              </a:rPr>
+              <a:t>bağımlı</a:t>
+            </a:r>
+            <a:r>
+              <a:rPr lang="en-US" sz="1400" dirty="0">
+                <a:solidFill>
+                  <a:srgbClr val="5E5E5E"/>
+                </a:solidFill>
+                <a:latin typeface="Roboto"/>
+              </a:rPr>
+              <a:t> </a:t>
+            </a:r>
+            <a:r>
+              <a:rPr lang="en-US" sz="1400" dirty="0" err="1">
+                <a:solidFill>
+                  <a:srgbClr val="5E5E5E"/>
+                </a:solidFill>
+                <a:latin typeface="Roboto"/>
+              </a:rPr>
+              <a:t>olduğu</a:t>
+            </a:r>
+            <a:r>
+              <a:rPr lang="en-US" sz="1400" dirty="0">
+                <a:solidFill>
+                  <a:srgbClr val="5E5E5E"/>
+                </a:solidFill>
+                <a:latin typeface="Roboto"/>
+              </a:rPr>
+              <a:t> </a:t>
+            </a:r>
+            <a:r>
+              <a:rPr lang="en-US" sz="1400" dirty="0" err="1">
+                <a:solidFill>
+                  <a:srgbClr val="5E5E5E"/>
+                </a:solidFill>
+                <a:latin typeface="Roboto"/>
+              </a:rPr>
+              <a:t>kütüphaneleri</a:t>
+            </a:r>
+            <a:r>
+              <a:rPr lang="en-US" sz="1400" dirty="0">
+                <a:solidFill>
+                  <a:srgbClr val="5E5E5E"/>
+                </a:solidFill>
+                <a:latin typeface="Roboto"/>
+              </a:rPr>
+              <a:t> de </a:t>
+            </a:r>
+            <a:r>
+              <a:rPr lang="en-US" sz="1400" dirty="0" err="1">
+                <a:solidFill>
+                  <a:srgbClr val="5E5E5E"/>
+                </a:solidFill>
+                <a:latin typeface="Roboto"/>
+              </a:rPr>
+              <a:t>indirir</a:t>
+            </a:r>
+            <a:r>
+              <a:rPr lang="en-US" sz="1400" dirty="0">
+                <a:solidFill>
+                  <a:srgbClr val="5E5E5E"/>
+                </a:solidFill>
+                <a:latin typeface="Roboto"/>
+              </a:rPr>
+              <a:t> ve </a:t>
+            </a:r>
+            <a:r>
+              <a:rPr lang="en-US" sz="1400" dirty="0" err="1">
+                <a:solidFill>
+                  <a:srgbClr val="5E5E5E"/>
+                </a:solidFill>
+                <a:latin typeface="Roboto"/>
+              </a:rPr>
+              <a:t>projenize</a:t>
+            </a:r>
+            <a:r>
+              <a:rPr lang="en-US" sz="1400" dirty="0">
+                <a:solidFill>
+                  <a:srgbClr val="5E5E5E"/>
+                </a:solidFill>
+                <a:latin typeface="Roboto"/>
+              </a:rPr>
+              <a:t> </a:t>
+            </a:r>
+            <a:r>
+              <a:rPr lang="en-US" sz="1400" dirty="0" err="1">
+                <a:solidFill>
+                  <a:srgbClr val="5E5E5E"/>
+                </a:solidFill>
+                <a:latin typeface="Roboto"/>
+              </a:rPr>
+              <a:t>ekler</a:t>
+            </a:r>
+            <a:r>
+              <a:rPr lang="en-US" sz="1400" dirty="0">
+                <a:solidFill>
+                  <a:srgbClr val="5E5E5E"/>
+                </a:solidFill>
+                <a:latin typeface="Roboto"/>
+              </a:rPr>
+              <a:t>.</a:t>
+            </a:r>
+            <a:endParaRPr lang="en-US" sz="1400" dirty="0"/>
+          </a:p>
+        </p:txBody>
+      </p:sp>
+      <p:sp>
+        <p:nvSpPr>
+          <p:cNvPr id="2" name="Rectangle 1"/>
+          <p:cNvSpPr/>
+          <p:nvPr/>
+        </p:nvSpPr>
+        <p:spPr>
+          <a:xfrm>
+            <a:off x="6401513" y="4249074"/>
+            <a:ext cx="4763311" cy="954107"/>
+          </a:xfrm>
+          <a:prstGeom prst="rect">
+            <a:avLst/>
+          </a:prstGeom>
+          <a:solidFill>
+            <a:schemeClr val="accent4">
+              <a:lumMod val="20000"/>
+              <a:lumOff val="80000"/>
+            </a:schemeClr>
+          </a:solidFill>
+        </p:spPr>
+        <p:txBody>
+          <a:bodyPr wrap="square">
+            <a:spAutoFit/>
+          </a:bodyPr>
+          <a:lstStyle/>
+          <a:p>
+            <a:r>
+              <a:rPr lang="en-US" sz="1400" b="1" dirty="0" err="1">
+                <a:solidFill>
+                  <a:srgbClr val="5E5E5E"/>
+                </a:solidFill>
+                <a:latin typeface="Roboto"/>
+              </a:rPr>
+              <a:t>Sürüm</a:t>
+            </a:r>
+            <a:r>
+              <a:rPr lang="en-US" sz="1400" b="1" dirty="0">
+                <a:solidFill>
+                  <a:srgbClr val="5E5E5E"/>
+                </a:solidFill>
+                <a:latin typeface="Roboto"/>
+              </a:rPr>
+              <a:t> </a:t>
+            </a:r>
+            <a:r>
+              <a:rPr lang="en-US" sz="1400" b="1" dirty="0" err="1">
+                <a:solidFill>
+                  <a:srgbClr val="5E5E5E"/>
+                </a:solidFill>
+                <a:latin typeface="Roboto"/>
+              </a:rPr>
+              <a:t>yönetimi</a:t>
+            </a:r>
+            <a:r>
+              <a:rPr lang="en-US" sz="1400" b="1" dirty="0">
+                <a:solidFill>
+                  <a:srgbClr val="5E5E5E"/>
+                </a:solidFill>
+                <a:latin typeface="Roboto"/>
+              </a:rPr>
+              <a:t>, </a:t>
+            </a:r>
+            <a:r>
+              <a:rPr lang="en-US" sz="1400" dirty="0">
+                <a:solidFill>
+                  <a:srgbClr val="5E5E5E"/>
+                </a:solidFill>
+                <a:latin typeface="Roboto"/>
+              </a:rPr>
+              <a:t>her </a:t>
+            </a:r>
+            <a:r>
+              <a:rPr lang="en-US" sz="1400" b="1" dirty="0">
+                <a:solidFill>
+                  <a:srgbClr val="5E5E5E"/>
+                </a:solidFill>
+                <a:latin typeface="Roboto"/>
+              </a:rPr>
+              <a:t>Maven</a:t>
+            </a:r>
+            <a:r>
+              <a:rPr lang="en-US" sz="1400" dirty="0">
+                <a:solidFill>
+                  <a:srgbClr val="5E5E5E"/>
+                </a:solidFill>
+                <a:latin typeface="Roboto"/>
+              </a:rPr>
+              <a:t> </a:t>
+            </a:r>
+            <a:r>
+              <a:rPr lang="en-US" sz="1400" dirty="0" err="1">
+                <a:solidFill>
+                  <a:srgbClr val="5E5E5E"/>
+                </a:solidFill>
+                <a:latin typeface="Roboto"/>
+              </a:rPr>
+              <a:t>projesinin</a:t>
+            </a:r>
+            <a:r>
+              <a:rPr lang="en-US" sz="1400" dirty="0">
+                <a:solidFill>
+                  <a:srgbClr val="5E5E5E"/>
+                </a:solidFill>
+                <a:latin typeface="Roboto"/>
+              </a:rPr>
+              <a:t> </a:t>
+            </a:r>
+            <a:r>
+              <a:rPr lang="en-US" sz="1400" dirty="0" err="1">
+                <a:solidFill>
+                  <a:srgbClr val="5E5E5E"/>
+                </a:solidFill>
+                <a:latin typeface="Roboto"/>
+              </a:rPr>
+              <a:t>bir</a:t>
+            </a:r>
+            <a:r>
+              <a:rPr lang="en-US" sz="1400" dirty="0">
+                <a:solidFill>
+                  <a:srgbClr val="5E5E5E"/>
+                </a:solidFill>
+                <a:latin typeface="Roboto"/>
+              </a:rPr>
+              <a:t> </a:t>
+            </a:r>
+            <a:r>
+              <a:rPr lang="en-US" sz="1400" b="1" dirty="0" err="1">
+                <a:solidFill>
+                  <a:srgbClr val="5E5E5E"/>
+                </a:solidFill>
+                <a:latin typeface="Roboto"/>
+              </a:rPr>
+              <a:t>grup</a:t>
+            </a:r>
+            <a:r>
+              <a:rPr lang="en-US" sz="1400" b="1" dirty="0">
+                <a:solidFill>
+                  <a:srgbClr val="5E5E5E"/>
+                </a:solidFill>
+                <a:latin typeface="Roboto"/>
+              </a:rPr>
+              <a:t> id</a:t>
+            </a:r>
+            <a:r>
+              <a:rPr lang="en-US" sz="1400" dirty="0">
+                <a:solidFill>
+                  <a:srgbClr val="5E5E5E"/>
+                </a:solidFill>
+                <a:latin typeface="Roboto"/>
+              </a:rPr>
+              <a:t> ‘</a:t>
+            </a:r>
+            <a:r>
+              <a:rPr lang="en-US" sz="1400" dirty="0" err="1">
+                <a:solidFill>
+                  <a:srgbClr val="5E5E5E"/>
+                </a:solidFill>
+                <a:latin typeface="Roboto"/>
+              </a:rPr>
+              <a:t>si</a:t>
+            </a:r>
+            <a:r>
+              <a:rPr lang="en-US" sz="1400" dirty="0">
+                <a:solidFill>
+                  <a:srgbClr val="5E5E5E"/>
+                </a:solidFill>
+                <a:latin typeface="Roboto"/>
+              </a:rPr>
+              <a:t>, </a:t>
+            </a:r>
+            <a:r>
+              <a:rPr lang="en-US" sz="1400" dirty="0" err="1">
+                <a:solidFill>
+                  <a:srgbClr val="5E5E5E"/>
+                </a:solidFill>
+                <a:latin typeface="Roboto"/>
+              </a:rPr>
+              <a:t>bir</a:t>
+            </a:r>
+            <a:r>
+              <a:rPr lang="en-US" sz="1400" dirty="0">
+                <a:solidFill>
+                  <a:srgbClr val="5E5E5E"/>
+                </a:solidFill>
+                <a:latin typeface="Roboto"/>
+              </a:rPr>
+              <a:t> </a:t>
+            </a:r>
+            <a:r>
+              <a:rPr lang="en-US" sz="1400" b="1" dirty="0" err="1">
+                <a:solidFill>
+                  <a:srgbClr val="5E5E5E"/>
+                </a:solidFill>
+                <a:latin typeface="Roboto"/>
+              </a:rPr>
+              <a:t>yapı</a:t>
+            </a:r>
+            <a:r>
+              <a:rPr lang="en-US" sz="1400" b="1" dirty="0">
+                <a:solidFill>
+                  <a:srgbClr val="5E5E5E"/>
+                </a:solidFill>
+                <a:latin typeface="Roboto"/>
+              </a:rPr>
+              <a:t> id</a:t>
+            </a:r>
+            <a:r>
+              <a:rPr lang="en-US" sz="1400" dirty="0">
+                <a:solidFill>
+                  <a:srgbClr val="5E5E5E"/>
+                </a:solidFill>
+                <a:latin typeface="Roboto"/>
+              </a:rPr>
+              <a:t> ‘</a:t>
+            </a:r>
+            <a:r>
+              <a:rPr lang="en-US" sz="1400" dirty="0" err="1">
+                <a:solidFill>
+                  <a:srgbClr val="5E5E5E"/>
+                </a:solidFill>
+                <a:latin typeface="Roboto"/>
+              </a:rPr>
+              <a:t>si</a:t>
+            </a:r>
+            <a:r>
+              <a:rPr lang="en-US" sz="1400" dirty="0">
+                <a:solidFill>
+                  <a:srgbClr val="5E5E5E"/>
+                </a:solidFill>
+                <a:latin typeface="Roboto"/>
+              </a:rPr>
+              <a:t> ve </a:t>
+            </a:r>
+            <a:r>
+              <a:rPr lang="en-US" sz="1400" dirty="0" err="1">
+                <a:solidFill>
+                  <a:srgbClr val="5E5E5E"/>
+                </a:solidFill>
+                <a:latin typeface="Roboto"/>
+              </a:rPr>
+              <a:t>bir</a:t>
+            </a:r>
+            <a:r>
+              <a:rPr lang="en-US" sz="1400" dirty="0">
+                <a:solidFill>
+                  <a:srgbClr val="5E5E5E"/>
+                </a:solidFill>
+                <a:latin typeface="Roboto"/>
+              </a:rPr>
+              <a:t> de </a:t>
+            </a:r>
+            <a:r>
+              <a:rPr lang="en-US" sz="1400" b="1" dirty="0" err="1">
+                <a:solidFill>
+                  <a:srgbClr val="5E5E5E"/>
+                </a:solidFill>
+                <a:latin typeface="Roboto"/>
+              </a:rPr>
+              <a:t>sürüm</a:t>
+            </a:r>
+            <a:r>
+              <a:rPr lang="en-US" sz="1400" b="1" dirty="0">
+                <a:solidFill>
+                  <a:srgbClr val="5E5E5E"/>
+                </a:solidFill>
+                <a:latin typeface="Roboto"/>
+              </a:rPr>
+              <a:t> </a:t>
+            </a:r>
+            <a:r>
+              <a:rPr lang="en-US" sz="1400" b="1" dirty="0" err="1">
+                <a:solidFill>
+                  <a:srgbClr val="5E5E5E"/>
+                </a:solidFill>
+                <a:latin typeface="Roboto"/>
+              </a:rPr>
+              <a:t>numarası</a:t>
+            </a:r>
+            <a:r>
+              <a:rPr lang="en-US" sz="1400" dirty="0" err="1">
+                <a:solidFill>
+                  <a:srgbClr val="5E5E5E"/>
+                </a:solidFill>
+                <a:latin typeface="Roboto"/>
+              </a:rPr>
+              <a:t>vardır</a:t>
+            </a:r>
+            <a:r>
+              <a:rPr lang="en-US" sz="1400" dirty="0">
+                <a:solidFill>
+                  <a:srgbClr val="5E5E5E"/>
+                </a:solidFill>
+                <a:latin typeface="Roboto"/>
+              </a:rPr>
+              <a:t>. </a:t>
+            </a:r>
+            <a:r>
+              <a:rPr lang="en-US" sz="1400" dirty="0" err="1">
+                <a:solidFill>
+                  <a:srgbClr val="5E5E5E"/>
+                </a:solidFill>
+                <a:latin typeface="Roboto"/>
+              </a:rPr>
+              <a:t>Projenin</a:t>
+            </a:r>
+            <a:r>
+              <a:rPr lang="en-US" sz="1400" dirty="0">
+                <a:solidFill>
+                  <a:srgbClr val="5E5E5E"/>
+                </a:solidFill>
+                <a:latin typeface="Roboto"/>
+              </a:rPr>
+              <a:t> </a:t>
+            </a:r>
+            <a:r>
+              <a:rPr lang="en-US" sz="1400" dirty="0" err="1">
+                <a:solidFill>
+                  <a:srgbClr val="5E5E5E"/>
+                </a:solidFill>
+                <a:latin typeface="Roboto"/>
+              </a:rPr>
+              <a:t>farklı</a:t>
+            </a:r>
+            <a:r>
+              <a:rPr lang="en-US" sz="1400" dirty="0">
+                <a:solidFill>
+                  <a:srgbClr val="5E5E5E"/>
+                </a:solidFill>
+                <a:latin typeface="Roboto"/>
+              </a:rPr>
+              <a:t> </a:t>
+            </a:r>
+            <a:r>
+              <a:rPr lang="en-US" sz="1400" dirty="0" err="1">
+                <a:solidFill>
+                  <a:srgbClr val="5E5E5E"/>
+                </a:solidFill>
+                <a:latin typeface="Roboto"/>
+              </a:rPr>
+              <a:t>sürümlerini</a:t>
+            </a:r>
+            <a:r>
+              <a:rPr lang="en-US" sz="1400" dirty="0">
+                <a:solidFill>
+                  <a:srgbClr val="5E5E5E"/>
+                </a:solidFill>
+                <a:latin typeface="Roboto"/>
+              </a:rPr>
+              <a:t> </a:t>
+            </a:r>
+            <a:r>
+              <a:rPr lang="en-US" sz="1400" dirty="0" err="1">
+                <a:solidFill>
+                  <a:srgbClr val="5E5E5E"/>
+                </a:solidFill>
+                <a:latin typeface="Roboto"/>
+              </a:rPr>
+              <a:t>saklayabilir</a:t>
+            </a:r>
+            <a:r>
+              <a:rPr lang="en-US" sz="1400" dirty="0">
+                <a:solidFill>
+                  <a:srgbClr val="5E5E5E"/>
+                </a:solidFill>
+                <a:latin typeface="Roboto"/>
+              </a:rPr>
+              <a:t> ve </a:t>
+            </a:r>
+            <a:r>
+              <a:rPr lang="en-US" sz="1400" dirty="0" err="1">
+                <a:solidFill>
+                  <a:srgbClr val="5E5E5E"/>
+                </a:solidFill>
+                <a:latin typeface="Roboto"/>
+              </a:rPr>
+              <a:t>bunları</a:t>
+            </a:r>
+            <a:r>
+              <a:rPr lang="en-US" sz="1400" dirty="0">
+                <a:solidFill>
+                  <a:srgbClr val="5E5E5E"/>
+                </a:solidFill>
+                <a:latin typeface="Roboto"/>
+              </a:rPr>
+              <a:t> </a:t>
+            </a:r>
+            <a:r>
+              <a:rPr lang="en-US" sz="1400" dirty="0" err="1">
+                <a:solidFill>
+                  <a:srgbClr val="5E5E5E"/>
+                </a:solidFill>
+                <a:latin typeface="Roboto"/>
+              </a:rPr>
+              <a:t>daha</a:t>
+            </a:r>
+            <a:r>
+              <a:rPr lang="en-US" sz="1400" dirty="0">
+                <a:solidFill>
+                  <a:srgbClr val="5E5E5E"/>
+                </a:solidFill>
+                <a:latin typeface="Roboto"/>
+              </a:rPr>
+              <a:t> </a:t>
+            </a:r>
+            <a:r>
+              <a:rPr lang="en-US" sz="1400" dirty="0" err="1">
+                <a:solidFill>
+                  <a:srgbClr val="5E5E5E"/>
+                </a:solidFill>
+                <a:latin typeface="Roboto"/>
+              </a:rPr>
+              <a:t>sonra</a:t>
+            </a:r>
+            <a:r>
+              <a:rPr lang="en-US" sz="1400" dirty="0">
+                <a:solidFill>
+                  <a:srgbClr val="5E5E5E"/>
+                </a:solidFill>
+                <a:latin typeface="Roboto"/>
+              </a:rPr>
+              <a:t> </a:t>
+            </a:r>
+            <a:r>
+              <a:rPr lang="en-US" sz="1400" dirty="0" err="1">
+                <a:solidFill>
+                  <a:srgbClr val="5E5E5E"/>
+                </a:solidFill>
+                <a:latin typeface="Roboto"/>
+              </a:rPr>
+              <a:t>yeni</a:t>
+            </a:r>
+            <a:r>
+              <a:rPr lang="en-US" sz="1400" dirty="0">
+                <a:solidFill>
+                  <a:srgbClr val="5E5E5E"/>
+                </a:solidFill>
+                <a:latin typeface="Roboto"/>
+              </a:rPr>
+              <a:t> </a:t>
+            </a:r>
+            <a:r>
+              <a:rPr lang="en-US" sz="1400" dirty="0" err="1">
+                <a:solidFill>
+                  <a:srgbClr val="5E5E5E"/>
+                </a:solidFill>
+                <a:latin typeface="Roboto"/>
+              </a:rPr>
+              <a:t>projelerde</a:t>
+            </a:r>
+            <a:r>
+              <a:rPr lang="en-US" sz="1400" dirty="0">
+                <a:solidFill>
+                  <a:srgbClr val="5E5E5E"/>
+                </a:solidFill>
+                <a:latin typeface="Roboto"/>
+              </a:rPr>
+              <a:t> </a:t>
+            </a:r>
+            <a:r>
+              <a:rPr lang="en-US" sz="1400" dirty="0" err="1">
+                <a:solidFill>
+                  <a:srgbClr val="5E5E5E"/>
+                </a:solidFill>
+                <a:latin typeface="Roboto"/>
+              </a:rPr>
+              <a:t>kullanabiliriz</a:t>
+            </a:r>
+            <a:r>
+              <a:rPr lang="en-US" sz="1400" dirty="0">
+                <a:solidFill>
+                  <a:srgbClr val="5E5E5E"/>
+                </a:solidFill>
+                <a:latin typeface="Roboto"/>
+              </a:rPr>
+              <a:t>.</a:t>
+            </a:r>
+            <a:endParaRPr lang="en-US" sz="1400" dirty="0"/>
           </a:p>
         </p:txBody>
       </p:sp>
     </p:spTree>
     <p:extLst>
       <p:ext uri="{BB962C8B-B14F-4D97-AF65-F5344CB8AC3E}">
-        <p14:creationId xmlns:p14="http://schemas.microsoft.com/office/powerpoint/2010/main" val="2706264057"/>
+        <p14:creationId xmlns:p14="http://schemas.microsoft.com/office/powerpoint/2010/main" val="3284095918"/>
       </p:ext>
     </p:extLst>
   </p:cSld>
@@ -4796,65 +11322,57 @@
         </p:nvSpPr>
         <p:spPr/>
         <p:txBody>
-          <a:bodyPr>
-            <a:normAutofit/>
-          </a:bodyPr>
+          <a:bodyPr/>
           <a:lstStyle/>
           <a:p>
             <a:r>
-              <a:rPr lang="tr-TR" sz="7200" b="1" dirty="0" smtClean="0"/>
-              <a:t>Git</a:t>
-            </a:r>
-            <a:endParaRPr lang="en-US" sz="7200" b="1" dirty="0"/>
+              <a:rPr lang="tr-TR" b="1" dirty="0" smtClean="0">
+                <a:solidFill>
+                  <a:srgbClr val="002060"/>
+                </a:solidFill>
+                <a:latin typeface="Arial" panose="020B0604020202020204" pitchFamily="34" charset="0"/>
+                <a:cs typeface="Arial" panose="020B0604020202020204" pitchFamily="34" charset="0"/>
+              </a:rPr>
+              <a:t>Örnek: Parent</a:t>
+            </a:r>
+            <a:endParaRPr lang="en-US" dirty="0"/>
           </a:p>
         </p:txBody>
       </p:sp>
-      <p:sp>
-        <p:nvSpPr>
-          <p:cNvPr id="3" name="Text Placeholder 2"/>
-          <p:cNvSpPr>
-            <a:spLocks noGrp="1"/>
-          </p:cNvSpPr>
-          <p:nvPr>
-            <p:ph type="body" idx="1"/>
-          </p:nvPr>
-        </p:nvSpPr>
-        <p:spPr/>
-        <p:txBody>
-          <a:bodyPr>
-            <a:normAutofit/>
-          </a:bodyPr>
-          <a:lstStyle/>
-          <a:p>
-            <a:pPr marL="571500" indent="-571500">
-              <a:buFont typeface="Courier New" panose="02070309020205020404" pitchFamily="49" charset="0"/>
-              <a:buChar char="o"/>
-            </a:pPr>
-            <a:r>
-              <a:rPr lang="tr-TR" sz="3600" dirty="0" smtClean="0"/>
-              <a:t>Git nedir?</a:t>
-            </a:r>
-            <a:endParaRPr lang="en-US" sz="3600" dirty="0"/>
-          </a:p>
-        </p:txBody>
-      </p:sp>
+      <p:pic>
+        <p:nvPicPr>
+          <p:cNvPr id="5" name="Picture 4"/>
+          <p:cNvPicPr>
+            <a:picLocks noChangeAspect="1"/>
+          </p:cNvPicPr>
+          <p:nvPr/>
+        </p:nvPicPr>
+        <p:blipFill>
+          <a:blip r:embed="rId2"/>
+          <a:stretch>
+            <a:fillRect/>
+          </a:stretch>
+        </p:blipFill>
+        <p:spPr>
+          <a:xfrm>
+            <a:off x="1027176" y="2087860"/>
+            <a:ext cx="10326624" cy="3243834"/>
+          </a:xfrm>
+          <a:prstGeom prst="rect">
+            <a:avLst/>
+          </a:prstGeom>
+        </p:spPr>
+      </p:pic>
     </p:spTree>
     <p:extLst>
       <p:ext uri="{BB962C8B-B14F-4D97-AF65-F5344CB8AC3E}">
-        <p14:creationId xmlns:p14="http://schemas.microsoft.com/office/powerpoint/2010/main" val="776953048"/>
+        <p14:creationId xmlns:p14="http://schemas.microsoft.com/office/powerpoint/2010/main" val="3038978960"/>
       </p:ext>
     </p:extLst>
   </p:cSld>
   <p:clrMapOvr>
     <a:masterClrMapping/>
   </p:clrMapOvr>
-  <p:timing>
-    <p:tnLst>
-      <p:par>
-        <p:cTn id="1" dur="indefinite" restart="never" nodeType="tmRoot"/>
-      </p:par>
-    </p:tnLst>
-  </p:timing>
 </p:sld>
 </file>
 
@@ -4877,7 +11395,7 @@
       </p:grpSpPr>
       <p:sp>
         <p:nvSpPr>
-          <p:cNvPr id="4" name="Title 3"/>
+          <p:cNvPr id="2" name="Title 1"/>
           <p:cNvSpPr>
             <a:spLocks noGrp="1"/>
           </p:cNvSpPr>
@@ -4887,103 +11405,576 @@
         </p:nvSpPr>
         <p:spPr/>
         <p:txBody>
-          <a:bodyPr>
-            <a:normAutofit/>
+          <a:bodyPr/>
+          <a:lstStyle/>
+          <a:p>
+            <a:r>
+              <a:rPr lang="tr-TR" b="1" dirty="0" smtClean="0">
+                <a:solidFill>
+                  <a:srgbClr val="002060"/>
+                </a:solidFill>
+                <a:latin typeface="Arial" panose="020B0604020202020204" pitchFamily="34" charset="0"/>
+                <a:cs typeface="Arial" panose="020B0604020202020204" pitchFamily="34" charset="0"/>
+              </a:rPr>
+              <a:t>Örnek: Modül</a:t>
+            </a:r>
+            <a:endParaRPr lang="en-US" dirty="0"/>
+          </a:p>
+        </p:txBody>
+      </p:sp>
+      <p:pic>
+        <p:nvPicPr>
+          <p:cNvPr id="4" name="Picture 3"/>
+          <p:cNvPicPr>
+            <a:picLocks noChangeAspect="1"/>
+          </p:cNvPicPr>
+          <p:nvPr/>
+        </p:nvPicPr>
+        <p:blipFill>
+          <a:blip r:embed="rId2"/>
+          <a:stretch>
+            <a:fillRect/>
+          </a:stretch>
+        </p:blipFill>
+        <p:spPr>
+          <a:xfrm>
+            <a:off x="4532111" y="1167319"/>
+            <a:ext cx="7447908" cy="5517913"/>
+          </a:xfrm>
+          <a:prstGeom prst="rect">
+            <a:avLst/>
+          </a:prstGeom>
+        </p:spPr>
+      </p:pic>
+      <p:sp>
+        <p:nvSpPr>
+          <p:cNvPr id="6" name="Rectangle 5"/>
+          <p:cNvSpPr/>
+          <p:nvPr/>
+        </p:nvSpPr>
+        <p:spPr>
+          <a:xfrm>
+            <a:off x="5048655" y="2422187"/>
+            <a:ext cx="3803515" cy="1147864"/>
+          </a:xfrm>
+          <a:prstGeom prst="rect">
+            <a:avLst/>
+          </a:prstGeom>
+          <a:noFill/>
+        </p:spPr>
+        <p:style>
+          <a:lnRef idx="2">
+            <a:schemeClr val="accent1">
+              <a:shade val="50000"/>
+            </a:schemeClr>
+          </a:lnRef>
+          <a:fillRef idx="1">
+            <a:schemeClr val="accent1"/>
+          </a:fillRef>
+          <a:effectRef idx="0">
+            <a:schemeClr val="accent1"/>
+          </a:effectRef>
+          <a:fontRef idx="minor">
+            <a:schemeClr val="lt1"/>
+          </a:fontRef>
+        </p:style>
+        <p:txBody>
+          <a:bodyPr rtlCol="0" anchor="ctr"/>
+          <a:lstStyle/>
+          <a:p>
+            <a:pPr algn="ctr"/>
+            <a:endParaRPr lang="en-US"/>
+          </a:p>
+        </p:txBody>
+      </p:sp>
+      <p:cxnSp>
+        <p:nvCxnSpPr>
+          <p:cNvPr id="8" name="Straight Arrow Connector 7"/>
+          <p:cNvCxnSpPr/>
+          <p:nvPr/>
+        </p:nvCxnSpPr>
+        <p:spPr>
+          <a:xfrm>
+            <a:off x="8852170" y="2996119"/>
+            <a:ext cx="1381327" cy="0"/>
+          </a:xfrm>
+          <a:prstGeom prst="straightConnector1">
+            <a:avLst/>
+          </a:prstGeom>
+          <a:ln>
+            <a:tailEnd type="triangle"/>
+          </a:ln>
+        </p:spPr>
+        <p:style>
+          <a:lnRef idx="1">
+            <a:schemeClr val="accent1"/>
+          </a:lnRef>
+          <a:fillRef idx="0">
+            <a:schemeClr val="accent1"/>
+          </a:fillRef>
+          <a:effectRef idx="0">
+            <a:schemeClr val="accent1"/>
+          </a:effectRef>
+          <a:fontRef idx="minor">
+            <a:schemeClr val="tx1"/>
+          </a:fontRef>
+        </p:style>
+      </p:cxnSp>
+      <p:sp>
+        <p:nvSpPr>
+          <p:cNvPr id="9" name="Rectangle 8"/>
+          <p:cNvSpPr/>
+          <p:nvPr/>
+        </p:nvSpPr>
+        <p:spPr>
+          <a:xfrm>
+            <a:off x="10412856" y="2486454"/>
+            <a:ext cx="1387804" cy="1200329"/>
+          </a:xfrm>
+          <a:prstGeom prst="rect">
+            <a:avLst/>
+          </a:prstGeom>
+        </p:spPr>
+        <p:txBody>
+          <a:bodyPr wrap="square">
+            <a:spAutoFit/>
           </a:bodyPr>
           <a:lstStyle/>
           <a:p>
             <a:r>
-              <a:rPr lang="tr-TR" sz="3600" b="1" dirty="0" smtClean="0">
-                <a:solidFill>
-                  <a:srgbClr val="002060"/>
-                </a:solidFill>
-                <a:latin typeface="Arial" panose="020B0604020202020204" pitchFamily="34" charset="0"/>
-                <a:cs typeface="Arial" panose="020B0604020202020204" pitchFamily="34" charset="0"/>
-              </a:rPr>
-              <a:t>Git Nedir</a:t>
-            </a:r>
-            <a:r>
-              <a:rPr lang="tr-TR" sz="3600" b="1" dirty="0" smtClean="0">
-                <a:solidFill>
-                  <a:srgbClr val="002060"/>
-                </a:solidFill>
-                <a:latin typeface="Arial" panose="020B0604020202020204" pitchFamily="34" charset="0"/>
-                <a:cs typeface="Arial" panose="020B0604020202020204" pitchFamily="34" charset="0"/>
-              </a:rPr>
-              <a:t>?</a:t>
-            </a:r>
-            <a:endParaRPr lang="en-US" sz="3600" b="1" dirty="0">
-              <a:solidFill>
-                <a:srgbClr val="002060"/>
-              </a:solidFill>
-              <a:latin typeface="Arial" panose="020B0604020202020204" pitchFamily="34" charset="0"/>
-              <a:cs typeface="Arial" panose="020B0604020202020204" pitchFamily="34" charset="0"/>
-            </a:endParaRPr>
+              <a:rPr lang="tr-TR" dirty="0" err="1" smtClean="0"/>
+              <a:t>Ö</a:t>
+            </a:r>
+            <a:r>
+              <a:rPr lang="en-US" dirty="0" err="1" smtClean="0"/>
+              <a:t>nceki</a:t>
+            </a:r>
+            <a:r>
+              <a:rPr lang="en-US" dirty="0" smtClean="0"/>
+              <a:t> </a:t>
+            </a:r>
+            <a:r>
+              <a:rPr lang="en-US" dirty="0" err="1"/>
+              <a:t>slaytta</a:t>
+            </a:r>
+            <a:r>
+              <a:rPr lang="en-US" dirty="0"/>
+              <a:t> </a:t>
+            </a:r>
+            <a:r>
+              <a:rPr lang="en-US" dirty="0" err="1"/>
+              <a:t>tanımlanan</a:t>
+            </a:r>
+            <a:r>
+              <a:rPr lang="en-US" dirty="0"/>
+              <a:t> parent</a:t>
+            </a:r>
           </a:p>
         </p:txBody>
       </p:sp>
       <p:sp>
         <p:nvSpPr>
-          <p:cNvPr id="2" name="Content Placeholder 1"/>
-          <p:cNvSpPr>
-            <a:spLocks noGrp="1"/>
-          </p:cNvSpPr>
-          <p:nvPr>
-            <p:ph idx="1"/>
-          </p:nvPr>
+          <p:cNvPr id="10" name="Rectangle 9"/>
+          <p:cNvSpPr/>
+          <p:nvPr/>
         </p:nvSpPr>
-        <p:spPr/>
+        <p:spPr>
+          <a:xfrm>
+            <a:off x="5048655" y="3686783"/>
+            <a:ext cx="2422188" cy="369651"/>
+          </a:xfrm>
+          <a:prstGeom prst="rect">
+            <a:avLst/>
+          </a:prstGeom>
+          <a:noFill/>
+        </p:spPr>
+        <p:style>
+          <a:lnRef idx="2">
+            <a:schemeClr val="accent1">
+              <a:shade val="50000"/>
+            </a:schemeClr>
+          </a:lnRef>
+          <a:fillRef idx="1">
+            <a:schemeClr val="accent1"/>
+          </a:fillRef>
+          <a:effectRef idx="0">
+            <a:schemeClr val="accent1"/>
+          </a:effectRef>
+          <a:fontRef idx="minor">
+            <a:schemeClr val="lt1"/>
+          </a:fontRef>
+        </p:style>
         <p:txBody>
-          <a:bodyPr/>
+          <a:bodyPr rtlCol="0" anchor="ctr"/>
           <a:lstStyle/>
           <a:p>
+            <a:pPr algn="ctr"/>
+            <a:endParaRPr lang="en-US"/>
+          </a:p>
+        </p:txBody>
+      </p:sp>
+      <p:cxnSp>
+        <p:nvCxnSpPr>
+          <p:cNvPr id="12" name="Straight Arrow Connector 11"/>
+          <p:cNvCxnSpPr/>
+          <p:nvPr/>
+        </p:nvCxnSpPr>
+        <p:spPr>
+          <a:xfrm>
+            <a:off x="7470843" y="3825771"/>
+            <a:ext cx="1799617" cy="230663"/>
+          </a:xfrm>
+          <a:prstGeom prst="straightConnector1">
+            <a:avLst/>
+          </a:prstGeom>
+          <a:ln>
+            <a:tailEnd type="triangle"/>
+          </a:ln>
+        </p:spPr>
+        <p:style>
+          <a:lnRef idx="1">
+            <a:schemeClr val="accent1"/>
+          </a:lnRef>
+          <a:fillRef idx="0">
+            <a:schemeClr val="accent1"/>
+          </a:fillRef>
+          <a:effectRef idx="0">
+            <a:schemeClr val="accent1"/>
+          </a:effectRef>
+          <a:fontRef idx="minor">
+            <a:schemeClr val="tx1"/>
+          </a:fontRef>
+        </p:style>
+      </p:cxnSp>
+      <p:sp>
+        <p:nvSpPr>
+          <p:cNvPr id="17" name="Rectangle 16"/>
+          <p:cNvSpPr/>
+          <p:nvPr/>
+        </p:nvSpPr>
+        <p:spPr>
+          <a:xfrm>
+            <a:off x="9359025" y="3990531"/>
+            <a:ext cx="2620993" cy="1477328"/>
+          </a:xfrm>
+          <a:prstGeom prst="rect">
+            <a:avLst/>
+          </a:prstGeom>
+        </p:spPr>
+        <p:txBody>
+          <a:bodyPr wrap="square">
+            <a:spAutoFit/>
+          </a:bodyPr>
+          <a:lstStyle/>
+          <a:p>
             <a:r>
               <a:rPr lang="tr-TR" dirty="0" smtClean="0"/>
-              <a:t>Kaynaklar</a:t>
-            </a:r>
-          </a:p>
-          <a:p>
-            <a:pPr lvl="1"/>
-            <a:r>
-              <a:rPr lang="en-US" dirty="0">
-                <a:hlinkClick r:id="rId2"/>
-              </a:rPr>
-              <a:t>https://</a:t>
-            </a:r>
-            <a:r>
-              <a:rPr lang="en-US" dirty="0" smtClean="0">
-                <a:hlinkClick r:id="rId2"/>
-              </a:rPr>
-              <a:t>www.gitbook.com/book/aliozgur/git101/details</a:t>
-            </a:r>
-            <a:endParaRPr lang="tr-TR" dirty="0" smtClean="0">
-              <a:hlinkClick r:id="rId2"/>
-            </a:endParaRPr>
-          </a:p>
-          <a:p>
-            <a:pPr lvl="1"/>
-            <a:r>
-              <a:rPr lang="en-US" dirty="0" smtClean="0">
-                <a:hlinkClick r:id="rId2"/>
-              </a:rPr>
-              <a:t>https</a:t>
-            </a:r>
-            <a:r>
-              <a:rPr lang="en-US" dirty="0">
-                <a:hlinkClick r:id="rId2"/>
-              </a:rPr>
-              <a:t>://</a:t>
-            </a:r>
-            <a:r>
-              <a:rPr lang="en-US" dirty="0" smtClean="0">
-                <a:hlinkClick r:id="rId2"/>
-              </a:rPr>
-              <a:t>www.gitbook.com/book/vigo/git-puf-noktalari/details</a:t>
-            </a:r>
-            <a:endParaRPr lang="tr-TR" dirty="0" smtClean="0"/>
-          </a:p>
-          <a:p>
-            <a:pPr lvl="1"/>
+              <a:t>Parent’tan hiyerarşik olarak miras alan alt modül = artifact</a:t>
+            </a:r>
+          </a:p>
+          <a:p>
+            <a:r>
+              <a:rPr lang="tr-TR" dirty="0" smtClean="0"/>
+              <a:t>- Parent ile aynı grup ve versiyona sahip olur</a:t>
+            </a:r>
+            <a:endParaRPr lang="en-US" dirty="0"/>
+          </a:p>
+        </p:txBody>
+      </p:sp>
+      <p:pic>
+        <p:nvPicPr>
+          <p:cNvPr id="18" name="Picture 17"/>
+          <p:cNvPicPr>
+            <a:picLocks noChangeAspect="1"/>
+          </p:cNvPicPr>
+          <p:nvPr/>
+        </p:nvPicPr>
+        <p:blipFill>
+          <a:blip r:embed="rId3"/>
+          <a:stretch>
+            <a:fillRect/>
+          </a:stretch>
+        </p:blipFill>
+        <p:spPr>
+          <a:xfrm>
+            <a:off x="382064" y="2245974"/>
+            <a:ext cx="2419350" cy="352425"/>
+          </a:xfrm>
+          <a:prstGeom prst="rect">
+            <a:avLst/>
+          </a:prstGeom>
+        </p:spPr>
+      </p:pic>
+      <p:pic>
+        <p:nvPicPr>
+          <p:cNvPr id="19" name="Picture 18"/>
+          <p:cNvPicPr>
+            <a:picLocks noChangeAspect="1"/>
+          </p:cNvPicPr>
+          <p:nvPr/>
+        </p:nvPicPr>
+        <p:blipFill>
+          <a:blip r:embed="rId4"/>
+          <a:stretch>
+            <a:fillRect/>
+          </a:stretch>
+        </p:blipFill>
+        <p:spPr>
+          <a:xfrm>
+            <a:off x="722988" y="2692972"/>
+            <a:ext cx="1057275" cy="295275"/>
+          </a:xfrm>
+          <a:prstGeom prst="rect">
+            <a:avLst/>
+          </a:prstGeom>
+        </p:spPr>
+      </p:pic>
+      <p:pic>
+        <p:nvPicPr>
+          <p:cNvPr id="20" name="Picture 19"/>
+          <p:cNvPicPr>
+            <a:picLocks noChangeAspect="1"/>
+          </p:cNvPicPr>
+          <p:nvPr/>
+        </p:nvPicPr>
+        <p:blipFill>
+          <a:blip r:embed="rId5"/>
+          <a:stretch>
+            <a:fillRect/>
+          </a:stretch>
+        </p:blipFill>
+        <p:spPr>
+          <a:xfrm>
+            <a:off x="700695" y="5243116"/>
+            <a:ext cx="1076325" cy="323850"/>
+          </a:xfrm>
+          <a:prstGeom prst="rect">
+            <a:avLst/>
+          </a:prstGeom>
+        </p:spPr>
+      </p:pic>
+      <p:pic>
+        <p:nvPicPr>
+          <p:cNvPr id="22" name="Picture 21"/>
+          <p:cNvPicPr>
+            <a:picLocks noChangeAspect="1"/>
+          </p:cNvPicPr>
+          <p:nvPr/>
+        </p:nvPicPr>
+        <p:blipFill>
+          <a:blip r:embed="rId6"/>
+          <a:stretch>
+            <a:fillRect/>
+          </a:stretch>
+        </p:blipFill>
+        <p:spPr>
+          <a:xfrm>
+            <a:off x="1070887" y="3082820"/>
+            <a:ext cx="666750" cy="295275"/>
+          </a:xfrm>
+          <a:prstGeom prst="rect">
+            <a:avLst/>
+          </a:prstGeom>
+        </p:spPr>
+      </p:pic>
+      <p:pic>
+        <p:nvPicPr>
+          <p:cNvPr id="23" name="Picture 22"/>
+          <p:cNvPicPr>
+            <a:picLocks noChangeAspect="1"/>
+          </p:cNvPicPr>
+          <p:nvPr/>
+        </p:nvPicPr>
+        <p:blipFill>
+          <a:blip r:embed="rId5"/>
+          <a:stretch>
+            <a:fillRect/>
+          </a:stretch>
+        </p:blipFill>
+        <p:spPr>
+          <a:xfrm>
+            <a:off x="1070887" y="4806611"/>
+            <a:ext cx="1076325" cy="323850"/>
+          </a:xfrm>
+          <a:prstGeom prst="rect">
+            <a:avLst/>
+          </a:prstGeom>
+        </p:spPr>
+      </p:pic>
+      <p:pic>
+        <p:nvPicPr>
+          <p:cNvPr id="24" name="Picture 23"/>
+          <p:cNvPicPr>
+            <a:picLocks noChangeAspect="1"/>
+          </p:cNvPicPr>
+          <p:nvPr/>
+        </p:nvPicPr>
+        <p:blipFill>
+          <a:blip r:embed="rId7"/>
+          <a:stretch>
+            <a:fillRect/>
+          </a:stretch>
+        </p:blipFill>
+        <p:spPr>
+          <a:xfrm>
+            <a:off x="1304350" y="3378405"/>
+            <a:ext cx="1123950" cy="276225"/>
+          </a:xfrm>
+          <a:prstGeom prst="rect">
+            <a:avLst/>
+          </a:prstGeom>
+        </p:spPr>
+      </p:pic>
+      <p:pic>
+        <p:nvPicPr>
+          <p:cNvPr id="25" name="Picture 24"/>
+          <p:cNvPicPr>
+            <a:picLocks noChangeAspect="1"/>
+          </p:cNvPicPr>
+          <p:nvPr/>
+        </p:nvPicPr>
+        <p:blipFill>
+          <a:blip r:embed="rId8"/>
+          <a:stretch>
+            <a:fillRect/>
+          </a:stretch>
+        </p:blipFill>
+        <p:spPr>
+          <a:xfrm>
+            <a:off x="1375787" y="4075460"/>
+            <a:ext cx="981075" cy="285750"/>
+          </a:xfrm>
+          <a:prstGeom prst="rect">
+            <a:avLst/>
+          </a:prstGeom>
+        </p:spPr>
+      </p:pic>
+      <p:pic>
+        <p:nvPicPr>
+          <p:cNvPr id="26" name="Picture 25"/>
+          <p:cNvPicPr>
+            <a:picLocks noChangeAspect="1"/>
+          </p:cNvPicPr>
+          <p:nvPr/>
+        </p:nvPicPr>
+        <p:blipFill>
+          <a:blip r:embed="rId9"/>
+          <a:stretch>
+            <a:fillRect/>
+          </a:stretch>
+        </p:blipFill>
+        <p:spPr>
+          <a:xfrm>
+            <a:off x="1845284" y="3695256"/>
+            <a:ext cx="1533525" cy="295275"/>
+          </a:xfrm>
+          <a:prstGeom prst="rect">
+            <a:avLst/>
+          </a:prstGeom>
+        </p:spPr>
+      </p:pic>
+      <p:pic>
+        <p:nvPicPr>
+          <p:cNvPr id="27" name="Picture 26"/>
+          <p:cNvPicPr>
+            <a:picLocks noChangeAspect="1"/>
+          </p:cNvPicPr>
+          <p:nvPr/>
+        </p:nvPicPr>
+        <p:blipFill>
+          <a:blip r:embed="rId10"/>
+          <a:stretch>
+            <a:fillRect/>
+          </a:stretch>
+        </p:blipFill>
+        <p:spPr>
+          <a:xfrm>
+            <a:off x="1887504" y="4432743"/>
+            <a:ext cx="1733550" cy="295275"/>
+          </a:xfrm>
+          <a:prstGeom prst="rect">
+            <a:avLst/>
+          </a:prstGeom>
+        </p:spPr>
+      </p:pic>
+      <p:sp>
+        <p:nvSpPr>
+          <p:cNvPr id="28" name="Rectangle 27"/>
+          <p:cNvSpPr/>
+          <p:nvPr/>
+        </p:nvSpPr>
+        <p:spPr>
+          <a:xfrm>
+            <a:off x="272374" y="2159540"/>
+            <a:ext cx="3550596" cy="3482503"/>
+          </a:xfrm>
+          <a:prstGeom prst="rect">
+            <a:avLst/>
+          </a:prstGeom>
+          <a:noFill/>
+        </p:spPr>
+        <p:style>
+          <a:lnRef idx="2">
+            <a:schemeClr val="accent1">
+              <a:shade val="50000"/>
+            </a:schemeClr>
+          </a:lnRef>
+          <a:fillRef idx="1">
+            <a:schemeClr val="accent1"/>
+          </a:fillRef>
+          <a:effectRef idx="0">
+            <a:schemeClr val="accent1"/>
+          </a:effectRef>
+          <a:fontRef idx="minor">
+            <a:schemeClr val="lt1"/>
+          </a:fontRef>
+        </p:style>
+        <p:txBody>
+          <a:bodyPr rtlCol="0" anchor="ctr"/>
+          <a:lstStyle/>
+          <a:p>
+            <a:pPr algn="ctr"/>
+            <a:endParaRPr lang="en-US" dirty="0"/>
+          </a:p>
+        </p:txBody>
+      </p:sp>
+      <p:sp>
+        <p:nvSpPr>
+          <p:cNvPr id="29" name="Rectangle 28"/>
+          <p:cNvSpPr/>
+          <p:nvPr/>
+        </p:nvSpPr>
+        <p:spPr>
+          <a:xfrm>
+            <a:off x="266122" y="1756952"/>
+            <a:ext cx="1945469" cy="369332"/>
+          </a:xfrm>
+          <a:prstGeom prst="rect">
+            <a:avLst/>
+          </a:prstGeom>
+        </p:spPr>
+        <p:txBody>
+          <a:bodyPr wrap="none">
+            <a:spAutoFit/>
+          </a:bodyPr>
+          <a:lstStyle/>
+          <a:p>
+            <a:r>
+              <a:rPr lang="en-US" dirty="0"/>
+              <a:t>Maven </a:t>
+            </a:r>
+            <a:r>
+              <a:rPr lang="en-US" dirty="0" err="1"/>
+              <a:t>Proje</a:t>
+            </a:r>
+            <a:r>
+              <a:rPr lang="en-US" dirty="0"/>
+              <a:t> </a:t>
+            </a:r>
+            <a:r>
+              <a:rPr lang="en-US" dirty="0" err="1"/>
+              <a:t>Yapısı</a:t>
+            </a:r>
             <a:endParaRPr lang="en-US" dirty="0"/>
           </a:p>
         </p:txBody>
@@ -4991,7 +11982,7 @@
     </p:spTree>
     <p:extLst>
       <p:ext uri="{BB962C8B-B14F-4D97-AF65-F5344CB8AC3E}">
-        <p14:creationId xmlns:p14="http://schemas.microsoft.com/office/powerpoint/2010/main" val="1126341997"/>
+        <p14:creationId xmlns:p14="http://schemas.microsoft.com/office/powerpoint/2010/main" val="1801778820"/>
       </p:ext>
     </p:extLst>
   </p:cSld>
@@ -5037,7 +12028,7 @@
           <a:p>
             <a:r>
               <a:rPr lang="tr-TR" sz="7200" b="1" dirty="0" smtClean="0"/>
-              <a:t>Demo</a:t>
+              <a:t>JUnit</a:t>
             </a:r>
             <a:endParaRPr lang="en-US" sz="7200" b="1" dirty="0"/>
           </a:p>
@@ -5056,7 +12047,7 @@
         <p:spPr/>
         <p:txBody>
           <a:bodyPr>
-            <a:normAutofit fontScale="62500" lnSpcReduction="20000"/>
+            <a:normAutofit/>
           </a:bodyPr>
           <a:lstStyle/>
           <a:p>
@@ -5066,7 +12057,7 @@
             </a:pPr>
             <a:r>
               <a:rPr lang="tr-TR" sz="3600" dirty="0" smtClean="0"/>
-              <a:t>Maven Projesi Olusturma</a:t>
+              <a:t>Birim Testi nedir?</a:t>
             </a:r>
           </a:p>
           <a:p>
@@ -5076,27 +12067,7 @@
             </a:pPr>
             <a:r>
               <a:rPr lang="tr-TR" sz="3600" dirty="0" smtClean="0"/>
-              <a:t>Hesaplama.java</a:t>
-            </a:r>
-          </a:p>
-          <a:p>
-            <a:pPr marL="571500" indent="-571500">
-              <a:buFont typeface="Courier New" panose="02070309020205020404" pitchFamily="49" charset="0"/>
-              <a:buChar char="o"/>
-            </a:pPr>
-            <a:r>
-              <a:rPr lang="tr-TR" sz="3600" dirty="0" smtClean="0"/>
-              <a:t>HesaplamaTest.java</a:t>
-            </a:r>
-          </a:p>
-          <a:p>
-            <a:pPr marL="571500" indent="-571500">
-              <a:buFont typeface="Courier New" panose="02070309020205020404" pitchFamily="49" charset="0"/>
-              <a:buChar char="o"/>
-            </a:pPr>
-            <a:r>
-              <a:rPr lang="tr-TR" sz="3600" dirty="0" smtClean="0"/>
-              <a:t>Git Commit/Push/Fetch</a:t>
+              <a:t>Junit nedir, ne için kullanılır?</a:t>
             </a:r>
             <a:endParaRPr lang="en-US" sz="3600" dirty="0"/>
           </a:p>
@@ -5105,7 +12076,7 @@
     </p:spTree>
     <p:extLst>
       <p:ext uri="{BB962C8B-B14F-4D97-AF65-F5344CB8AC3E}">
-        <p14:creationId xmlns:p14="http://schemas.microsoft.com/office/powerpoint/2010/main" val="1399198468"/>
+        <p14:creationId xmlns:p14="http://schemas.microsoft.com/office/powerpoint/2010/main" val="868319415"/>
       </p:ext>
     </p:extLst>
   </p:cSld>
